--- a/2907.pptx
+++ b/2907.pptx
@@ -4,32 +4,37 @@
   <p:sldMasterIdLst>
     <p:sldMasterId id="2147483648" r:id="rId1"/>
   </p:sldMasterIdLst>
+  <p:notesMasterIdLst>
+    <p:notesMasterId r:id="rId29"/>
+  </p:notesMasterIdLst>
   <p:sldIdLst>
     <p:sldId id="256" r:id="rId2"/>
     <p:sldId id="257" r:id="rId3"/>
     <p:sldId id="259" r:id="rId4"/>
     <p:sldId id="260" r:id="rId5"/>
-    <p:sldId id="263" r:id="rId6"/>
-    <p:sldId id="261" r:id="rId7"/>
-    <p:sldId id="258" r:id="rId8"/>
-    <p:sldId id="264" r:id="rId9"/>
-    <p:sldId id="265" r:id="rId10"/>
-    <p:sldId id="266" r:id="rId11"/>
-    <p:sldId id="267" r:id="rId12"/>
-    <p:sldId id="268" r:id="rId13"/>
-    <p:sldId id="269" r:id="rId14"/>
-    <p:sldId id="270" r:id="rId15"/>
-    <p:sldId id="271" r:id="rId16"/>
-    <p:sldId id="274" r:id="rId17"/>
-    <p:sldId id="272" r:id="rId18"/>
-    <p:sldId id="273" r:id="rId19"/>
-    <p:sldId id="275" r:id="rId20"/>
-    <p:sldId id="276" r:id="rId21"/>
-    <p:sldId id="277" r:id="rId22"/>
-    <p:sldId id="278" r:id="rId23"/>
-    <p:sldId id="279" r:id="rId24"/>
-    <p:sldId id="280" r:id="rId25"/>
-    <p:sldId id="281" r:id="rId26"/>
+    <p:sldId id="283" r:id="rId6"/>
+    <p:sldId id="263" r:id="rId7"/>
+    <p:sldId id="261" r:id="rId8"/>
+    <p:sldId id="258" r:id="rId9"/>
+    <p:sldId id="264" r:id="rId10"/>
+    <p:sldId id="265" r:id="rId11"/>
+    <p:sldId id="266" r:id="rId12"/>
+    <p:sldId id="267" r:id="rId13"/>
+    <p:sldId id="268" r:id="rId14"/>
+    <p:sldId id="269" r:id="rId15"/>
+    <p:sldId id="270" r:id="rId16"/>
+    <p:sldId id="271" r:id="rId17"/>
+    <p:sldId id="274" r:id="rId18"/>
+    <p:sldId id="272" r:id="rId19"/>
+    <p:sldId id="273" r:id="rId20"/>
+    <p:sldId id="275" r:id="rId21"/>
+    <p:sldId id="284" r:id="rId22"/>
+    <p:sldId id="276" r:id="rId23"/>
+    <p:sldId id="277" r:id="rId24"/>
+    <p:sldId id="278" r:id="rId25"/>
+    <p:sldId id="279" r:id="rId26"/>
+    <p:sldId id="280" r:id="rId27"/>
+    <p:sldId id="281" r:id="rId28"/>
   </p:sldIdLst>
   <p:sldSz cx="9144000" cy="6858000" type="screen4x3"/>
   <p:notesSz cx="6858000" cy="9144000"/>
@@ -129,6 +134,482 @@
     </a:lvl9pPr>
   </p:defaultTextStyle>
 </p:presentation>
+</file>
+
+<file path=ppt/notesMasters/notesMaster1.xml><?xml version="1.0" encoding="utf-8"?>
+<p:notesMaster xmlns:a="http://schemas.openxmlformats.org/drawingml/2006/main" xmlns:r="http://schemas.openxmlformats.org/officeDocument/2006/relationships" xmlns:p="http://schemas.openxmlformats.org/presentationml/2006/main">
+  <p:cSld>
+    <p:bg>
+      <p:bgRef idx="1001">
+        <a:schemeClr val="bg1"/>
+      </p:bgRef>
+    </p:bg>
+    <p:spTree>
+      <p:nvGrpSpPr>
+        <p:cNvPr id="1" name=""/>
+        <p:cNvGrpSpPr/>
+        <p:nvPr/>
+      </p:nvGrpSpPr>
+      <p:grpSpPr>
+        <a:xfrm>
+          <a:off x="0" y="0"/>
+          <a:ext cx="0" cy="0"/>
+          <a:chOff x="0" y="0"/>
+          <a:chExt cx="0" cy="0"/>
+        </a:xfrm>
+      </p:grpSpPr>
+      <p:sp>
+        <p:nvSpPr>
+          <p:cNvPr id="2" name="Header Placeholder 1"/>
+          <p:cNvSpPr>
+            <a:spLocks noGrp="1"/>
+          </p:cNvSpPr>
+          <p:nvPr>
+            <p:ph type="hdr" sz="quarter"/>
+          </p:nvPr>
+        </p:nvSpPr>
+        <p:spPr>
+          <a:xfrm>
+            <a:off x="0" y="0"/>
+            <a:ext cx="2971800" cy="457200"/>
+          </a:xfrm>
+          <a:prstGeom prst="rect">
+            <a:avLst/>
+          </a:prstGeom>
+        </p:spPr>
+        <p:txBody>
+          <a:bodyPr vert="horz" lIns="91440" tIns="45720" rIns="91440" bIns="45720" rtlCol="0"/>
+          <a:lstStyle>
+            <a:lvl1pPr algn="l">
+              <a:defRPr sz="1200"/>
+            </a:lvl1pPr>
+          </a:lstStyle>
+          <a:p>
+            <a:endParaRPr lang="en-US"/>
+          </a:p>
+        </p:txBody>
+      </p:sp>
+      <p:sp>
+        <p:nvSpPr>
+          <p:cNvPr id="3" name="Date Placeholder 2"/>
+          <p:cNvSpPr>
+            <a:spLocks noGrp="1"/>
+          </p:cNvSpPr>
+          <p:nvPr>
+            <p:ph type="dt" idx="1"/>
+          </p:nvPr>
+        </p:nvSpPr>
+        <p:spPr>
+          <a:xfrm>
+            <a:off x="3884613" y="0"/>
+            <a:ext cx="2971800" cy="457200"/>
+          </a:xfrm>
+          <a:prstGeom prst="rect">
+            <a:avLst/>
+          </a:prstGeom>
+        </p:spPr>
+        <p:txBody>
+          <a:bodyPr vert="horz" lIns="91440" tIns="45720" rIns="91440" bIns="45720" rtlCol="0"/>
+          <a:lstStyle>
+            <a:lvl1pPr algn="r">
+              <a:defRPr sz="1200"/>
+            </a:lvl1pPr>
+          </a:lstStyle>
+          <a:p>
+            <a:fld id="{50E3BB0B-A5CF-42B0-B0B2-49A344E37235}" type="datetimeFigureOut">
+              <a:rPr lang="en-US" smtClean="0"/>
+              <a:t>3/31/2014</a:t>
+            </a:fld>
+            <a:endParaRPr lang="en-US"/>
+          </a:p>
+        </p:txBody>
+      </p:sp>
+      <p:sp>
+        <p:nvSpPr>
+          <p:cNvPr id="4" name="Slide Image Placeholder 3"/>
+          <p:cNvSpPr>
+            <a:spLocks noGrp="1" noRot="1" noChangeAspect="1"/>
+          </p:cNvSpPr>
+          <p:nvPr>
+            <p:ph type="sldImg" idx="2"/>
+          </p:nvPr>
+        </p:nvSpPr>
+        <p:spPr>
+          <a:xfrm>
+            <a:off x="1143000" y="685800"/>
+            <a:ext cx="4572000" cy="3429000"/>
+          </a:xfrm>
+          <a:prstGeom prst="rect">
+            <a:avLst/>
+          </a:prstGeom>
+          <a:noFill/>
+          <a:ln w="12700">
+            <a:solidFill>
+              <a:prstClr val="black"/>
+            </a:solidFill>
+          </a:ln>
+        </p:spPr>
+        <p:txBody>
+          <a:bodyPr vert="horz" lIns="91440" tIns="45720" rIns="91440" bIns="45720" rtlCol="0" anchor="ctr"/>
+          <a:lstStyle/>
+          <a:p>
+            <a:endParaRPr lang="en-US"/>
+          </a:p>
+        </p:txBody>
+      </p:sp>
+      <p:sp>
+        <p:nvSpPr>
+          <p:cNvPr id="5" name="Notes Placeholder 4"/>
+          <p:cNvSpPr>
+            <a:spLocks noGrp="1"/>
+          </p:cNvSpPr>
+          <p:nvPr>
+            <p:ph type="body" sz="quarter" idx="3"/>
+          </p:nvPr>
+        </p:nvSpPr>
+        <p:spPr>
+          <a:xfrm>
+            <a:off x="685800" y="4343400"/>
+            <a:ext cx="5486400" cy="4114800"/>
+          </a:xfrm>
+          <a:prstGeom prst="rect">
+            <a:avLst/>
+          </a:prstGeom>
+        </p:spPr>
+        <p:txBody>
+          <a:bodyPr vert="horz" lIns="91440" tIns="45720" rIns="91440" bIns="45720" rtlCol="0"/>
+          <a:lstStyle/>
+          <a:p>
+            <a:pPr lvl="0"/>
+            <a:r>
+              <a:rPr lang="en-US" smtClean="0"/>
+              <a:t>Click to edit Master text styles</a:t>
+            </a:r>
+          </a:p>
+          <a:p>
+            <a:pPr lvl="1"/>
+            <a:r>
+              <a:rPr lang="en-US" smtClean="0"/>
+              <a:t>Second level</a:t>
+            </a:r>
+          </a:p>
+          <a:p>
+            <a:pPr lvl="2"/>
+            <a:r>
+              <a:rPr lang="en-US" smtClean="0"/>
+              <a:t>Third level</a:t>
+            </a:r>
+          </a:p>
+          <a:p>
+            <a:pPr lvl="3"/>
+            <a:r>
+              <a:rPr lang="en-US" smtClean="0"/>
+              <a:t>Fourth level</a:t>
+            </a:r>
+          </a:p>
+          <a:p>
+            <a:pPr lvl="4"/>
+            <a:r>
+              <a:rPr lang="en-US" smtClean="0"/>
+              <a:t>Fifth level</a:t>
+            </a:r>
+            <a:endParaRPr lang="en-US"/>
+          </a:p>
+        </p:txBody>
+      </p:sp>
+      <p:sp>
+        <p:nvSpPr>
+          <p:cNvPr id="6" name="Footer Placeholder 5"/>
+          <p:cNvSpPr>
+            <a:spLocks noGrp="1"/>
+          </p:cNvSpPr>
+          <p:nvPr>
+            <p:ph type="ftr" sz="quarter" idx="4"/>
+          </p:nvPr>
+        </p:nvSpPr>
+        <p:spPr>
+          <a:xfrm>
+            <a:off x="0" y="8685213"/>
+            <a:ext cx="2971800" cy="457200"/>
+          </a:xfrm>
+          <a:prstGeom prst="rect">
+            <a:avLst/>
+          </a:prstGeom>
+        </p:spPr>
+        <p:txBody>
+          <a:bodyPr vert="horz" lIns="91440" tIns="45720" rIns="91440" bIns="45720" rtlCol="0" anchor="b"/>
+          <a:lstStyle>
+            <a:lvl1pPr algn="l">
+              <a:defRPr sz="1200"/>
+            </a:lvl1pPr>
+          </a:lstStyle>
+          <a:p>
+            <a:endParaRPr lang="en-US"/>
+          </a:p>
+        </p:txBody>
+      </p:sp>
+      <p:sp>
+        <p:nvSpPr>
+          <p:cNvPr id="7" name="Slide Number Placeholder 6"/>
+          <p:cNvSpPr>
+            <a:spLocks noGrp="1"/>
+          </p:cNvSpPr>
+          <p:nvPr>
+            <p:ph type="sldNum" sz="quarter" idx="5"/>
+          </p:nvPr>
+        </p:nvSpPr>
+        <p:spPr>
+          <a:xfrm>
+            <a:off x="3884613" y="8685213"/>
+            <a:ext cx="2971800" cy="457200"/>
+          </a:xfrm>
+          <a:prstGeom prst="rect">
+            <a:avLst/>
+          </a:prstGeom>
+        </p:spPr>
+        <p:txBody>
+          <a:bodyPr vert="horz" lIns="91440" tIns="45720" rIns="91440" bIns="45720" rtlCol="0" anchor="b"/>
+          <a:lstStyle>
+            <a:lvl1pPr algn="r">
+              <a:defRPr sz="1200"/>
+            </a:lvl1pPr>
+          </a:lstStyle>
+          <a:p>
+            <a:fld id="{3CC24B62-E5B0-4615-8FDB-04470B3BD86F}" type="slidenum">
+              <a:rPr lang="en-US" smtClean="0"/>
+              <a:t>‹#›</a:t>
+            </a:fld>
+            <a:endParaRPr lang="en-US"/>
+          </a:p>
+        </p:txBody>
+      </p:sp>
+    </p:spTree>
+    <p:extLst>
+      <p:ext uri="{BB962C8B-B14F-4D97-AF65-F5344CB8AC3E}">
+        <p14:creationId xmlns:p14="http://schemas.microsoft.com/office/powerpoint/2010/main" val="3159844349"/>
+      </p:ext>
+    </p:extLst>
+  </p:cSld>
+  <p:clrMap bg1="lt1" tx1="dk1" bg2="lt2" tx2="dk2" accent1="accent1" accent2="accent2" accent3="accent3" accent4="accent4" accent5="accent5" accent6="accent6" hlink="hlink" folHlink="folHlink"/>
+  <p:notesStyle>
+    <a:lvl1pPr marL="0" algn="l" defTabSz="914400" rtl="0" eaLnBrk="1" latinLnBrk="0" hangingPunct="1">
+      <a:defRPr sz="1200" kern="1200">
+        <a:solidFill>
+          <a:schemeClr val="tx1"/>
+        </a:solidFill>
+        <a:latin typeface="+mn-lt"/>
+        <a:ea typeface="+mn-ea"/>
+        <a:cs typeface="+mn-cs"/>
+      </a:defRPr>
+    </a:lvl1pPr>
+    <a:lvl2pPr marL="457200" algn="l" defTabSz="914400" rtl="0" eaLnBrk="1" latinLnBrk="0" hangingPunct="1">
+      <a:defRPr sz="1200" kern="1200">
+        <a:solidFill>
+          <a:schemeClr val="tx1"/>
+        </a:solidFill>
+        <a:latin typeface="+mn-lt"/>
+        <a:ea typeface="+mn-ea"/>
+        <a:cs typeface="+mn-cs"/>
+      </a:defRPr>
+    </a:lvl2pPr>
+    <a:lvl3pPr marL="914400" algn="l" defTabSz="914400" rtl="0" eaLnBrk="1" latinLnBrk="0" hangingPunct="1">
+      <a:defRPr sz="1200" kern="1200">
+        <a:solidFill>
+          <a:schemeClr val="tx1"/>
+        </a:solidFill>
+        <a:latin typeface="+mn-lt"/>
+        <a:ea typeface="+mn-ea"/>
+        <a:cs typeface="+mn-cs"/>
+      </a:defRPr>
+    </a:lvl3pPr>
+    <a:lvl4pPr marL="1371600" algn="l" defTabSz="914400" rtl="0" eaLnBrk="1" latinLnBrk="0" hangingPunct="1">
+      <a:defRPr sz="1200" kern="1200">
+        <a:solidFill>
+          <a:schemeClr val="tx1"/>
+        </a:solidFill>
+        <a:latin typeface="+mn-lt"/>
+        <a:ea typeface="+mn-ea"/>
+        <a:cs typeface="+mn-cs"/>
+      </a:defRPr>
+    </a:lvl4pPr>
+    <a:lvl5pPr marL="1828800" algn="l" defTabSz="914400" rtl="0" eaLnBrk="1" latinLnBrk="0" hangingPunct="1">
+      <a:defRPr sz="1200" kern="1200">
+        <a:solidFill>
+          <a:schemeClr val="tx1"/>
+        </a:solidFill>
+        <a:latin typeface="+mn-lt"/>
+        <a:ea typeface="+mn-ea"/>
+        <a:cs typeface="+mn-cs"/>
+      </a:defRPr>
+    </a:lvl5pPr>
+    <a:lvl6pPr marL="2286000" algn="l" defTabSz="914400" rtl="0" eaLnBrk="1" latinLnBrk="0" hangingPunct="1">
+      <a:defRPr sz="1200" kern="1200">
+        <a:solidFill>
+          <a:schemeClr val="tx1"/>
+        </a:solidFill>
+        <a:latin typeface="+mn-lt"/>
+        <a:ea typeface="+mn-ea"/>
+        <a:cs typeface="+mn-cs"/>
+      </a:defRPr>
+    </a:lvl6pPr>
+    <a:lvl7pPr marL="2743200" algn="l" defTabSz="914400" rtl="0" eaLnBrk="1" latinLnBrk="0" hangingPunct="1">
+      <a:defRPr sz="1200" kern="1200">
+        <a:solidFill>
+          <a:schemeClr val="tx1"/>
+        </a:solidFill>
+        <a:latin typeface="+mn-lt"/>
+        <a:ea typeface="+mn-ea"/>
+        <a:cs typeface="+mn-cs"/>
+      </a:defRPr>
+    </a:lvl7pPr>
+    <a:lvl8pPr marL="3200400" algn="l" defTabSz="914400" rtl="0" eaLnBrk="1" latinLnBrk="0" hangingPunct="1">
+      <a:defRPr sz="1200" kern="1200">
+        <a:solidFill>
+          <a:schemeClr val="tx1"/>
+        </a:solidFill>
+        <a:latin typeface="+mn-lt"/>
+        <a:ea typeface="+mn-ea"/>
+        <a:cs typeface="+mn-cs"/>
+      </a:defRPr>
+    </a:lvl8pPr>
+    <a:lvl9pPr marL="3657600" algn="l" defTabSz="914400" rtl="0" eaLnBrk="1" latinLnBrk="0" hangingPunct="1">
+      <a:defRPr sz="1200" kern="1200">
+        <a:solidFill>
+          <a:schemeClr val="tx1"/>
+        </a:solidFill>
+        <a:latin typeface="+mn-lt"/>
+        <a:ea typeface="+mn-ea"/>
+        <a:cs typeface="+mn-cs"/>
+      </a:defRPr>
+    </a:lvl9pPr>
+  </p:notesStyle>
+</p:notesMaster>
+</file>
+
+<file path=ppt/notesSlides/notesSlide1.xml><?xml version="1.0" encoding="utf-8"?>
+<p:notes xmlns:a="http://schemas.openxmlformats.org/drawingml/2006/main" xmlns:r="http://schemas.openxmlformats.org/officeDocument/2006/relationships" xmlns:p="http://schemas.openxmlformats.org/presentationml/2006/main">
+  <p:cSld>
+    <p:spTree>
+      <p:nvGrpSpPr>
+        <p:cNvPr id="1" name=""/>
+        <p:cNvGrpSpPr/>
+        <p:nvPr/>
+      </p:nvGrpSpPr>
+      <p:grpSpPr>
+        <a:xfrm>
+          <a:off x="0" y="0"/>
+          <a:ext cx="0" cy="0"/>
+          <a:chOff x="0" y="0"/>
+          <a:chExt cx="0" cy="0"/>
+        </a:xfrm>
+      </p:grpSpPr>
+      <p:sp>
+        <p:nvSpPr>
+          <p:cNvPr id="2" name="Slide Image Placeholder 1"/>
+          <p:cNvSpPr>
+            <a:spLocks noGrp="1" noRot="1" noChangeAspect="1"/>
+          </p:cNvSpPr>
+          <p:nvPr>
+            <p:ph type="sldImg"/>
+          </p:nvPr>
+        </p:nvSpPr>
+        <p:spPr/>
+      </p:sp>
+      <p:sp>
+        <p:nvSpPr>
+          <p:cNvPr id="3" name="Notes Placeholder 2"/>
+          <p:cNvSpPr>
+            <a:spLocks noGrp="1"/>
+          </p:cNvSpPr>
+          <p:nvPr>
+            <p:ph type="body" idx="1"/>
+          </p:nvPr>
+        </p:nvSpPr>
+        <p:spPr/>
+        <p:txBody>
+          <a:bodyPr/>
+          <a:lstStyle/>
+          <a:p>
+            <a:r>
+              <a:rPr lang="en-US" sz="1200" b="0" i="0" kern="1200" dirty="0" smtClean="0">
+                <a:solidFill>
+                  <a:schemeClr val="tx1"/>
+                </a:solidFill>
+                <a:effectLst/>
+                <a:latin typeface="+mn-lt"/>
+                <a:ea typeface="+mn-ea"/>
+                <a:cs typeface="+mn-cs"/>
+              </a:rPr>
+              <a:t>Requirements of the complete system are clearly defined and understood.</a:t>
+            </a:r>
+          </a:p>
+          <a:p>
+            <a:r>
+              <a:rPr lang="en-US" sz="1200" b="0" i="0" kern="1200" dirty="0" smtClean="0">
+                <a:solidFill>
+                  <a:schemeClr val="tx1"/>
+                </a:solidFill>
+                <a:effectLst/>
+                <a:latin typeface="+mn-lt"/>
+                <a:ea typeface="+mn-ea"/>
+                <a:cs typeface="+mn-cs"/>
+              </a:rPr>
+              <a:t>When the project is big.</a:t>
+            </a:r>
+          </a:p>
+          <a:p>
+            <a:r>
+              <a:rPr lang="en-US" sz="1200" b="0" i="0" kern="1200" dirty="0" smtClean="0">
+                <a:solidFill>
+                  <a:schemeClr val="tx1"/>
+                </a:solidFill>
+                <a:effectLst/>
+                <a:latin typeface="+mn-lt"/>
+                <a:ea typeface="+mn-ea"/>
+                <a:cs typeface="+mn-cs"/>
+              </a:rPr>
+              <a:t>Major requirements must be defined; however, some details can evolve with time.</a:t>
+            </a:r>
+          </a:p>
+          <a:p>
+            <a:endParaRPr lang="en-US" dirty="0"/>
+          </a:p>
+        </p:txBody>
+      </p:sp>
+      <p:sp>
+        <p:nvSpPr>
+          <p:cNvPr id="4" name="Slide Number Placeholder 3"/>
+          <p:cNvSpPr>
+            <a:spLocks noGrp="1"/>
+          </p:cNvSpPr>
+          <p:nvPr>
+            <p:ph type="sldNum" sz="quarter" idx="10"/>
+          </p:nvPr>
+        </p:nvSpPr>
+        <p:spPr/>
+        <p:txBody>
+          <a:bodyPr/>
+          <a:lstStyle/>
+          <a:p>
+            <a:fld id="{3CC24B62-E5B0-4615-8FDB-04470B3BD86F}" type="slidenum">
+              <a:rPr lang="en-US" smtClean="0"/>
+              <a:t>21</a:t>
+            </a:fld>
+            <a:endParaRPr lang="en-US"/>
+          </a:p>
+        </p:txBody>
+      </p:sp>
+    </p:spTree>
+    <p:extLst>
+      <p:ext uri="{BB962C8B-B14F-4D97-AF65-F5344CB8AC3E}">
+        <p14:creationId xmlns:p14="http://schemas.microsoft.com/office/powerpoint/2010/main" val="2867473636"/>
+      </p:ext>
+    </p:extLst>
+  </p:cSld>
+  <p:clrMapOvr>
+    <a:masterClrMapping/>
+  </p:clrMapOvr>
+</p:notes>
 </file>
 
 <file path=ppt/slideLayouts/slideLayout1.xml><?xml version="1.0" encoding="utf-8"?>
@@ -337,7 +818,7 @@
             <a:fld id="{53074F12-AA26-4AC8-9962-C36BB8F32554}" type="datetimeFigureOut">
               <a:rPr lang="en-US" smtClean="0"/>
               <a:pPr/>
-              <a:t>3/28/2014</a:t>
+              <a:t>3/29/2014</a:t>
             </a:fld>
             <a:endParaRPr lang="en-US"/>
           </a:p>
@@ -592,7 +1073,7 @@
             <a:fld id="{53074F12-AA26-4AC8-9962-C36BB8F32554}" type="datetimeFigureOut">
               <a:rPr lang="en-US" smtClean="0"/>
               <a:pPr/>
-              <a:t>3/28/2014</a:t>
+              <a:t>3/29/2014</a:t>
             </a:fld>
             <a:endParaRPr lang="en-US"/>
           </a:p>
@@ -764,7 +1245,7 @@
             <a:fld id="{53074F12-AA26-4AC8-9962-C36BB8F32554}" type="datetimeFigureOut">
               <a:rPr lang="en-US" smtClean="0"/>
               <a:pPr/>
-              <a:t>3/28/2014</a:t>
+              <a:t>3/29/2014</a:t>
             </a:fld>
             <a:endParaRPr lang="en-US"/>
           </a:p>
@@ -946,7 +1427,7 @@
             <a:fld id="{53074F12-AA26-4AC8-9962-C36BB8F32554}" type="datetimeFigureOut">
               <a:rPr lang="en-US" smtClean="0"/>
               <a:pPr/>
-              <a:t>3/28/2014</a:t>
+              <a:t>3/29/2014</a:t>
             </a:fld>
             <a:endParaRPr lang="en-US"/>
           </a:p>
@@ -1174,7 +1655,7 @@
             <a:fld id="{53074F12-AA26-4AC8-9962-C36BB8F32554}" type="datetimeFigureOut">
               <a:rPr lang="en-US" smtClean="0"/>
               <a:pPr/>
-              <a:t>3/28/2014</a:t>
+              <a:t>3/29/2014</a:t>
             </a:fld>
             <a:endParaRPr lang="en-US"/>
           </a:p>
@@ -1402,7 +1883,7 @@
             <a:fld id="{53074F12-AA26-4AC8-9962-C36BB8F32554}" type="datetimeFigureOut">
               <a:rPr lang="en-US" smtClean="0"/>
               <a:pPr/>
-              <a:t>3/28/2014</a:t>
+              <a:t>3/29/2014</a:t>
             </a:fld>
             <a:endParaRPr lang="en-US"/>
           </a:p>
@@ -1650,7 +2131,7 @@
             <a:fld id="{53074F12-AA26-4AC8-9962-C36BB8F32554}" type="datetimeFigureOut">
               <a:rPr lang="en-US" smtClean="0"/>
               <a:pPr/>
-              <a:t>3/28/2014</a:t>
+              <a:t>3/29/2014</a:t>
             </a:fld>
             <a:endParaRPr lang="en-US"/>
           </a:p>
@@ -1940,7 +2421,7 @@
             <a:fld id="{53074F12-AA26-4AC8-9962-C36BB8F32554}" type="datetimeFigureOut">
               <a:rPr lang="en-US" smtClean="0"/>
               <a:pPr/>
-              <a:t>3/28/2014</a:t>
+              <a:t>3/29/2014</a:t>
             </a:fld>
             <a:endParaRPr lang="en-US"/>
           </a:p>
@@ -2423,7 +2904,7 @@
             <a:fld id="{53074F12-AA26-4AC8-9962-C36BB8F32554}" type="datetimeFigureOut">
               <a:rPr lang="en-US" smtClean="0"/>
               <a:pPr/>
-              <a:t>3/28/2014</a:t>
+              <a:t>3/29/2014</a:t>
             </a:fld>
             <a:endParaRPr lang="en-US"/>
           </a:p>
@@ -2543,7 +3024,7 @@
             <a:fld id="{53074F12-AA26-4AC8-9962-C36BB8F32554}" type="datetimeFigureOut">
               <a:rPr lang="en-US" smtClean="0"/>
               <a:pPr/>
-              <a:t>3/28/2014</a:t>
+              <a:t>3/29/2014</a:t>
             </a:fld>
             <a:endParaRPr lang="en-US"/>
           </a:p>
@@ -2640,7 +3121,7 @@
             <a:fld id="{53074F12-AA26-4AC8-9962-C36BB8F32554}" type="datetimeFigureOut">
               <a:rPr lang="en-US" smtClean="0"/>
               <a:pPr/>
-              <a:t>3/28/2014</a:t>
+              <a:t>3/29/2014</a:t>
             </a:fld>
             <a:endParaRPr lang="en-US"/>
           </a:p>
@@ -2919,7 +3400,7 @@
             <a:fld id="{53074F12-AA26-4AC8-9962-C36BB8F32554}" type="datetimeFigureOut">
               <a:rPr lang="en-US" smtClean="0"/>
               <a:pPr/>
-              <a:t>3/28/2014</a:t>
+              <a:t>3/29/2014</a:t>
             </a:fld>
             <a:endParaRPr lang="en-US"/>
           </a:p>
@@ -3143,7 +3624,7 @@
             <a:fld id="{53074F12-AA26-4AC8-9962-C36BB8F32554}" type="datetimeFigureOut">
               <a:rPr lang="en-US" smtClean="0"/>
               <a:pPr/>
-              <a:t>3/28/2014</a:t>
+              <a:t>3/29/2014</a:t>
             </a:fld>
             <a:endParaRPr lang="en-US"/>
           </a:p>
@@ -3607,13 +4088,13 @@
   <p:clrMapOvr>
     <a:masterClrMapping/>
   </p:clrMapOvr>
-  <mc:AlternateContent xmlns:mc="http://schemas.openxmlformats.org/markup-compatibility/2006">
-    <mc:Choice xmlns:p14="http://schemas.microsoft.com/office/powerpoint/2010/main" Requires="p14">
+  <mc:AlternateContent xmlns:mc="http://schemas.openxmlformats.org/markup-compatibility/2006" xmlns:p14="http://schemas.microsoft.com/office/powerpoint/2010/main">
+    <mc:Choice Requires="p14">
       <p:transition spd="med" p14:dur="700">
         <p:fade/>
       </p:transition>
     </mc:Choice>
-    <mc:Fallback>
+    <mc:Fallback xmlns="">
       <p:transition spd="med">
         <p:fade/>
       </p:transition>
@@ -3640,7 +4121,7 @@
                             </p:stCondLst>
                             <p:childTnLst>
                               <p:par>
-                                <p:cTn id="5" presetID="16" presetClass="entr" presetSubtype="21" fill="hold" grpId="0" nodeType="clickEffect">
+                                <p:cTn id="5" presetID="42" presetClass="entr" presetSubtype="0" fill="hold" grpId="0" nodeType="clickEffect">
                                   <p:stCondLst>
                                     <p:cond delay="0"/>
                                   </p:stCondLst>
@@ -3663,14 +4144,60 @@
                                         <p:strVal val="visible"/>
                                       </p:to>
                                     </p:set>
-                                    <p:animEffect transition="in" filter="barn(inVertical)">
-                                      <p:cBhvr>
-                                        <p:cTn id="7" dur="500"/>
+                                    <p:animEffect transition="in" filter="fade">
+                                      <p:cBhvr>
+                                        <p:cTn id="7" dur="1000"/>
                                         <p:tgtEl>
                                           <p:spTgt spid="2"/>
                                         </p:tgtEl>
                                       </p:cBhvr>
                                     </p:animEffect>
+                                    <p:anim calcmode="lin" valueType="num">
+                                      <p:cBhvr>
+                                        <p:cTn id="8" dur="1000" fill="hold"/>
+                                        <p:tgtEl>
+                                          <p:spTgt spid="2"/>
+                                        </p:tgtEl>
+                                        <p:attrNameLst>
+                                          <p:attrName>ppt_x</p:attrName>
+                                        </p:attrNameLst>
+                                      </p:cBhvr>
+                                      <p:tavLst>
+                                        <p:tav tm="0">
+                                          <p:val>
+                                            <p:strVal val="#ppt_x"/>
+                                          </p:val>
+                                        </p:tav>
+                                        <p:tav tm="100000">
+                                          <p:val>
+                                            <p:strVal val="#ppt_x"/>
+                                          </p:val>
+                                        </p:tav>
+                                      </p:tavLst>
+                                    </p:anim>
+                                    <p:anim calcmode="lin" valueType="num">
+                                      <p:cBhvr>
+                                        <p:cTn id="9" dur="1000" fill="hold"/>
+                                        <p:tgtEl>
+                                          <p:spTgt spid="2"/>
+                                        </p:tgtEl>
+                                        <p:attrNameLst>
+                                          <p:attrName>ppt_y</p:attrName>
+                                        </p:attrNameLst>
+                                      </p:cBhvr>
+                                      <p:tavLst>
+                                        <p:tav tm="0">
+                                          <p:val>
+                                            <p:strVal val="#ppt_y+.1"/>
+                                          </p:val>
+                                        </p:tav>
+                                        <p:tav tm="100000">
+                                          <p:val>
+                                            <p:strVal val="#ppt_y"/>
+                                          </p:val>
+                                        </p:tav>
+                                      </p:tavLst>
+                                    </p:anim>
                                   </p:childTnLst>
                                 </p:cTn>
                               </p:par>
@@ -3727,6 +4254,322 @@
       </p:grpSpPr>
       <p:sp>
         <p:nvSpPr>
+          <p:cNvPr id="2" name="Title 1"/>
+          <p:cNvSpPr>
+            <a:spLocks noGrp="1"/>
+          </p:cNvSpPr>
+          <p:nvPr>
+            <p:ph type="title"/>
+          </p:nvPr>
+        </p:nvSpPr>
+        <p:spPr>
+          <a:xfrm>
+            <a:off x="1823310" y="374900"/>
+            <a:ext cx="7016195" cy="610820"/>
+          </a:xfrm>
+        </p:spPr>
+        <p:txBody>
+          <a:bodyPr>
+            <a:normAutofit fontScale="90000"/>
+          </a:bodyPr>
+          <a:lstStyle/>
+          <a:p>
+            <a:r>
+              <a:rPr lang="en-US" b="1" dirty="0" smtClean="0">
+                <a:solidFill>
+                  <a:srgbClr val="FFFF00"/>
+                </a:solidFill>
+                <a:effectLst>
+                  <a:outerShdw blurRad="38100" dist="38100" dir="2700000" algn="tl">
+                    <a:srgbClr val="000000">
+                      <a:alpha val="43137"/>
+                    </a:srgbClr>
+                  </a:outerShdw>
+                </a:effectLst>
+              </a:rPr>
+              <a:t>Similar system review </a:t>
+            </a:r>
+            <a:endParaRPr lang="en-US" b="1" dirty="0">
+              <a:solidFill>
+                <a:srgbClr val="FFFF00"/>
+              </a:solidFill>
+              <a:effectLst>
+                <a:outerShdw blurRad="38100" dist="38100" dir="2700000" algn="tl">
+                  <a:srgbClr val="000000">
+                    <a:alpha val="43137"/>
+                  </a:srgbClr>
+                </a:outerShdw>
+              </a:effectLst>
+            </a:endParaRPr>
+          </a:p>
+        </p:txBody>
+      </p:sp>
+      <p:sp>
+        <p:nvSpPr>
+          <p:cNvPr id="8" name="TextBox 7"/>
+          <p:cNvSpPr txBox="1"/>
+          <p:nvPr/>
+        </p:nvSpPr>
+        <p:spPr>
+          <a:xfrm>
+            <a:off x="2128720" y="1443835"/>
+            <a:ext cx="3192412" cy="523220"/>
+          </a:xfrm>
+          <a:prstGeom prst="rect">
+            <a:avLst/>
+          </a:prstGeom>
+          <a:noFill/>
+          <a:ln>
+            <a:noFill/>
+          </a:ln>
+        </p:spPr>
+        <p:txBody>
+          <a:bodyPr wrap="none" rtlCol="0">
+            <a:spAutoFit/>
+          </a:bodyPr>
+          <a:lstStyle/>
+          <a:p>
+            <a:r>
+              <a:rPr lang="en-US" sz="2800" b="1" dirty="0" smtClean="0">
+                <a:solidFill>
+                  <a:schemeClr val="tx2"/>
+                </a:solidFill>
+                <a:effectLst>
+                  <a:outerShdw blurRad="38100" dist="38100" dir="2700000" algn="tl">
+                    <a:srgbClr val="000000">
+                      <a:alpha val="43137"/>
+                    </a:srgbClr>
+                  </a:outerShdw>
+                </a:effectLst>
+              </a:rPr>
+              <a:t>Bakery land website</a:t>
+            </a:r>
+            <a:endParaRPr lang="en-US" sz="2800" b="1" dirty="0">
+              <a:solidFill>
+                <a:schemeClr val="tx2"/>
+              </a:solidFill>
+              <a:effectLst>
+                <a:outerShdw blurRad="38100" dist="38100" dir="2700000" algn="tl">
+                  <a:srgbClr val="000000">
+                    <a:alpha val="43137"/>
+                  </a:srgbClr>
+                </a:outerShdw>
+              </a:effectLst>
+            </a:endParaRPr>
+          </a:p>
+        </p:txBody>
+      </p:sp>
+      <p:pic>
+        <p:nvPicPr>
+          <p:cNvPr id="5" name="Picture 4"/>
+          <p:cNvPicPr/>
+          <p:nvPr/>
+        </p:nvPicPr>
+        <p:blipFill>
+          <a:blip r:embed="rId2"/>
+          <a:srcRect l="8186" t="10701" r="9229" b="4059"/>
+          <a:stretch>
+            <a:fillRect/>
+          </a:stretch>
+        </p:blipFill>
+        <p:spPr>
+          <a:xfrm>
+            <a:off x="2936380" y="2207360"/>
+            <a:ext cx="4995129" cy="3970330"/>
+          </a:xfrm>
+          <a:prstGeom prst="roundRect">
+            <a:avLst>
+              <a:gd name="adj" fmla="val 8594"/>
+            </a:avLst>
+          </a:prstGeom>
+          <a:solidFill>
+            <a:srgbClr val="FFFFFF">
+              <a:shade val="85000"/>
+            </a:srgbClr>
+          </a:solidFill>
+          <a:ln>
+            <a:noFill/>
+          </a:ln>
+          <a:effectLst>
+            <a:reflection blurRad="12700" stA="38000" endPos="28000" dist="5000" dir="5400000" sy="-100000" algn="bl" rotWithShape="0"/>
+          </a:effectLst>
+        </p:spPr>
+      </p:pic>
+    </p:spTree>
+    <p:extLst>
+      <p:ext uri="{BB962C8B-B14F-4D97-AF65-F5344CB8AC3E}">
+        <p14:creationId xmlns:p14="http://schemas.microsoft.com/office/powerpoint/2010/main" val="3844975861"/>
+      </p:ext>
+    </p:extLst>
+  </p:cSld>
+  <p:clrMapOvr>
+    <a:masterClrMapping/>
+  </p:clrMapOvr>
+  <mc:AlternateContent xmlns:mc="http://schemas.openxmlformats.org/markup-compatibility/2006" xmlns:p14="http://schemas.microsoft.com/office/powerpoint/2010/main">
+    <mc:Choice Requires="p14">
+      <p:transition spd="slow" p14:dur="1400">
+        <p14:doors dir="vert"/>
+      </p:transition>
+    </mc:Choice>
+    <mc:Fallback xmlns="">
+      <p:transition spd="slow">
+        <p:fade/>
+      </p:transition>
+    </mc:Fallback>
+  </mc:AlternateContent>
+  <p:timing>
+    <p:tnLst>
+      <p:par>
+        <p:cTn id="1" dur="indefinite" restart="never" nodeType="tmRoot">
+          <p:childTnLst>
+            <p:seq concurrent="1" nextAc="seek">
+              <p:cTn id="2" dur="indefinite" nodeType="mainSeq">
+                <p:childTnLst>
+                  <p:par>
+                    <p:cTn id="3" fill="hold">
+                      <p:stCondLst>
+                        <p:cond delay="indefinite"/>
+                      </p:stCondLst>
+                      <p:childTnLst>
+                        <p:par>
+                          <p:cTn id="4" fill="hold">
+                            <p:stCondLst>
+                              <p:cond delay="0"/>
+                            </p:stCondLst>
+                            <p:childTnLst>
+                              <p:par>
+                                <p:cTn id="5" presetID="1" presetClass="entr" presetSubtype="0" fill="hold" grpId="0" nodeType="clickEffect">
+                                  <p:stCondLst>
+                                    <p:cond delay="0"/>
+                                  </p:stCondLst>
+                                  <p:childTnLst>
+                                    <p:set>
+                                      <p:cBhvr>
+                                        <p:cTn id="6" dur="1" fill="hold">
+                                          <p:stCondLst>
+                                            <p:cond delay="0"/>
+                                          </p:stCondLst>
+                                        </p:cTn>
+                                        <p:tgtEl>
+                                          <p:spTgt spid="8"/>
+                                        </p:tgtEl>
+                                        <p:attrNameLst>
+                                          <p:attrName>style.visibility</p:attrName>
+                                        </p:attrNameLst>
+                                      </p:cBhvr>
+                                      <p:to>
+                                        <p:strVal val="visible"/>
+                                      </p:to>
+                                    </p:set>
+                                  </p:childTnLst>
+                                </p:cTn>
+                              </p:par>
+                            </p:childTnLst>
+                          </p:cTn>
+                        </p:par>
+                      </p:childTnLst>
+                    </p:cTn>
+                  </p:par>
+                  <p:par>
+                    <p:cTn id="7" fill="hold">
+                      <p:stCondLst>
+                        <p:cond delay="indefinite"/>
+                      </p:stCondLst>
+                      <p:childTnLst>
+                        <p:par>
+                          <p:cTn id="8" fill="hold">
+                            <p:stCondLst>
+                              <p:cond delay="0"/>
+                            </p:stCondLst>
+                            <p:childTnLst>
+                              <p:par>
+                                <p:cTn id="9" presetID="10" presetClass="entr" presetSubtype="0" fill="hold" nodeType="clickEffect">
+                                  <p:stCondLst>
+                                    <p:cond delay="0"/>
+                                  </p:stCondLst>
+                                  <p:childTnLst>
+                                    <p:set>
+                                      <p:cBhvr>
+                                        <p:cTn id="10" dur="1" fill="hold">
+                                          <p:stCondLst>
+                                            <p:cond delay="0"/>
+                                          </p:stCondLst>
+                                        </p:cTn>
+                                        <p:tgtEl>
+                                          <p:spTgt spid="5"/>
+                                        </p:tgtEl>
+                                        <p:attrNameLst>
+                                          <p:attrName>style.visibility</p:attrName>
+                                        </p:attrNameLst>
+                                      </p:cBhvr>
+                                      <p:to>
+                                        <p:strVal val="visible"/>
+                                      </p:to>
+                                    </p:set>
+                                    <p:animEffect transition="in" filter="fade">
+                                      <p:cBhvr>
+                                        <p:cTn id="11" dur="500"/>
+                                        <p:tgtEl>
+                                          <p:spTgt spid="5"/>
+                                        </p:tgtEl>
+                                      </p:cBhvr>
+                                    </p:animEffect>
+                                  </p:childTnLst>
+                                </p:cTn>
+                              </p:par>
+                            </p:childTnLst>
+                          </p:cTn>
+                        </p:par>
+                      </p:childTnLst>
+                    </p:cTn>
+                  </p:par>
+                </p:childTnLst>
+              </p:cTn>
+              <p:prevCondLst>
+                <p:cond evt="onPrev" delay="0">
+                  <p:tgtEl>
+                    <p:sldTgt/>
+                  </p:tgtEl>
+                </p:cond>
+              </p:prevCondLst>
+              <p:nextCondLst>
+                <p:cond evt="onNext" delay="0">
+                  <p:tgtEl>
+                    <p:sldTgt/>
+                  </p:tgtEl>
+                </p:cond>
+              </p:nextCondLst>
+            </p:seq>
+          </p:childTnLst>
+        </p:cTn>
+      </p:par>
+    </p:tnLst>
+    <p:bldLst>
+      <p:bldP spid="8" grpId="0"/>
+    </p:bldLst>
+  </p:timing>
+</p:sld>
+</file>
+
+<file path=ppt/slides/slide11.xml><?xml version="1.0" encoding="utf-8"?>
+<p:sld xmlns:a="http://schemas.openxmlformats.org/drawingml/2006/main" xmlns:r="http://schemas.openxmlformats.org/officeDocument/2006/relationships" xmlns:p="http://schemas.openxmlformats.org/presentationml/2006/main">
+  <p:cSld>
+    <p:spTree>
+      <p:nvGrpSpPr>
+        <p:cNvPr id="1" name=""/>
+        <p:cNvGrpSpPr/>
+        <p:nvPr/>
+      </p:nvGrpSpPr>
+      <p:grpSpPr>
+        <a:xfrm>
+          <a:off x="0" y="0"/>
+          <a:ext cx="0" cy="0"/>
+          <a:chOff x="0" y="0"/>
+          <a:chExt cx="0" cy="0"/>
+        </a:xfrm>
+      </p:grpSpPr>
+      <p:sp>
+        <p:nvSpPr>
           <p:cNvPr id="4" name="Title 3"/>
           <p:cNvSpPr>
             <a:spLocks noGrp="1"/>
@@ -3848,13 +4691,13 @@
   <p:clrMapOvr>
     <a:masterClrMapping/>
   </p:clrMapOvr>
-  <mc:AlternateContent xmlns:mc="http://schemas.openxmlformats.org/markup-compatibility/2006">
-    <mc:Choice xmlns:p14="http://schemas.microsoft.com/office/powerpoint/2010/main" Requires="p14">
+  <mc:AlternateContent xmlns:mc="http://schemas.openxmlformats.org/markup-compatibility/2006" xmlns:p14="http://schemas.microsoft.com/office/powerpoint/2010/main">
+    <mc:Choice Requires="p14">
       <p:transition spd="slow" p14:dur="1600">
         <p14:prism isInverted="1"/>
       </p:transition>
     </mc:Choice>
-    <mc:Fallback>
+    <mc:Fallback xmlns="">
       <p:transition spd="slow">
         <p:fade/>
       </p:transition>
@@ -4129,7 +4972,7 @@
 </p:sld>
 </file>
 
-<file path=ppt/slides/slide11.xml><?xml version="1.0" encoding="utf-8"?>
+<file path=ppt/slides/slide12.xml><?xml version="1.0" encoding="utf-8"?>
 <p:sld xmlns:a="http://schemas.openxmlformats.org/drawingml/2006/main" xmlns:r="http://schemas.openxmlformats.org/officeDocument/2006/relationships" xmlns:p="http://schemas.openxmlformats.org/presentationml/2006/main">
   <p:cSld>
     <p:spTree>
@@ -4293,13 +5136,13 @@
   <p:clrMapOvr>
     <a:masterClrMapping/>
   </p:clrMapOvr>
-  <mc:AlternateContent xmlns:mc="http://schemas.openxmlformats.org/markup-compatibility/2006">
-    <mc:Choice xmlns:p14="http://schemas.microsoft.com/office/powerpoint/2010/main" Requires="p14">
+  <mc:AlternateContent xmlns:mc="http://schemas.openxmlformats.org/markup-compatibility/2006" xmlns:p14="http://schemas.microsoft.com/office/powerpoint/2010/main">
+    <mc:Choice Requires="p14">
       <p:transition spd="slow" p14:dur="1600">
         <p14:prism isInverted="1"/>
       </p:transition>
     </mc:Choice>
-    <mc:Fallback>
+    <mc:Fallback xmlns="">
       <p:transition spd="slow">
         <p:fade/>
       </p:transition>
@@ -4570,7 +5413,7 @@
 </p:sld>
 </file>
 
-<file path=ppt/slides/slide12.xml><?xml version="1.0" encoding="utf-8"?>
+<file path=ppt/slides/slide13.xml><?xml version="1.0" encoding="utf-8"?>
 <p:sld xmlns:a="http://schemas.openxmlformats.org/drawingml/2006/main" xmlns:r="http://schemas.openxmlformats.org/officeDocument/2006/relationships" xmlns:p="http://schemas.openxmlformats.org/presentationml/2006/main">
   <p:cSld>
     <p:spTree>
@@ -4737,13 +5580,13 @@
   <p:clrMapOvr>
     <a:masterClrMapping/>
   </p:clrMapOvr>
-  <mc:AlternateContent xmlns:mc="http://schemas.openxmlformats.org/markup-compatibility/2006">
-    <mc:Choice xmlns:p14="http://schemas.microsoft.com/office/powerpoint/2010/main" Requires="p14">
+  <mc:AlternateContent xmlns:mc="http://schemas.openxmlformats.org/markup-compatibility/2006" xmlns:p14="http://schemas.microsoft.com/office/powerpoint/2010/main">
+    <mc:Choice Requires="p14">
       <p:transition spd="slow" p14:dur="1400">
         <p14:doors dir="vert"/>
       </p:transition>
     </mc:Choice>
-    <mc:Fallback>
+    <mc:Fallback xmlns="">
       <p:transition spd="slow">
         <p:fade/>
       </p:transition>
@@ -4883,7 +5726,7 @@
 </p:sld>
 </file>
 
-<file path=ppt/slides/slide13.xml><?xml version="1.0" encoding="utf-8"?>
+<file path=ppt/slides/slide14.xml><?xml version="1.0" encoding="utf-8"?>
 <p:sld xmlns:a="http://schemas.openxmlformats.org/drawingml/2006/main" xmlns:r="http://schemas.openxmlformats.org/officeDocument/2006/relationships" xmlns:p="http://schemas.openxmlformats.org/presentationml/2006/main">
   <p:cSld>
     <p:spTree>
@@ -5033,13 +5876,13 @@
   <p:clrMapOvr>
     <a:masterClrMapping/>
   </p:clrMapOvr>
-  <mc:AlternateContent xmlns:mc="http://schemas.openxmlformats.org/markup-compatibility/2006">
-    <mc:Choice xmlns:p14="http://schemas.microsoft.com/office/powerpoint/2010/main" Requires="p14">
+  <mc:AlternateContent xmlns:mc="http://schemas.openxmlformats.org/markup-compatibility/2006" xmlns:p14="http://schemas.microsoft.com/office/powerpoint/2010/main">
+    <mc:Choice Requires="p14">
       <p:transition spd="slow" p14:dur="1600">
         <p14:prism isInverted="1"/>
       </p:transition>
     </mc:Choice>
-    <mc:Fallback>
+    <mc:Fallback xmlns="">
       <p:transition spd="slow">
         <p:fade/>
       </p:transition>
@@ -5375,7 +6218,7 @@
 </p:sld>
 </file>
 
-<file path=ppt/slides/slide14.xml><?xml version="1.0" encoding="utf-8"?>
+<file path=ppt/slides/slide15.xml><?xml version="1.0" encoding="utf-8"?>
 <p:sld xmlns:a="http://schemas.openxmlformats.org/drawingml/2006/main" xmlns:r="http://schemas.openxmlformats.org/officeDocument/2006/relationships" xmlns:p="http://schemas.openxmlformats.org/presentationml/2006/main">
   <p:cSld>
     <p:spTree>
@@ -5539,13 +6382,13 @@
   <p:clrMapOvr>
     <a:masterClrMapping/>
   </p:clrMapOvr>
-  <mc:AlternateContent xmlns:mc="http://schemas.openxmlformats.org/markup-compatibility/2006">
-    <mc:Choice xmlns:p14="http://schemas.microsoft.com/office/powerpoint/2010/main" Requires="p14">
+  <mc:AlternateContent xmlns:mc="http://schemas.openxmlformats.org/markup-compatibility/2006" xmlns:p14="http://schemas.microsoft.com/office/powerpoint/2010/main">
+    <mc:Choice Requires="p14">
       <p:transition spd="slow" p14:dur="1600">
         <p14:prism isInverted="1"/>
       </p:transition>
     </mc:Choice>
-    <mc:Fallback>
+    <mc:Fallback xmlns="">
       <p:transition spd="slow">
         <p:fade/>
       </p:transition>
@@ -5816,7 +6659,7 @@
 </p:sld>
 </file>
 
-<file path=ppt/slides/slide15.xml><?xml version="1.0" encoding="utf-8"?>
+<file path=ppt/slides/slide16.xml><?xml version="1.0" encoding="utf-8"?>
 <p:sld xmlns:a="http://schemas.openxmlformats.org/drawingml/2006/main" xmlns:r="http://schemas.openxmlformats.org/officeDocument/2006/relationships" xmlns:p="http://schemas.openxmlformats.org/presentationml/2006/main">
   <p:cSld>
     <p:spTree>
@@ -6021,13 +6864,13 @@
   <p:clrMapOvr>
     <a:masterClrMapping/>
   </p:clrMapOvr>
-  <mc:AlternateContent xmlns:mc="http://schemas.openxmlformats.org/markup-compatibility/2006">
-    <mc:Choice xmlns:p14="http://schemas.microsoft.com/office/powerpoint/2010/main" Requires="p14">
+  <mc:AlternateContent xmlns:mc="http://schemas.openxmlformats.org/markup-compatibility/2006" xmlns:p14="http://schemas.microsoft.com/office/powerpoint/2010/main">
+    <mc:Choice Requires="p14">
       <p:transition spd="slow" p14:dur="1200">
         <p14:prism/>
       </p:transition>
     </mc:Choice>
-    <mc:Fallback>
+    <mc:Fallback xmlns="">
       <p:transition spd="slow">
         <p:fade/>
       </p:transition>
@@ -6918,7 +7761,7 @@
 </p:sld>
 </file>
 
-<file path=ppt/slides/slide16.xml><?xml version="1.0" encoding="utf-8"?>
+<file path=ppt/slides/slide17.xml><?xml version="1.0" encoding="utf-8"?>
 <p:sld xmlns:a="http://schemas.openxmlformats.org/drawingml/2006/main" xmlns:r="http://schemas.openxmlformats.org/officeDocument/2006/relationships" xmlns:p="http://schemas.openxmlformats.org/presentationml/2006/main">
   <p:cSld>
     <p:spTree>
@@ -7108,13 +7951,13 @@
   <p:clrMapOvr>
     <a:masterClrMapping/>
   </p:clrMapOvr>
-  <mc:AlternateContent xmlns:mc="http://schemas.openxmlformats.org/markup-compatibility/2006">
-    <mc:Choice xmlns:p14="http://schemas.microsoft.com/office/powerpoint/2010/main" Requires="p14">
+  <mc:AlternateContent xmlns:mc="http://schemas.openxmlformats.org/markup-compatibility/2006" xmlns:p14="http://schemas.microsoft.com/office/powerpoint/2010/main">
+    <mc:Choice Requires="p14">
       <p:transition spd="slow" p14:dur="1200">
         <p14:prism/>
       </p:transition>
     </mc:Choice>
-    <mc:Fallback>
+    <mc:Fallback xmlns="">
       <p:transition spd="slow">
         <p:fade/>
       </p:transition>
@@ -7446,220 +8289,6 @@
                                         <p:cTn id="22" dur="1000"/>
                                         <p:tgtEl>
                                           <p:spTgt spid="10"/>
-                                        </p:tgtEl>
-                                      </p:cBhvr>
-                                    </p:animEffect>
-                                  </p:childTnLst>
-                                </p:cTn>
-                              </p:par>
-                            </p:childTnLst>
-                          </p:cTn>
-                        </p:par>
-                      </p:childTnLst>
-                    </p:cTn>
-                  </p:par>
-                </p:childTnLst>
-              </p:cTn>
-              <p:prevCondLst>
-                <p:cond evt="onPrev" delay="0">
-                  <p:tgtEl>
-                    <p:sldTgt/>
-                  </p:tgtEl>
-                </p:cond>
-              </p:prevCondLst>
-              <p:nextCondLst>
-                <p:cond evt="onNext" delay="0">
-                  <p:tgtEl>
-                    <p:sldTgt/>
-                  </p:tgtEl>
-                </p:cond>
-              </p:nextCondLst>
-            </p:seq>
-          </p:childTnLst>
-        </p:cTn>
-      </p:par>
-    </p:tnLst>
-  </p:timing>
-</p:sld>
-</file>
-
-<file path=ppt/slides/slide17.xml><?xml version="1.0" encoding="utf-8"?>
-<p:sld xmlns:a="http://schemas.openxmlformats.org/drawingml/2006/main" xmlns:r="http://schemas.openxmlformats.org/officeDocument/2006/relationships" xmlns:p="http://schemas.openxmlformats.org/presentationml/2006/main">
-  <p:cSld>
-    <p:spTree>
-      <p:nvGrpSpPr>
-        <p:cNvPr id="1" name=""/>
-        <p:cNvGrpSpPr/>
-        <p:nvPr/>
-      </p:nvGrpSpPr>
-      <p:grpSpPr>
-        <a:xfrm>
-          <a:off x="0" y="0"/>
-          <a:ext cx="0" cy="0"/>
-          <a:chOff x="0" y="0"/>
-          <a:chExt cx="0" cy="0"/>
-        </a:xfrm>
-      </p:grpSpPr>
-      <p:sp>
-        <p:nvSpPr>
-          <p:cNvPr id="2" name="Title 1"/>
-          <p:cNvSpPr>
-            <a:spLocks noGrp="1"/>
-          </p:cNvSpPr>
-          <p:nvPr>
-            <p:ph type="title"/>
-          </p:nvPr>
-        </p:nvSpPr>
-        <p:spPr>
-          <a:xfrm>
-            <a:off x="1823310" y="374900"/>
-            <a:ext cx="7016195" cy="610820"/>
-          </a:xfrm>
-        </p:spPr>
-        <p:txBody>
-          <a:bodyPr>
-            <a:normAutofit fontScale="90000"/>
-          </a:bodyPr>
-          <a:lstStyle/>
-          <a:p>
-            <a:r>
-              <a:rPr lang="en-US" b="1" dirty="0" smtClean="0">
-                <a:solidFill>
-                  <a:srgbClr val="FFFF00"/>
-                </a:solidFill>
-                <a:effectLst>
-                  <a:outerShdw blurRad="38100" dist="38100" dir="2700000" algn="tl">
-                    <a:srgbClr val="000000">
-                      <a:alpha val="43137"/>
-                    </a:srgbClr>
-                  </a:outerShdw>
-                </a:effectLst>
-              </a:rPr>
-              <a:t>System Architecture</a:t>
-            </a:r>
-            <a:endParaRPr lang="en-US" b="1" dirty="0">
-              <a:solidFill>
-                <a:srgbClr val="FFFF00"/>
-              </a:solidFill>
-              <a:effectLst>
-                <a:outerShdw blurRad="38100" dist="38100" dir="2700000" algn="tl">
-                  <a:srgbClr val="000000">
-                    <a:alpha val="43137"/>
-                  </a:srgbClr>
-                </a:outerShdw>
-              </a:effectLst>
-            </a:endParaRPr>
-          </a:p>
-        </p:txBody>
-      </p:sp>
-      <p:pic>
-        <p:nvPicPr>
-          <p:cNvPr id="5" name="Picture 4"/>
-          <p:cNvPicPr/>
-          <p:nvPr/>
-        </p:nvPicPr>
-        <p:blipFill>
-          <a:blip r:embed="rId2"/>
-          <a:srcRect/>
-          <a:stretch>
-            <a:fillRect/>
-          </a:stretch>
-        </p:blipFill>
-        <p:spPr bwMode="auto">
-          <a:xfrm>
-            <a:off x="448965" y="1589964"/>
-            <a:ext cx="8314397" cy="4807336"/>
-          </a:xfrm>
-          <a:prstGeom prst="rect">
-            <a:avLst/>
-          </a:prstGeom>
-          <a:ln w="38100" cap="sq">
-            <a:solidFill>
-              <a:srgbClr val="000000"/>
-            </a:solidFill>
-            <a:prstDash val="solid"/>
-            <a:miter lim="800000"/>
-          </a:ln>
-          <a:effectLst>
-            <a:outerShdw blurRad="50800" dist="38100" dir="2700000" algn="tl" rotWithShape="0">
-              <a:srgbClr val="000000">
-                <a:alpha val="43000"/>
-              </a:srgbClr>
-            </a:outerShdw>
-          </a:effectLst>
-        </p:spPr>
-      </p:pic>
-    </p:spTree>
-    <p:extLst>
-      <p:ext uri="{BB962C8B-B14F-4D97-AF65-F5344CB8AC3E}">
-        <p14:creationId xmlns:p14="http://schemas.microsoft.com/office/powerpoint/2010/main" val="3127664114"/>
-      </p:ext>
-    </p:extLst>
-  </p:cSld>
-  <p:clrMapOvr>
-    <a:masterClrMapping/>
-  </p:clrMapOvr>
-  <mc:AlternateContent xmlns:mc="http://schemas.openxmlformats.org/markup-compatibility/2006">
-    <mc:Choice xmlns:p14="http://schemas.microsoft.com/office/powerpoint/2010/main" Requires="p14">
-      <p:transition spd="slow" p14:dur="1200">
-        <p14:prism/>
-      </p:transition>
-    </mc:Choice>
-    <mc:Fallback>
-      <p:transition spd="slow">
-        <p:fade/>
-      </p:transition>
-    </mc:Fallback>
-  </mc:AlternateContent>
-  <p:timing>
-    <p:tnLst>
-      <p:par>
-        <p:cTn id="1" dur="indefinite" restart="never" nodeType="tmRoot">
-          <p:childTnLst>
-            <p:seq concurrent="1" nextAc="seek">
-              <p:cTn id="2" dur="indefinite" nodeType="mainSeq">
-                <p:childTnLst>
-                  <p:par>
-                    <p:cTn id="3" fill="hold">
-                      <p:stCondLst>
-                        <p:cond delay="indefinite"/>
-                      </p:stCondLst>
-                      <p:childTnLst>
-                        <p:par>
-                          <p:cTn id="4" fill="hold">
-                            <p:stCondLst>
-                              <p:cond delay="0"/>
-                            </p:stCondLst>
-                            <p:childTnLst>
-                              <p:par>
-                                <p:cTn id="5" presetID="16" presetClass="entr" presetSubtype="21" fill="hold" nodeType="clickEffect">
-                                  <p:stCondLst>
-                                    <p:cond delay="0"/>
-                                  </p:stCondLst>
-                                  <p:childTnLst>
-                                    <p:set>
-                                      <p:cBhvr>
-                                        <p:cTn id="6" dur="1" fill="hold">
-                                          <p:stCondLst>
-                                            <p:cond delay="0"/>
-                                          </p:stCondLst>
-                                        </p:cTn>
-                                        <p:tgtEl>
-                                          <p:spTgt spid="5"/>
-                                        </p:tgtEl>
-                                        <p:attrNameLst>
-                                          <p:attrName>style.visibility</p:attrName>
-                                        </p:attrNameLst>
-                                      </p:cBhvr>
-                                      <p:to>
-                                        <p:strVal val="visible"/>
-                                      </p:to>
-                                    </p:set>
-                                    <p:animEffect transition="in" filter="barn(inVertical)">
-                                      <p:cBhvr>
-                                        <p:cTn id="7" dur="500"/>
-                                        <p:tgtEl>
-                                          <p:spTgt spid="5"/>
                                         </p:tgtEl>
                                       </p:cBhvr>
                                     </p:animEffect>
@@ -7749,7 +8378,7 @@
                   </a:outerShdw>
                 </a:effectLst>
               </a:rPr>
-              <a:t>Limitation</a:t>
+              <a:t>System Architecture</a:t>
             </a:r>
             <a:endParaRPr lang="en-US" b="1" dirty="0">
               <a:solidFill>
@@ -7766,141 +8395,60 @@
           </a:p>
         </p:txBody>
       </p:sp>
-      <p:sp>
-        <p:nvSpPr>
-          <p:cNvPr id="3" name="Content Placeholder 2"/>
-          <p:cNvSpPr>
-            <a:spLocks noGrp="1"/>
-          </p:cNvSpPr>
-          <p:nvPr>
-            <p:ph idx="1"/>
-          </p:nvPr>
-        </p:nvSpPr>
-        <p:spPr>
+      <p:pic>
+        <p:nvPicPr>
+          <p:cNvPr id="5" name="Picture 4"/>
+          <p:cNvPicPr/>
+          <p:nvPr/>
+        </p:nvPicPr>
+        <p:blipFill>
+          <a:blip r:embed="rId2"/>
+          <a:srcRect/>
+          <a:stretch>
+            <a:fillRect/>
+          </a:stretch>
+        </p:blipFill>
+        <p:spPr bwMode="auto">
           <a:xfrm>
-            <a:off x="1823310" y="1443835"/>
-            <a:ext cx="7177135" cy="5039265"/>
+            <a:off x="448965" y="1589964"/>
+            <a:ext cx="8314397" cy="4807336"/>
           </a:xfrm>
+          <a:prstGeom prst="rect">
+            <a:avLst/>
+          </a:prstGeom>
+          <a:ln w="38100" cap="sq">
+            <a:solidFill>
+              <a:srgbClr val="000000"/>
+            </a:solidFill>
+            <a:prstDash val="solid"/>
+            <a:miter lim="800000"/>
+          </a:ln>
+          <a:effectLst>
+            <a:outerShdw blurRad="50800" dist="38100" dir="2700000" algn="tl" rotWithShape="0">
+              <a:srgbClr val="000000">
+                <a:alpha val="43000"/>
+              </a:srgbClr>
+            </a:outerShdw>
+          </a:effectLst>
         </p:spPr>
-        <p:txBody>
-          <a:bodyPr>
-            <a:noAutofit/>
-          </a:bodyPr>
-          <a:lstStyle/>
-          <a:p>
-            <a:pPr>
-              <a:buFont typeface="Wingdings" panose="05000000000000000000" pitchFamily="2" charset="2"/>
-              <a:buChar char="§"/>
-            </a:pPr>
-            <a:r>
-              <a:rPr lang="en-US" sz="2400" b="1" dirty="0"/>
-              <a:t>This application required Internet connection to execute.</a:t>
-            </a:r>
-          </a:p>
-          <a:p>
-            <a:pPr>
-              <a:buFont typeface="Wingdings" panose="05000000000000000000" pitchFamily="2" charset="2"/>
-              <a:buChar char="§"/>
-            </a:pPr>
-            <a:r>
-              <a:rPr lang="en-US" sz="2400" b="1" dirty="0" smtClean="0"/>
-              <a:t>This </a:t>
-            </a:r>
-            <a:r>
-              <a:rPr lang="en-US" sz="2400" b="1" dirty="0"/>
-              <a:t>application supports only </a:t>
-            </a:r>
-            <a:r>
-              <a:rPr lang="en-US" sz="2400" b="1" dirty="0" err="1"/>
-              <a:t>Phungnoi</a:t>
-            </a:r>
-            <a:r>
-              <a:rPr lang="en-US" sz="2400" b="1" dirty="0"/>
-              <a:t> bakery manufacturer as a sample for developing and testing the system.</a:t>
-            </a:r>
-          </a:p>
-          <a:p>
-            <a:pPr>
-              <a:buFont typeface="Wingdings" panose="05000000000000000000" pitchFamily="2" charset="2"/>
-              <a:buChar char="§"/>
-            </a:pPr>
-            <a:r>
-              <a:rPr lang="en-US" sz="2400" b="1" dirty="0" smtClean="0"/>
-              <a:t>This </a:t>
-            </a:r>
-            <a:r>
-              <a:rPr lang="en-US" sz="2400" b="1" dirty="0"/>
-              <a:t>application cannot support stock and billing system.</a:t>
-            </a:r>
-          </a:p>
-          <a:p>
-            <a:pPr>
-              <a:buFont typeface="Wingdings" panose="05000000000000000000" pitchFamily="2" charset="2"/>
-              <a:buChar char="§"/>
-            </a:pPr>
-            <a:r>
-              <a:rPr lang="en-US" sz="2400" b="1" dirty="0" smtClean="0"/>
-              <a:t>This </a:t>
-            </a:r>
-            <a:r>
-              <a:rPr lang="en-US" sz="2400" b="1" dirty="0"/>
-              <a:t>application cannot integrate directly with existing software. </a:t>
-            </a:r>
-          </a:p>
-          <a:p>
-            <a:pPr>
-              <a:buFont typeface="Wingdings" panose="05000000000000000000" pitchFamily="2" charset="2"/>
-              <a:buChar char="§"/>
-            </a:pPr>
-            <a:r>
-              <a:rPr lang="en-US" sz="2400" b="1" dirty="0" smtClean="0"/>
-              <a:t>This </a:t>
-            </a:r>
-            <a:r>
-              <a:rPr lang="en-US" sz="2400" b="1" dirty="0"/>
-              <a:t>application require web browser.</a:t>
-            </a:r>
-          </a:p>
-          <a:p>
-            <a:pPr>
-              <a:buFont typeface="Wingdings" panose="05000000000000000000" pitchFamily="2" charset="2"/>
-              <a:buChar char="§"/>
-            </a:pPr>
-            <a:r>
-              <a:rPr lang="en-US" sz="2400" b="1" dirty="0" smtClean="0"/>
-              <a:t>This </a:t>
-            </a:r>
-            <a:r>
-              <a:rPr lang="en-US" sz="2400" b="1" dirty="0"/>
-              <a:t>application require database server. </a:t>
-            </a:r>
-          </a:p>
-          <a:p>
-            <a:pPr>
-              <a:buFont typeface="Wingdings" panose="05000000000000000000" pitchFamily="2" charset="2"/>
-              <a:buChar char="§"/>
-            </a:pPr>
-            <a:endParaRPr lang="en-US" sz="2400" b="1" dirty="0"/>
-          </a:p>
-        </p:txBody>
-      </p:sp>
+      </p:pic>
     </p:spTree>
     <p:extLst>
       <p:ext uri="{BB962C8B-B14F-4D97-AF65-F5344CB8AC3E}">
-        <p14:creationId xmlns:p14="http://schemas.microsoft.com/office/powerpoint/2010/main" val="1474294838"/>
+        <p14:creationId xmlns:p14="http://schemas.microsoft.com/office/powerpoint/2010/main" val="3127664114"/>
       </p:ext>
     </p:extLst>
   </p:cSld>
   <p:clrMapOvr>
     <a:masterClrMapping/>
   </p:clrMapOvr>
-  <mc:AlternateContent xmlns:mc="http://schemas.openxmlformats.org/markup-compatibility/2006">
-    <mc:Choice xmlns:p14="http://schemas.microsoft.com/office/powerpoint/2010/main" Requires="p14">
+  <mc:AlternateContent xmlns:mc="http://schemas.openxmlformats.org/markup-compatibility/2006" xmlns:p14="http://schemas.microsoft.com/office/powerpoint/2010/main">
+    <mc:Choice Requires="p14">
       <p:transition spd="slow" p14:dur="1200">
         <p14:prism/>
       </p:transition>
     </mc:Choice>
-    <mc:Fallback>
+    <mc:Fallback xmlns="">
       <p:transition spd="slow">
         <p:fade/>
       </p:transition>
@@ -7927,7 +8475,7 @@
                             </p:stCondLst>
                             <p:childTnLst>
                               <p:par>
-                                <p:cTn id="5" presetID="14" presetClass="entr" presetSubtype="10" fill="hold" nodeType="clickEffect">
+                                <p:cTn id="5" presetID="16" presetClass="entr" presetSubtype="21" fill="hold" nodeType="clickEffect">
                                   <p:stCondLst>
                                     <p:cond delay="0"/>
                                   </p:stCondLst>
@@ -7940,11 +8488,7 @@
                                           </p:stCondLst>
                                         </p:cTn>
                                         <p:tgtEl>
-                                          <p:spTgt spid="3">
-                                            <p:txEl>
-                                              <p:pRg st="0" end="0"/>
-                                            </p:txEl>
-                                          </p:spTgt>
+                                          <p:spTgt spid="5"/>
                                         </p:tgtEl>
                                         <p:attrNameLst>
                                           <p:attrName>style.visibility</p:attrName>
@@ -7954,230 +8498,11 @@
                                         <p:strVal val="visible"/>
                                       </p:to>
                                     </p:set>
-                                    <p:animEffect transition="in" filter="randombar(horizontal)">
+                                    <p:animEffect transition="in" filter="barn(inVertical)">
                                       <p:cBhvr>
                                         <p:cTn id="7" dur="500"/>
                                         <p:tgtEl>
-                                          <p:spTgt spid="3">
-                                            <p:txEl>
-                                              <p:pRg st="0" end="0"/>
-                                            </p:txEl>
-                                          </p:spTgt>
-                                        </p:tgtEl>
-                                      </p:cBhvr>
-                                    </p:animEffect>
-                                  </p:childTnLst>
-                                </p:cTn>
-                              </p:par>
-                              <p:par>
-                                <p:cTn id="8" presetID="14" presetClass="entr" presetSubtype="10" fill="hold" nodeType="withEffect">
-                                  <p:stCondLst>
-                                    <p:cond delay="0"/>
-                                  </p:stCondLst>
-                                  <p:childTnLst>
-                                    <p:set>
-                                      <p:cBhvr>
-                                        <p:cTn id="9" dur="1" fill="hold">
-                                          <p:stCondLst>
-                                            <p:cond delay="0"/>
-                                          </p:stCondLst>
-                                        </p:cTn>
-                                        <p:tgtEl>
-                                          <p:spTgt spid="3">
-                                            <p:txEl>
-                                              <p:pRg st="1" end="1"/>
-                                            </p:txEl>
-                                          </p:spTgt>
-                                        </p:tgtEl>
-                                        <p:attrNameLst>
-                                          <p:attrName>style.visibility</p:attrName>
-                                        </p:attrNameLst>
-                                      </p:cBhvr>
-                                      <p:to>
-                                        <p:strVal val="visible"/>
-                                      </p:to>
-                                    </p:set>
-                                    <p:animEffect transition="in" filter="randombar(horizontal)">
-                                      <p:cBhvr>
-                                        <p:cTn id="10" dur="500"/>
-                                        <p:tgtEl>
-                                          <p:spTgt spid="3">
-                                            <p:txEl>
-                                              <p:pRg st="1" end="1"/>
-                                            </p:txEl>
-                                          </p:spTgt>
-                                        </p:tgtEl>
-                                      </p:cBhvr>
-                                    </p:animEffect>
-                                  </p:childTnLst>
-                                </p:cTn>
-                              </p:par>
-                              <p:par>
-                                <p:cTn id="11" presetID="14" presetClass="entr" presetSubtype="10" fill="hold" nodeType="withEffect">
-                                  <p:stCondLst>
-                                    <p:cond delay="0"/>
-                                  </p:stCondLst>
-                                  <p:childTnLst>
-                                    <p:set>
-                                      <p:cBhvr>
-                                        <p:cTn id="12" dur="1" fill="hold">
-                                          <p:stCondLst>
-                                            <p:cond delay="0"/>
-                                          </p:stCondLst>
-                                        </p:cTn>
-                                        <p:tgtEl>
-                                          <p:spTgt spid="3">
-                                            <p:txEl>
-                                              <p:pRg st="2" end="2"/>
-                                            </p:txEl>
-                                          </p:spTgt>
-                                        </p:tgtEl>
-                                        <p:attrNameLst>
-                                          <p:attrName>style.visibility</p:attrName>
-                                        </p:attrNameLst>
-                                      </p:cBhvr>
-                                      <p:to>
-                                        <p:strVal val="visible"/>
-                                      </p:to>
-                                    </p:set>
-                                    <p:animEffect transition="in" filter="randombar(horizontal)">
-                                      <p:cBhvr>
-                                        <p:cTn id="13" dur="500"/>
-                                        <p:tgtEl>
-                                          <p:spTgt spid="3">
-                                            <p:txEl>
-                                              <p:pRg st="2" end="2"/>
-                                            </p:txEl>
-                                          </p:spTgt>
-                                        </p:tgtEl>
-                                      </p:cBhvr>
-                                    </p:animEffect>
-                                  </p:childTnLst>
-                                </p:cTn>
-                              </p:par>
-                              <p:par>
-                                <p:cTn id="14" presetID="14" presetClass="entr" presetSubtype="10" fill="hold" nodeType="withEffect">
-                                  <p:stCondLst>
-                                    <p:cond delay="0"/>
-                                  </p:stCondLst>
-                                  <p:childTnLst>
-                                    <p:set>
-                                      <p:cBhvr>
-                                        <p:cTn id="15" dur="1" fill="hold">
-                                          <p:stCondLst>
-                                            <p:cond delay="0"/>
-                                          </p:stCondLst>
-                                        </p:cTn>
-                                        <p:tgtEl>
-                                          <p:spTgt spid="3">
-                                            <p:txEl>
-                                              <p:pRg st="3" end="3"/>
-                                            </p:txEl>
-                                          </p:spTgt>
-                                        </p:tgtEl>
-                                        <p:attrNameLst>
-                                          <p:attrName>style.visibility</p:attrName>
-                                        </p:attrNameLst>
-                                      </p:cBhvr>
-                                      <p:to>
-                                        <p:strVal val="visible"/>
-                                      </p:to>
-                                    </p:set>
-                                    <p:animEffect transition="in" filter="randombar(horizontal)">
-                                      <p:cBhvr>
-                                        <p:cTn id="16" dur="500"/>
-                                        <p:tgtEl>
-                                          <p:spTgt spid="3">
-                                            <p:txEl>
-                                              <p:pRg st="3" end="3"/>
-                                            </p:txEl>
-                                          </p:spTgt>
-                                        </p:tgtEl>
-                                      </p:cBhvr>
-                                    </p:animEffect>
-                                  </p:childTnLst>
-                                </p:cTn>
-                              </p:par>
-                              <p:par>
-                                <p:cTn id="17" presetID="14" presetClass="entr" presetSubtype="10" fill="hold" nodeType="withEffect">
-                                  <p:stCondLst>
-                                    <p:cond delay="0"/>
-                                  </p:stCondLst>
-                                  <p:childTnLst>
-                                    <p:set>
-                                      <p:cBhvr>
-                                        <p:cTn id="18" dur="1" fill="hold">
-                                          <p:stCondLst>
-                                            <p:cond delay="0"/>
-                                          </p:stCondLst>
-                                        </p:cTn>
-                                        <p:tgtEl>
-                                          <p:spTgt spid="3">
-                                            <p:txEl>
-                                              <p:pRg st="4" end="4"/>
-                                            </p:txEl>
-                                          </p:spTgt>
-                                        </p:tgtEl>
-                                        <p:attrNameLst>
-                                          <p:attrName>style.visibility</p:attrName>
-                                        </p:attrNameLst>
-                                      </p:cBhvr>
-                                      <p:to>
-                                        <p:strVal val="visible"/>
-                                      </p:to>
-                                    </p:set>
-                                    <p:animEffect transition="in" filter="randombar(horizontal)">
-                                      <p:cBhvr>
-                                        <p:cTn id="19" dur="500"/>
-                                        <p:tgtEl>
-                                          <p:spTgt spid="3">
-                                            <p:txEl>
-                                              <p:pRg st="4" end="4"/>
-                                            </p:txEl>
-                                          </p:spTgt>
-                                        </p:tgtEl>
-                                      </p:cBhvr>
-                                    </p:animEffect>
-                                  </p:childTnLst>
-                                </p:cTn>
-                              </p:par>
-                              <p:par>
-                                <p:cTn id="20" presetID="14" presetClass="entr" presetSubtype="10" fill="hold" nodeType="withEffect">
-                                  <p:stCondLst>
-                                    <p:cond delay="0"/>
-                                  </p:stCondLst>
-                                  <p:childTnLst>
-                                    <p:set>
-                                      <p:cBhvr>
-                                        <p:cTn id="21" dur="1" fill="hold">
-                                          <p:stCondLst>
-                                            <p:cond delay="0"/>
-                                          </p:stCondLst>
-                                        </p:cTn>
-                                        <p:tgtEl>
-                                          <p:spTgt spid="3">
-                                            <p:txEl>
-                                              <p:pRg st="5" end="5"/>
-                                            </p:txEl>
-                                          </p:spTgt>
-                                        </p:tgtEl>
-                                        <p:attrNameLst>
-                                          <p:attrName>style.visibility</p:attrName>
-                                        </p:attrNameLst>
-                                      </p:cBhvr>
-                                      <p:to>
-                                        <p:strVal val="visible"/>
-                                      </p:to>
-                                    </p:set>
-                                    <p:animEffect transition="in" filter="randombar(horizontal)">
-                                      <p:cBhvr>
-                                        <p:cTn id="22" dur="500"/>
-                                        <p:tgtEl>
-                                          <p:spTgt spid="3">
-                                            <p:txEl>
-                                              <p:pRg st="5" end="5"/>
-                                            </p:txEl>
-                                          </p:spTgt>
+                                          <p:spTgt spid="5"/>
                                         </p:tgtEl>
                                       </p:cBhvr>
                                     </p:animEffect>
@@ -8216,6 +8541,720 @@
 </file>
 
 <file path=ppt/slides/slide19.xml><?xml version="1.0" encoding="utf-8"?>
+<p:sld xmlns:a="http://schemas.openxmlformats.org/drawingml/2006/main" xmlns:r="http://schemas.openxmlformats.org/officeDocument/2006/relationships" xmlns:p="http://schemas.openxmlformats.org/presentationml/2006/main">
+  <p:cSld>
+    <p:spTree>
+      <p:nvGrpSpPr>
+        <p:cNvPr id="1" name=""/>
+        <p:cNvGrpSpPr/>
+        <p:nvPr/>
+      </p:nvGrpSpPr>
+      <p:grpSpPr>
+        <a:xfrm>
+          <a:off x="0" y="0"/>
+          <a:ext cx="0" cy="0"/>
+          <a:chOff x="0" y="0"/>
+          <a:chExt cx="0" cy="0"/>
+        </a:xfrm>
+      </p:grpSpPr>
+      <p:sp>
+        <p:nvSpPr>
+          <p:cNvPr id="2" name="Title 1"/>
+          <p:cNvSpPr>
+            <a:spLocks noGrp="1"/>
+          </p:cNvSpPr>
+          <p:nvPr>
+            <p:ph type="title"/>
+          </p:nvPr>
+        </p:nvSpPr>
+        <p:spPr>
+          <a:xfrm>
+            <a:off x="1823310" y="374900"/>
+            <a:ext cx="7016195" cy="610820"/>
+          </a:xfrm>
+        </p:spPr>
+        <p:txBody>
+          <a:bodyPr>
+            <a:normAutofit fontScale="90000"/>
+          </a:bodyPr>
+          <a:lstStyle/>
+          <a:p>
+            <a:r>
+              <a:rPr lang="en-US" b="1" dirty="0" smtClean="0">
+                <a:solidFill>
+                  <a:srgbClr val="FFFF00"/>
+                </a:solidFill>
+                <a:effectLst>
+                  <a:outerShdw blurRad="38100" dist="38100" dir="2700000" algn="tl">
+                    <a:srgbClr val="000000">
+                      <a:alpha val="43137"/>
+                    </a:srgbClr>
+                  </a:outerShdw>
+                </a:effectLst>
+              </a:rPr>
+              <a:t>Limitation</a:t>
+            </a:r>
+            <a:endParaRPr lang="en-US" b="1" dirty="0">
+              <a:solidFill>
+                <a:srgbClr val="FFFF00"/>
+              </a:solidFill>
+              <a:effectLst>
+                <a:outerShdw blurRad="38100" dist="38100" dir="2700000" algn="tl">
+                  <a:srgbClr val="000000">
+                    <a:alpha val="43137"/>
+                  </a:srgbClr>
+                </a:outerShdw>
+              </a:effectLst>
+            </a:endParaRPr>
+          </a:p>
+        </p:txBody>
+      </p:sp>
+      <p:sp>
+        <p:nvSpPr>
+          <p:cNvPr id="3" name="Content Placeholder 2"/>
+          <p:cNvSpPr>
+            <a:spLocks noGrp="1"/>
+          </p:cNvSpPr>
+          <p:nvPr>
+            <p:ph idx="1"/>
+          </p:nvPr>
+        </p:nvSpPr>
+        <p:spPr>
+          <a:xfrm>
+            <a:off x="1823310" y="1443835"/>
+            <a:ext cx="7177135" cy="5039265"/>
+          </a:xfrm>
+        </p:spPr>
+        <p:txBody>
+          <a:bodyPr>
+            <a:noAutofit/>
+          </a:bodyPr>
+          <a:lstStyle/>
+          <a:p>
+            <a:pPr>
+              <a:buFont typeface="Wingdings" panose="05000000000000000000" pitchFamily="2" charset="2"/>
+              <a:buChar char="§"/>
+            </a:pPr>
+            <a:r>
+              <a:rPr lang="en-US" sz="2400" b="1" dirty="0"/>
+              <a:t>This application required Internet connection to execute.</a:t>
+            </a:r>
+          </a:p>
+          <a:p>
+            <a:pPr>
+              <a:buFont typeface="Wingdings" panose="05000000000000000000" pitchFamily="2" charset="2"/>
+              <a:buChar char="§"/>
+            </a:pPr>
+            <a:r>
+              <a:rPr lang="en-US" sz="2400" b="1" dirty="0" smtClean="0"/>
+              <a:t>This </a:t>
+            </a:r>
+            <a:r>
+              <a:rPr lang="en-US" sz="2400" b="1" dirty="0"/>
+              <a:t>application supports only </a:t>
+            </a:r>
+            <a:r>
+              <a:rPr lang="en-US" sz="2400" b="1" dirty="0" err="1"/>
+              <a:t>Phungnoi</a:t>
+            </a:r>
+            <a:r>
+              <a:rPr lang="en-US" sz="2400" b="1" dirty="0"/>
+              <a:t> bakery manufacturer as a sample for developing and testing the system.</a:t>
+            </a:r>
+          </a:p>
+          <a:p>
+            <a:pPr>
+              <a:buFont typeface="Wingdings" panose="05000000000000000000" pitchFamily="2" charset="2"/>
+              <a:buChar char="§"/>
+            </a:pPr>
+            <a:r>
+              <a:rPr lang="en-US" sz="2400" b="1" dirty="0" smtClean="0"/>
+              <a:t>This </a:t>
+            </a:r>
+            <a:r>
+              <a:rPr lang="en-US" sz="2400" b="1" dirty="0"/>
+              <a:t>application cannot support stock and billing system.</a:t>
+            </a:r>
+          </a:p>
+          <a:p>
+            <a:pPr>
+              <a:buFont typeface="Wingdings" panose="05000000000000000000" pitchFamily="2" charset="2"/>
+              <a:buChar char="§"/>
+            </a:pPr>
+            <a:r>
+              <a:rPr lang="en-US" sz="2400" b="1" dirty="0" smtClean="0"/>
+              <a:t>This </a:t>
+            </a:r>
+            <a:r>
+              <a:rPr lang="en-US" sz="2400" b="1" dirty="0"/>
+              <a:t>application cannot integrate directly with existing software. </a:t>
+            </a:r>
+          </a:p>
+          <a:p>
+            <a:pPr>
+              <a:buFont typeface="Wingdings" panose="05000000000000000000" pitchFamily="2" charset="2"/>
+              <a:buChar char="§"/>
+            </a:pPr>
+            <a:r>
+              <a:rPr lang="en-US" sz="2400" b="1" dirty="0" smtClean="0"/>
+              <a:t>This </a:t>
+            </a:r>
+            <a:r>
+              <a:rPr lang="en-US" sz="2400" b="1" dirty="0"/>
+              <a:t>application require web browser.</a:t>
+            </a:r>
+          </a:p>
+          <a:p>
+            <a:pPr>
+              <a:buFont typeface="Wingdings" panose="05000000000000000000" pitchFamily="2" charset="2"/>
+              <a:buChar char="§"/>
+            </a:pPr>
+            <a:r>
+              <a:rPr lang="en-US" sz="2400" b="1" dirty="0" smtClean="0"/>
+              <a:t>This </a:t>
+            </a:r>
+            <a:r>
+              <a:rPr lang="en-US" sz="2400" b="1" dirty="0"/>
+              <a:t>application require database server. </a:t>
+            </a:r>
+          </a:p>
+          <a:p>
+            <a:pPr>
+              <a:buFont typeface="Wingdings" panose="05000000000000000000" pitchFamily="2" charset="2"/>
+              <a:buChar char="§"/>
+            </a:pPr>
+            <a:endParaRPr lang="en-US" sz="2400" b="1" dirty="0"/>
+          </a:p>
+        </p:txBody>
+      </p:sp>
+    </p:spTree>
+    <p:extLst>
+      <p:ext uri="{BB962C8B-B14F-4D97-AF65-F5344CB8AC3E}">
+        <p14:creationId xmlns:p14="http://schemas.microsoft.com/office/powerpoint/2010/main" val="1474294838"/>
+      </p:ext>
+    </p:extLst>
+  </p:cSld>
+  <p:clrMapOvr>
+    <a:masterClrMapping/>
+  </p:clrMapOvr>
+  <mc:AlternateContent xmlns:mc="http://schemas.openxmlformats.org/markup-compatibility/2006" xmlns:p14="http://schemas.microsoft.com/office/powerpoint/2010/main">
+    <mc:Choice Requires="p14">
+      <p:transition spd="slow" p14:dur="1200">
+        <p14:prism/>
+      </p:transition>
+    </mc:Choice>
+    <mc:Fallback xmlns="">
+      <p:transition spd="slow">
+        <p:fade/>
+      </p:transition>
+    </mc:Fallback>
+  </mc:AlternateContent>
+  <p:timing>
+    <p:tnLst>
+      <p:par>
+        <p:cTn id="1" dur="indefinite" restart="never" nodeType="tmRoot">
+          <p:childTnLst>
+            <p:seq concurrent="1" nextAc="seek">
+              <p:cTn id="2" dur="indefinite" nodeType="mainSeq">
+                <p:childTnLst>
+                  <p:par>
+                    <p:cTn id="3" fill="hold">
+                      <p:stCondLst>
+                        <p:cond delay="indefinite"/>
+                      </p:stCondLst>
+                      <p:childTnLst>
+                        <p:par>
+                          <p:cTn id="4" fill="hold">
+                            <p:stCondLst>
+                              <p:cond delay="0"/>
+                            </p:stCondLst>
+                            <p:childTnLst>
+                              <p:par>
+                                <p:cTn id="5" presetID="14" presetClass="entr" presetSubtype="10" fill="hold" nodeType="clickEffect">
+                                  <p:stCondLst>
+                                    <p:cond delay="0"/>
+                                  </p:stCondLst>
+                                  <p:childTnLst>
+                                    <p:set>
+                                      <p:cBhvr>
+                                        <p:cTn id="6" dur="1" fill="hold">
+                                          <p:stCondLst>
+                                            <p:cond delay="0"/>
+                                          </p:stCondLst>
+                                        </p:cTn>
+                                        <p:tgtEl>
+                                          <p:spTgt spid="3">
+                                            <p:txEl>
+                                              <p:pRg st="0" end="0"/>
+                                            </p:txEl>
+                                          </p:spTgt>
+                                        </p:tgtEl>
+                                        <p:attrNameLst>
+                                          <p:attrName>style.visibility</p:attrName>
+                                        </p:attrNameLst>
+                                      </p:cBhvr>
+                                      <p:to>
+                                        <p:strVal val="visible"/>
+                                      </p:to>
+                                    </p:set>
+                                    <p:animEffect transition="in" filter="randombar(horizontal)">
+                                      <p:cBhvr>
+                                        <p:cTn id="7" dur="500"/>
+                                        <p:tgtEl>
+                                          <p:spTgt spid="3">
+                                            <p:txEl>
+                                              <p:pRg st="0" end="0"/>
+                                            </p:txEl>
+                                          </p:spTgt>
+                                        </p:tgtEl>
+                                      </p:cBhvr>
+                                    </p:animEffect>
+                                  </p:childTnLst>
+                                </p:cTn>
+                              </p:par>
+                              <p:par>
+                                <p:cTn id="8" presetID="14" presetClass="entr" presetSubtype="10" fill="hold" nodeType="withEffect">
+                                  <p:stCondLst>
+                                    <p:cond delay="0"/>
+                                  </p:stCondLst>
+                                  <p:childTnLst>
+                                    <p:set>
+                                      <p:cBhvr>
+                                        <p:cTn id="9" dur="1" fill="hold">
+                                          <p:stCondLst>
+                                            <p:cond delay="0"/>
+                                          </p:stCondLst>
+                                        </p:cTn>
+                                        <p:tgtEl>
+                                          <p:spTgt spid="3">
+                                            <p:txEl>
+                                              <p:pRg st="1" end="1"/>
+                                            </p:txEl>
+                                          </p:spTgt>
+                                        </p:tgtEl>
+                                        <p:attrNameLst>
+                                          <p:attrName>style.visibility</p:attrName>
+                                        </p:attrNameLst>
+                                      </p:cBhvr>
+                                      <p:to>
+                                        <p:strVal val="visible"/>
+                                      </p:to>
+                                    </p:set>
+                                    <p:animEffect transition="in" filter="randombar(horizontal)">
+                                      <p:cBhvr>
+                                        <p:cTn id="10" dur="500"/>
+                                        <p:tgtEl>
+                                          <p:spTgt spid="3">
+                                            <p:txEl>
+                                              <p:pRg st="1" end="1"/>
+                                            </p:txEl>
+                                          </p:spTgt>
+                                        </p:tgtEl>
+                                      </p:cBhvr>
+                                    </p:animEffect>
+                                  </p:childTnLst>
+                                </p:cTn>
+                              </p:par>
+                              <p:par>
+                                <p:cTn id="11" presetID="14" presetClass="entr" presetSubtype="10" fill="hold" nodeType="withEffect">
+                                  <p:stCondLst>
+                                    <p:cond delay="0"/>
+                                  </p:stCondLst>
+                                  <p:childTnLst>
+                                    <p:set>
+                                      <p:cBhvr>
+                                        <p:cTn id="12" dur="1" fill="hold">
+                                          <p:stCondLst>
+                                            <p:cond delay="0"/>
+                                          </p:stCondLst>
+                                        </p:cTn>
+                                        <p:tgtEl>
+                                          <p:spTgt spid="3">
+                                            <p:txEl>
+                                              <p:pRg st="2" end="2"/>
+                                            </p:txEl>
+                                          </p:spTgt>
+                                        </p:tgtEl>
+                                        <p:attrNameLst>
+                                          <p:attrName>style.visibility</p:attrName>
+                                        </p:attrNameLst>
+                                      </p:cBhvr>
+                                      <p:to>
+                                        <p:strVal val="visible"/>
+                                      </p:to>
+                                    </p:set>
+                                    <p:animEffect transition="in" filter="randombar(horizontal)">
+                                      <p:cBhvr>
+                                        <p:cTn id="13" dur="500"/>
+                                        <p:tgtEl>
+                                          <p:spTgt spid="3">
+                                            <p:txEl>
+                                              <p:pRg st="2" end="2"/>
+                                            </p:txEl>
+                                          </p:spTgt>
+                                        </p:tgtEl>
+                                      </p:cBhvr>
+                                    </p:animEffect>
+                                  </p:childTnLst>
+                                </p:cTn>
+                              </p:par>
+                              <p:par>
+                                <p:cTn id="14" presetID="14" presetClass="entr" presetSubtype="10" fill="hold" nodeType="withEffect">
+                                  <p:stCondLst>
+                                    <p:cond delay="0"/>
+                                  </p:stCondLst>
+                                  <p:childTnLst>
+                                    <p:set>
+                                      <p:cBhvr>
+                                        <p:cTn id="15" dur="1" fill="hold">
+                                          <p:stCondLst>
+                                            <p:cond delay="0"/>
+                                          </p:stCondLst>
+                                        </p:cTn>
+                                        <p:tgtEl>
+                                          <p:spTgt spid="3">
+                                            <p:txEl>
+                                              <p:pRg st="3" end="3"/>
+                                            </p:txEl>
+                                          </p:spTgt>
+                                        </p:tgtEl>
+                                        <p:attrNameLst>
+                                          <p:attrName>style.visibility</p:attrName>
+                                        </p:attrNameLst>
+                                      </p:cBhvr>
+                                      <p:to>
+                                        <p:strVal val="visible"/>
+                                      </p:to>
+                                    </p:set>
+                                    <p:animEffect transition="in" filter="randombar(horizontal)">
+                                      <p:cBhvr>
+                                        <p:cTn id="16" dur="500"/>
+                                        <p:tgtEl>
+                                          <p:spTgt spid="3">
+                                            <p:txEl>
+                                              <p:pRg st="3" end="3"/>
+                                            </p:txEl>
+                                          </p:spTgt>
+                                        </p:tgtEl>
+                                      </p:cBhvr>
+                                    </p:animEffect>
+                                  </p:childTnLst>
+                                </p:cTn>
+                              </p:par>
+                              <p:par>
+                                <p:cTn id="17" presetID="14" presetClass="entr" presetSubtype="10" fill="hold" nodeType="withEffect">
+                                  <p:stCondLst>
+                                    <p:cond delay="0"/>
+                                  </p:stCondLst>
+                                  <p:childTnLst>
+                                    <p:set>
+                                      <p:cBhvr>
+                                        <p:cTn id="18" dur="1" fill="hold">
+                                          <p:stCondLst>
+                                            <p:cond delay="0"/>
+                                          </p:stCondLst>
+                                        </p:cTn>
+                                        <p:tgtEl>
+                                          <p:spTgt spid="3">
+                                            <p:txEl>
+                                              <p:pRg st="4" end="4"/>
+                                            </p:txEl>
+                                          </p:spTgt>
+                                        </p:tgtEl>
+                                        <p:attrNameLst>
+                                          <p:attrName>style.visibility</p:attrName>
+                                        </p:attrNameLst>
+                                      </p:cBhvr>
+                                      <p:to>
+                                        <p:strVal val="visible"/>
+                                      </p:to>
+                                    </p:set>
+                                    <p:animEffect transition="in" filter="randombar(horizontal)">
+                                      <p:cBhvr>
+                                        <p:cTn id="19" dur="500"/>
+                                        <p:tgtEl>
+                                          <p:spTgt spid="3">
+                                            <p:txEl>
+                                              <p:pRg st="4" end="4"/>
+                                            </p:txEl>
+                                          </p:spTgt>
+                                        </p:tgtEl>
+                                      </p:cBhvr>
+                                    </p:animEffect>
+                                  </p:childTnLst>
+                                </p:cTn>
+                              </p:par>
+                              <p:par>
+                                <p:cTn id="20" presetID="14" presetClass="entr" presetSubtype="10" fill="hold" nodeType="withEffect">
+                                  <p:stCondLst>
+                                    <p:cond delay="0"/>
+                                  </p:stCondLst>
+                                  <p:childTnLst>
+                                    <p:set>
+                                      <p:cBhvr>
+                                        <p:cTn id="21" dur="1" fill="hold">
+                                          <p:stCondLst>
+                                            <p:cond delay="0"/>
+                                          </p:stCondLst>
+                                        </p:cTn>
+                                        <p:tgtEl>
+                                          <p:spTgt spid="3">
+                                            <p:txEl>
+                                              <p:pRg st="5" end="5"/>
+                                            </p:txEl>
+                                          </p:spTgt>
+                                        </p:tgtEl>
+                                        <p:attrNameLst>
+                                          <p:attrName>style.visibility</p:attrName>
+                                        </p:attrNameLst>
+                                      </p:cBhvr>
+                                      <p:to>
+                                        <p:strVal val="visible"/>
+                                      </p:to>
+                                    </p:set>
+                                    <p:animEffect transition="in" filter="randombar(horizontal)">
+                                      <p:cBhvr>
+                                        <p:cTn id="22" dur="500"/>
+                                        <p:tgtEl>
+                                          <p:spTgt spid="3">
+                                            <p:txEl>
+                                              <p:pRg st="5" end="5"/>
+                                            </p:txEl>
+                                          </p:spTgt>
+                                        </p:tgtEl>
+                                      </p:cBhvr>
+                                    </p:animEffect>
+                                  </p:childTnLst>
+                                </p:cTn>
+                              </p:par>
+                            </p:childTnLst>
+                          </p:cTn>
+                        </p:par>
+                      </p:childTnLst>
+                    </p:cTn>
+                  </p:par>
+                </p:childTnLst>
+              </p:cTn>
+              <p:prevCondLst>
+                <p:cond evt="onPrev" delay="0">
+                  <p:tgtEl>
+                    <p:sldTgt/>
+                  </p:tgtEl>
+                </p:cond>
+              </p:prevCondLst>
+              <p:nextCondLst>
+                <p:cond evt="onNext" delay="0">
+                  <p:tgtEl>
+                    <p:sldTgt/>
+                  </p:tgtEl>
+                </p:cond>
+              </p:nextCondLst>
+            </p:seq>
+          </p:childTnLst>
+        </p:cTn>
+      </p:par>
+    </p:tnLst>
+  </p:timing>
+</p:sld>
+</file>
+
+<file path=ppt/slides/slide2.xml><?xml version="1.0" encoding="utf-8"?>
+<p:sld xmlns:a="http://schemas.openxmlformats.org/drawingml/2006/main" xmlns:r="http://schemas.openxmlformats.org/officeDocument/2006/relationships" xmlns:p="http://schemas.openxmlformats.org/presentationml/2006/main">
+  <p:cSld>
+    <p:spTree>
+      <p:nvGrpSpPr>
+        <p:cNvPr id="1" name=""/>
+        <p:cNvGrpSpPr/>
+        <p:nvPr/>
+      </p:nvGrpSpPr>
+      <p:grpSpPr>
+        <a:xfrm>
+          <a:off x="0" y="0"/>
+          <a:ext cx="0" cy="0"/>
+          <a:chOff x="0" y="0"/>
+          <a:chExt cx="0" cy="0"/>
+        </a:xfrm>
+      </p:grpSpPr>
+      <p:sp>
+        <p:nvSpPr>
+          <p:cNvPr id="2" name="Title 1"/>
+          <p:cNvSpPr>
+            <a:spLocks noGrp="1"/>
+          </p:cNvSpPr>
+          <p:nvPr>
+            <p:ph type="title"/>
+          </p:nvPr>
+        </p:nvSpPr>
+        <p:spPr>
+          <a:xfrm>
+            <a:off x="1823310" y="374900"/>
+            <a:ext cx="7924190" cy="532180"/>
+          </a:xfrm>
+        </p:spPr>
+        <p:txBody>
+          <a:bodyPr>
+            <a:normAutofit fontScale="90000"/>
+          </a:bodyPr>
+          <a:lstStyle/>
+          <a:p>
+            <a:r>
+              <a:rPr lang="en-US" dirty="0" smtClean="0"/>
+              <a:t>Agenda</a:t>
+            </a:r>
+            <a:endParaRPr lang="en-US" dirty="0"/>
+          </a:p>
+        </p:txBody>
+      </p:sp>
+      <p:sp>
+        <p:nvSpPr>
+          <p:cNvPr id="3" name="Content Placeholder 2"/>
+          <p:cNvSpPr>
+            <a:spLocks noGrp="1"/>
+          </p:cNvSpPr>
+          <p:nvPr>
+            <p:ph idx="1"/>
+          </p:nvPr>
+        </p:nvSpPr>
+        <p:spPr/>
+        <p:txBody>
+          <a:bodyPr/>
+          <a:lstStyle/>
+          <a:p>
+            <a:pPr>
+              <a:buFont typeface="Wingdings" panose="05000000000000000000" pitchFamily="2" charset="2"/>
+              <a:buChar char="§"/>
+            </a:pPr>
+            <a:r>
+              <a:rPr lang="en-US" dirty="0" smtClean="0"/>
+              <a:t>Introduction</a:t>
+            </a:r>
+          </a:p>
+          <a:p>
+            <a:pPr>
+              <a:buFont typeface="Wingdings" panose="05000000000000000000" pitchFamily="2" charset="2"/>
+              <a:buChar char="§"/>
+            </a:pPr>
+            <a:r>
+              <a:rPr lang="en-US" dirty="0" smtClean="0"/>
+              <a:t>Problems</a:t>
+            </a:r>
+          </a:p>
+          <a:p>
+            <a:pPr>
+              <a:buFont typeface="Wingdings" panose="05000000000000000000" pitchFamily="2" charset="2"/>
+              <a:buChar char="§"/>
+            </a:pPr>
+            <a:r>
+              <a:rPr lang="en-US" dirty="0" smtClean="0"/>
+              <a:t>Solution</a:t>
+            </a:r>
+          </a:p>
+          <a:p>
+            <a:pPr>
+              <a:buFont typeface="Wingdings" panose="05000000000000000000" pitchFamily="2" charset="2"/>
+              <a:buChar char="§"/>
+            </a:pPr>
+            <a:r>
+              <a:rPr lang="en-US" dirty="0" smtClean="0"/>
+              <a:t>Similar system review</a:t>
+            </a:r>
+          </a:p>
+          <a:p>
+            <a:pPr>
+              <a:buFont typeface="Wingdings" panose="05000000000000000000" pitchFamily="2" charset="2"/>
+              <a:buChar char="§"/>
+            </a:pPr>
+            <a:r>
+              <a:rPr lang="en-US" dirty="0" smtClean="0"/>
+              <a:t>Technology review</a:t>
+            </a:r>
+          </a:p>
+          <a:p>
+            <a:pPr>
+              <a:buFont typeface="Wingdings" panose="05000000000000000000" pitchFamily="2" charset="2"/>
+              <a:buChar char="§"/>
+            </a:pPr>
+            <a:r>
+              <a:rPr lang="en-US" dirty="0" smtClean="0"/>
+              <a:t>System Architecture</a:t>
+            </a:r>
+          </a:p>
+          <a:p>
+            <a:pPr>
+              <a:buFont typeface="Wingdings" panose="05000000000000000000" pitchFamily="2" charset="2"/>
+              <a:buChar char="§"/>
+            </a:pPr>
+            <a:r>
+              <a:rPr lang="en-US" dirty="0" smtClean="0"/>
+              <a:t>Limitation</a:t>
+            </a:r>
+          </a:p>
+          <a:p>
+            <a:pPr>
+              <a:buFont typeface="Wingdings" panose="05000000000000000000" pitchFamily="2" charset="2"/>
+              <a:buChar char="§"/>
+            </a:pPr>
+            <a:r>
+              <a:rPr lang="en-US" dirty="0" smtClean="0"/>
+              <a:t>Quality Assurance</a:t>
+            </a:r>
+          </a:p>
+          <a:p>
+            <a:pPr>
+              <a:buFont typeface="Wingdings" panose="05000000000000000000" pitchFamily="2" charset="2"/>
+              <a:buChar char="§"/>
+            </a:pPr>
+            <a:r>
+              <a:rPr lang="en-US" dirty="0" smtClean="0"/>
+              <a:t>Development Model </a:t>
+            </a:r>
+          </a:p>
+          <a:p>
+            <a:pPr>
+              <a:buFont typeface="Wingdings" panose="05000000000000000000" pitchFamily="2" charset="2"/>
+              <a:buChar char="§"/>
+            </a:pPr>
+            <a:r>
+              <a:rPr lang="en-US" dirty="0" smtClean="0"/>
+              <a:t>Schedule and Milestones  </a:t>
+            </a:r>
+            <a:endParaRPr lang="en-US" dirty="0"/>
+          </a:p>
+        </p:txBody>
+      </p:sp>
+    </p:spTree>
+    <p:extLst>
+      <p:ext uri="{BB962C8B-B14F-4D97-AF65-F5344CB8AC3E}">
+        <p14:creationId xmlns:p14="http://schemas.microsoft.com/office/powerpoint/2010/main" val="4103309497"/>
+      </p:ext>
+    </p:extLst>
+  </p:cSld>
+  <p:clrMapOvr>
+    <a:masterClrMapping/>
+  </p:clrMapOvr>
+  <mc:AlternateContent xmlns:mc="http://schemas.openxmlformats.org/markup-compatibility/2006" xmlns:p14="http://schemas.microsoft.com/office/powerpoint/2010/main">
+    <mc:Choice Requires="p14">
+      <p:transition spd="slow" p14:dur="1600">
+        <p:blinds dir="vert"/>
+      </p:transition>
+    </mc:Choice>
+    <mc:Fallback xmlns="">
+      <p:transition spd="slow">
+        <p:blinds dir="vert"/>
+      </p:transition>
+    </mc:Fallback>
+  </mc:AlternateContent>
+  <p:timing>
+    <p:tnLst>
+      <p:par>
+        <p:cTn id="1" dur="indefinite" restart="never" nodeType="tmRoot"/>
+      </p:par>
+    </p:tnLst>
+  </p:timing>
+</p:sld>
+</file>
+
+<file path=ppt/slides/slide20.xml><?xml version="1.0" encoding="utf-8"?>
 <p:sld xmlns:a="http://schemas.openxmlformats.org/drawingml/2006/main" xmlns:r="http://schemas.openxmlformats.org/officeDocument/2006/relationships" xmlns:p="http://schemas.openxmlformats.org/presentationml/2006/main">
   <p:cSld>
     <p:spTree>
@@ -8373,18 +9412,6 @@
               </a:rPr>
               <a:t>ISO29110 for Very Small Entity (VSE)</a:t>
             </a:r>
-            <a:endParaRPr lang="en-US" sz="2400" b="1" dirty="0">
-              <a:solidFill>
-                <a:schemeClr val="tx2"/>
-              </a:solidFill>
-              <a:effectLst>
-                <a:outerShdw blurRad="38100" dist="38100" dir="2700000" algn="tl">
-                  <a:srgbClr val="000000">
-                    <a:alpha val="43137"/>
-                  </a:srgbClr>
-                </a:outerShdw>
-              </a:effectLst>
-            </a:endParaRPr>
           </a:p>
         </p:txBody>
       </p:sp>
@@ -8398,13 +9425,13 @@
   <p:clrMapOvr>
     <a:masterClrMapping/>
   </p:clrMapOvr>
-  <mc:AlternateContent xmlns:mc="http://schemas.openxmlformats.org/markup-compatibility/2006">
-    <mc:Choice xmlns:p14="http://schemas.microsoft.com/office/powerpoint/2010/main" Requires="p14">
+  <mc:AlternateContent xmlns:mc="http://schemas.openxmlformats.org/markup-compatibility/2006" xmlns:p14="http://schemas.microsoft.com/office/powerpoint/2010/main">
+    <mc:Choice Requires="p14">
       <p:transition spd="slow" p14:dur="1200">
         <p14:prism/>
       </p:transition>
     </mc:Choice>
-    <mc:Fallback>
+    <mc:Fallback xmlns="">
       <p:transition spd="slow">
         <p:fade/>
       </p:transition>
@@ -8544,7 +9571,7 @@
 </p:sld>
 </file>
 
-<file path=ppt/slides/slide2.xml><?xml version="1.0" encoding="utf-8"?>
+<file path=ppt/slides/slide21.xml><?xml version="1.0" encoding="utf-8"?>
 <p:sld xmlns:a="http://schemas.openxmlformats.org/drawingml/2006/main" xmlns:r="http://schemas.openxmlformats.org/officeDocument/2006/relationships" xmlns:p="http://schemas.openxmlformats.org/presentationml/2006/main">
   <p:cSld>
     <p:spTree>
@@ -8573,8 +9600,8 @@
         </p:nvSpPr>
         <p:spPr>
           <a:xfrm>
-            <a:off x="1823310" y="374900"/>
-            <a:ext cx="7924190" cy="532180"/>
+            <a:off x="1976015" y="374900"/>
+            <a:ext cx="7016195" cy="610820"/>
           </a:xfrm>
         </p:spPr>
         <p:txBody>
@@ -8584,154 +9611,54 @@
           <a:lstStyle/>
           <a:p>
             <a:r>
-              <a:rPr lang="en-US" dirty="0" smtClean="0"/>
-              <a:t>Agenda</a:t>
-            </a:r>
-            <a:endParaRPr lang="en-US" dirty="0"/>
-          </a:p>
-        </p:txBody>
-      </p:sp>
-      <p:sp>
-        <p:nvSpPr>
-          <p:cNvPr id="3" name="Content Placeholder 2"/>
-          <p:cNvSpPr>
-            <a:spLocks noGrp="1"/>
-          </p:cNvSpPr>
-          <p:nvPr>
-            <p:ph idx="1"/>
-          </p:nvPr>
-        </p:nvSpPr>
-        <p:spPr/>
-        <p:txBody>
-          <a:bodyPr/>
-          <a:lstStyle/>
-          <a:p>
-            <a:pPr>
-              <a:buFont typeface="Wingdings" panose="05000000000000000000" pitchFamily="2" charset="2"/>
-              <a:buChar char="§"/>
-            </a:pPr>
-            <a:r>
-              <a:rPr lang="en-US" dirty="0" smtClean="0"/>
-              <a:t>Introduction</a:t>
-            </a:r>
-            <a:endParaRPr lang="en-US" dirty="0" smtClean="0"/>
-          </a:p>
-          <a:p>
-            <a:pPr>
-              <a:buFont typeface="Wingdings" panose="05000000000000000000" pitchFamily="2" charset="2"/>
-              <a:buChar char="§"/>
-            </a:pPr>
-            <a:r>
-              <a:rPr lang="en-US" dirty="0" smtClean="0"/>
-              <a:t>Problems</a:t>
-            </a:r>
-            <a:endParaRPr lang="en-US" dirty="0" smtClean="0"/>
-          </a:p>
-          <a:p>
-            <a:pPr>
-              <a:buFont typeface="Wingdings" panose="05000000000000000000" pitchFamily="2" charset="2"/>
-              <a:buChar char="§"/>
-            </a:pPr>
-            <a:r>
-              <a:rPr lang="en-US" dirty="0" smtClean="0"/>
-              <a:t>Solution</a:t>
-            </a:r>
-            <a:endParaRPr lang="en-US" dirty="0" smtClean="0"/>
-          </a:p>
-          <a:p>
-            <a:pPr>
-              <a:buFont typeface="Wingdings" panose="05000000000000000000" pitchFamily="2" charset="2"/>
-              <a:buChar char="§"/>
-            </a:pPr>
-            <a:r>
-              <a:rPr lang="en-US" dirty="0" smtClean="0"/>
-              <a:t>Similar system review</a:t>
-            </a:r>
-          </a:p>
-          <a:p>
-            <a:pPr>
-              <a:buFont typeface="Wingdings" panose="05000000000000000000" pitchFamily="2" charset="2"/>
-              <a:buChar char="§"/>
-            </a:pPr>
-            <a:r>
-              <a:rPr lang="en-US" dirty="0" smtClean="0"/>
-              <a:t>Technology review</a:t>
-            </a:r>
-            <a:endParaRPr lang="en-US" dirty="0" smtClean="0"/>
-          </a:p>
-          <a:p>
-            <a:pPr>
-              <a:buFont typeface="Wingdings" panose="05000000000000000000" pitchFamily="2" charset="2"/>
-              <a:buChar char="§"/>
-            </a:pPr>
-            <a:r>
-              <a:rPr lang="en-US" dirty="0" smtClean="0"/>
-              <a:t>System Architecture</a:t>
-            </a:r>
-            <a:endParaRPr lang="en-US" dirty="0" smtClean="0"/>
-          </a:p>
-          <a:p>
-            <a:pPr>
-              <a:buFont typeface="Wingdings" panose="05000000000000000000" pitchFamily="2" charset="2"/>
-              <a:buChar char="§"/>
-            </a:pPr>
-            <a:r>
-              <a:rPr lang="en-US" dirty="0" smtClean="0"/>
-              <a:t>Limitation</a:t>
-            </a:r>
-          </a:p>
-          <a:p>
-            <a:pPr>
-              <a:buFont typeface="Wingdings" panose="05000000000000000000" pitchFamily="2" charset="2"/>
-              <a:buChar char="§"/>
-            </a:pPr>
-            <a:r>
-              <a:rPr lang="en-US" dirty="0" smtClean="0"/>
-              <a:t>Quality Assurance</a:t>
-            </a:r>
-          </a:p>
-          <a:p>
-            <a:pPr>
-              <a:buFont typeface="Wingdings" panose="05000000000000000000" pitchFamily="2" charset="2"/>
-              <a:buChar char="§"/>
-            </a:pPr>
-            <a:r>
-              <a:rPr lang="en-US" dirty="0" smtClean="0"/>
-              <a:t>Development Model </a:t>
-            </a:r>
-          </a:p>
-          <a:p>
-            <a:pPr>
-              <a:buFont typeface="Wingdings" panose="05000000000000000000" pitchFamily="2" charset="2"/>
-              <a:buChar char="§"/>
-            </a:pPr>
-            <a:r>
-              <a:rPr lang="en-US" dirty="0" smtClean="0"/>
-              <a:t>Schedule and Milestones  </a:t>
-            </a:r>
-            <a:endParaRPr lang="en-US" dirty="0"/>
+              <a:rPr lang="en-US" b="1" dirty="0" smtClean="0">
+                <a:solidFill>
+                  <a:srgbClr val="FFFF00"/>
+                </a:solidFill>
+                <a:effectLst>
+                  <a:outerShdw blurRad="38100" dist="38100" dir="2700000" algn="tl">
+                    <a:srgbClr val="000000">
+                      <a:alpha val="43137"/>
+                    </a:srgbClr>
+                  </a:outerShdw>
+                </a:effectLst>
+              </a:rPr>
+              <a:t>Development Model</a:t>
+            </a:r>
+            <a:endParaRPr lang="en-US" b="1" dirty="0">
+              <a:solidFill>
+                <a:srgbClr val="FFFF00"/>
+              </a:solidFill>
+              <a:effectLst>
+                <a:outerShdw blurRad="38100" dist="38100" dir="2700000" algn="tl">
+                  <a:srgbClr val="000000">
+                    <a:alpha val="43137"/>
+                  </a:srgbClr>
+                </a:outerShdw>
+              </a:effectLst>
+            </a:endParaRPr>
           </a:p>
         </p:txBody>
       </p:sp>
     </p:spTree>
     <p:extLst>
       <p:ext uri="{BB962C8B-B14F-4D97-AF65-F5344CB8AC3E}">
-        <p14:creationId xmlns:p14="http://schemas.microsoft.com/office/powerpoint/2010/main" val="4103309497"/>
+        <p14:creationId xmlns:p14="http://schemas.microsoft.com/office/powerpoint/2010/main" val="25587647"/>
       </p:ext>
     </p:extLst>
   </p:cSld>
   <p:clrMapOvr>
     <a:masterClrMapping/>
   </p:clrMapOvr>
-  <mc:AlternateContent xmlns:mc="http://schemas.openxmlformats.org/markup-compatibility/2006">
-    <mc:Choice xmlns:p14="http://schemas.microsoft.com/office/powerpoint/2010/main" Requires="p14">
-      <p:transition spd="slow" p14:dur="1600">
-        <p:blinds dir="vert"/>
+  <mc:AlternateContent xmlns:mc="http://schemas.openxmlformats.org/markup-compatibility/2006" xmlns:p14="http://schemas.microsoft.com/office/powerpoint/2010/main">
+    <mc:Choice Requires="p14">
+      <p:transition spd="slow" p14:dur="1200">
+        <p14:prism/>
       </p:transition>
     </mc:Choice>
-    <mc:Fallback>
+    <mc:Fallback xmlns="">
       <p:transition spd="slow">
-        <p:blinds dir="vert"/>
+        <p:fade/>
       </p:transition>
     </mc:Fallback>
   </mc:AlternateContent>
@@ -8745,7 +9672,7 @@
 </p:sld>
 </file>
 
-<file path=ppt/slides/slide20.xml><?xml version="1.0" encoding="utf-8"?>
+<file path=ppt/slides/slide22.xml><?xml version="1.0" encoding="utf-8"?>
 <p:sld xmlns:a="http://schemas.openxmlformats.org/drawingml/2006/main" xmlns:r="http://schemas.openxmlformats.org/officeDocument/2006/relationships" xmlns:p="http://schemas.openxmlformats.org/presentationml/2006/main">
   <p:cSld>
     <p:spTree>
@@ -8799,18 +9726,6 @@
               </a:rPr>
               <a:t>Schedule and Milestones</a:t>
             </a:r>
-            <a:endParaRPr lang="en-US" b="1" dirty="0">
-              <a:solidFill>
-                <a:srgbClr val="FFFF00"/>
-              </a:solidFill>
-              <a:effectLst>
-                <a:outerShdw blurRad="38100" dist="38100" dir="2700000" algn="tl">
-                  <a:srgbClr val="000000">
-                    <a:alpha val="43137"/>
-                  </a:srgbClr>
-                </a:outerShdw>
-              </a:effectLst>
-            </a:endParaRPr>
           </a:p>
         </p:txBody>
       </p:sp>
@@ -9005,618 +9920,6 @@
                                         <p:cTn id="11" dur="500"/>
                                         <p:tgtEl>
                                           <p:spTgt spid="4"/>
-                                        </p:tgtEl>
-                                      </p:cBhvr>
-                                    </p:animEffect>
-                                  </p:childTnLst>
-                                </p:cTn>
-                              </p:par>
-                            </p:childTnLst>
-                          </p:cTn>
-                        </p:par>
-                      </p:childTnLst>
-                    </p:cTn>
-                  </p:par>
-                </p:childTnLst>
-              </p:cTn>
-              <p:prevCondLst>
-                <p:cond evt="onPrev" delay="0">
-                  <p:tgtEl>
-                    <p:sldTgt/>
-                  </p:tgtEl>
-                </p:cond>
-              </p:prevCondLst>
-              <p:nextCondLst>
-                <p:cond evt="onNext" delay="0">
-                  <p:tgtEl>
-                    <p:sldTgt/>
-                  </p:tgtEl>
-                </p:cond>
-              </p:nextCondLst>
-            </p:seq>
-          </p:childTnLst>
-        </p:cTn>
-      </p:par>
-    </p:tnLst>
-    <p:bldLst>
-      <p:bldP spid="3" grpId="0" build="p"/>
-    </p:bldLst>
-  </p:timing>
-</p:sld>
-</file>
-
-<file path=ppt/slides/slide21.xml><?xml version="1.0" encoding="utf-8"?>
-<p:sld xmlns:a="http://schemas.openxmlformats.org/drawingml/2006/main" xmlns:r="http://schemas.openxmlformats.org/officeDocument/2006/relationships" xmlns:p="http://schemas.openxmlformats.org/presentationml/2006/main">
-  <p:cSld>
-    <p:spTree>
-      <p:nvGrpSpPr>
-        <p:cNvPr id="1" name=""/>
-        <p:cNvGrpSpPr/>
-        <p:nvPr/>
-      </p:nvGrpSpPr>
-      <p:grpSpPr>
-        <a:xfrm>
-          <a:off x="0" y="0"/>
-          <a:ext cx="0" cy="0"/>
-          <a:chOff x="0" y="0"/>
-          <a:chExt cx="0" cy="0"/>
-        </a:xfrm>
-      </p:grpSpPr>
-      <p:sp>
-        <p:nvSpPr>
-          <p:cNvPr id="2" name="Title 1"/>
-          <p:cNvSpPr>
-            <a:spLocks noGrp="1"/>
-          </p:cNvSpPr>
-          <p:nvPr>
-            <p:ph type="title"/>
-          </p:nvPr>
-        </p:nvSpPr>
-        <p:spPr>
-          <a:xfrm>
-            <a:off x="1845191" y="352015"/>
-            <a:ext cx="7016195" cy="610820"/>
-          </a:xfrm>
-        </p:spPr>
-        <p:txBody>
-          <a:bodyPr>
-            <a:normAutofit fontScale="90000"/>
-          </a:bodyPr>
-          <a:lstStyle/>
-          <a:p>
-            <a:r>
-              <a:rPr lang="en-US" b="1" dirty="0">
-                <a:solidFill>
-                  <a:srgbClr val="FFFF00"/>
-                </a:solidFill>
-                <a:effectLst>
-                  <a:outerShdw blurRad="38100" dist="38100" dir="2700000" algn="tl">
-                    <a:srgbClr val="000000">
-                      <a:alpha val="43137"/>
-                    </a:srgbClr>
-                  </a:outerShdw>
-                </a:effectLst>
-              </a:rPr>
-              <a:t>Schedule and Milestones</a:t>
-            </a:r>
-            <a:endParaRPr lang="en-US" b="1" dirty="0">
-              <a:solidFill>
-                <a:srgbClr val="FFFF00"/>
-              </a:solidFill>
-              <a:effectLst>
-                <a:outerShdw blurRad="38100" dist="38100" dir="2700000" algn="tl">
-                  <a:srgbClr val="000000">
-                    <a:alpha val="43137"/>
-                  </a:srgbClr>
-                </a:outerShdw>
-              </a:effectLst>
-            </a:endParaRPr>
-          </a:p>
-        </p:txBody>
-      </p:sp>
-      <p:sp>
-        <p:nvSpPr>
-          <p:cNvPr id="3" name="Content Placeholder 2"/>
-          <p:cNvSpPr>
-            <a:spLocks noGrp="1"/>
-          </p:cNvSpPr>
-          <p:nvPr>
-            <p:ph idx="1"/>
-          </p:nvPr>
-        </p:nvSpPr>
-        <p:spPr>
-          <a:xfrm>
-            <a:off x="1823310" y="1291131"/>
-            <a:ext cx="7016195" cy="610820"/>
-          </a:xfrm>
-        </p:spPr>
-        <p:txBody>
-          <a:bodyPr/>
-          <a:lstStyle/>
-          <a:p>
-            <a:pPr marL="0" indent="0">
-              <a:buNone/>
-            </a:pPr>
-            <a:r>
-              <a:rPr lang="en-US" b="1" dirty="0" smtClean="0">
-                <a:effectLst>
-                  <a:outerShdw blurRad="38100" dist="38100" dir="2700000" algn="tl">
-                    <a:srgbClr val="000000">
-                      <a:alpha val="43137"/>
-                    </a:srgbClr>
-                  </a:outerShdw>
-                </a:effectLst>
-              </a:rPr>
-              <a:t>Progress I</a:t>
-            </a:r>
-            <a:endParaRPr lang="en-US" b="1" dirty="0">
-              <a:effectLst>
-                <a:outerShdw blurRad="38100" dist="38100" dir="2700000" algn="tl">
-                  <a:srgbClr val="000000">
-                    <a:alpha val="43137"/>
-                  </a:srgbClr>
-                </a:outerShdw>
-              </a:effectLst>
-            </a:endParaRPr>
-          </a:p>
-        </p:txBody>
-      </p:sp>
-      <p:pic>
-        <p:nvPicPr>
-          <p:cNvPr id="5" name="Picture 4"/>
-          <p:cNvPicPr/>
-          <p:nvPr/>
-        </p:nvPicPr>
-        <p:blipFill>
-          <a:blip r:embed="rId2"/>
-          <a:srcRect/>
-          <a:stretch>
-            <a:fillRect/>
-          </a:stretch>
-        </p:blipFill>
-        <p:spPr bwMode="auto">
-          <a:xfrm>
-            <a:off x="2128720" y="2023363"/>
-            <a:ext cx="6364928" cy="4428445"/>
-          </a:xfrm>
-          <a:prstGeom prst="rect">
-            <a:avLst/>
-          </a:prstGeom>
-          <a:ln>
-            <a:noFill/>
-          </a:ln>
-          <a:effectLst>
-            <a:outerShdw blurRad="292100" dist="139700" dir="2700000" algn="tl" rotWithShape="0">
-              <a:srgbClr val="333333">
-                <a:alpha val="65000"/>
-              </a:srgbClr>
-            </a:outerShdw>
-          </a:effectLst>
-        </p:spPr>
-      </p:pic>
-    </p:spTree>
-    <p:extLst>
-      <p:ext uri="{BB962C8B-B14F-4D97-AF65-F5344CB8AC3E}">
-        <p14:creationId xmlns:p14="http://schemas.microsoft.com/office/powerpoint/2010/main" val="683724588"/>
-      </p:ext>
-    </p:extLst>
-  </p:cSld>
-  <p:clrMapOvr>
-    <a:masterClrMapping/>
-  </p:clrMapOvr>
-  <p:transition spd="slow">
-    <p:push dir="u"/>
-  </p:transition>
-  <p:timing>
-    <p:tnLst>
-      <p:par>
-        <p:cTn id="1" dur="indefinite" restart="never" nodeType="tmRoot">
-          <p:childTnLst>
-            <p:seq concurrent="1" nextAc="seek">
-              <p:cTn id="2" dur="indefinite" nodeType="mainSeq">
-                <p:childTnLst>
-                  <p:par>
-                    <p:cTn id="3" fill="hold">
-                      <p:stCondLst>
-                        <p:cond delay="indefinite"/>
-                      </p:stCondLst>
-                      <p:childTnLst>
-                        <p:par>
-                          <p:cTn id="4" fill="hold">
-                            <p:stCondLst>
-                              <p:cond delay="0"/>
-                            </p:stCondLst>
-                            <p:childTnLst>
-                              <p:par>
-                                <p:cTn id="5" presetID="1" presetClass="entr" presetSubtype="0" fill="hold" grpId="0" nodeType="clickEffect">
-                                  <p:stCondLst>
-                                    <p:cond delay="0"/>
-                                  </p:stCondLst>
-                                  <p:childTnLst>
-                                    <p:set>
-                                      <p:cBhvr>
-                                        <p:cTn id="6" dur="1" fill="hold">
-                                          <p:stCondLst>
-                                            <p:cond delay="0"/>
-                                          </p:stCondLst>
-                                        </p:cTn>
-                                        <p:tgtEl>
-                                          <p:spTgt spid="3">
-                                            <p:txEl>
-                                              <p:pRg st="0" end="0"/>
-                                            </p:txEl>
-                                          </p:spTgt>
-                                        </p:tgtEl>
-                                        <p:attrNameLst>
-                                          <p:attrName>style.visibility</p:attrName>
-                                        </p:attrNameLst>
-                                      </p:cBhvr>
-                                      <p:to>
-                                        <p:strVal val="visible"/>
-                                      </p:to>
-                                    </p:set>
-                                  </p:childTnLst>
-                                </p:cTn>
-                              </p:par>
-                            </p:childTnLst>
-                          </p:cTn>
-                        </p:par>
-                      </p:childTnLst>
-                    </p:cTn>
-                  </p:par>
-                  <p:par>
-                    <p:cTn id="7" fill="hold">
-                      <p:stCondLst>
-                        <p:cond delay="indefinite"/>
-                      </p:stCondLst>
-                      <p:childTnLst>
-                        <p:par>
-                          <p:cTn id="8" fill="hold">
-                            <p:stCondLst>
-                              <p:cond delay="0"/>
-                            </p:stCondLst>
-                            <p:childTnLst>
-                              <p:par>
-                                <p:cTn id="9" presetID="10" presetClass="entr" presetSubtype="0" fill="hold" nodeType="clickEffect">
-                                  <p:stCondLst>
-                                    <p:cond delay="0"/>
-                                  </p:stCondLst>
-                                  <p:childTnLst>
-                                    <p:set>
-                                      <p:cBhvr>
-                                        <p:cTn id="10" dur="1" fill="hold">
-                                          <p:stCondLst>
-                                            <p:cond delay="0"/>
-                                          </p:stCondLst>
-                                        </p:cTn>
-                                        <p:tgtEl>
-                                          <p:spTgt spid="5"/>
-                                        </p:tgtEl>
-                                        <p:attrNameLst>
-                                          <p:attrName>style.visibility</p:attrName>
-                                        </p:attrNameLst>
-                                      </p:cBhvr>
-                                      <p:to>
-                                        <p:strVal val="visible"/>
-                                      </p:to>
-                                    </p:set>
-                                    <p:animEffect transition="in" filter="fade">
-                                      <p:cBhvr>
-                                        <p:cTn id="11" dur="500"/>
-                                        <p:tgtEl>
-                                          <p:spTgt spid="5"/>
-                                        </p:tgtEl>
-                                      </p:cBhvr>
-                                    </p:animEffect>
-                                  </p:childTnLst>
-                                </p:cTn>
-                              </p:par>
-                            </p:childTnLst>
-                          </p:cTn>
-                        </p:par>
-                      </p:childTnLst>
-                    </p:cTn>
-                  </p:par>
-                </p:childTnLst>
-              </p:cTn>
-              <p:prevCondLst>
-                <p:cond evt="onPrev" delay="0">
-                  <p:tgtEl>
-                    <p:sldTgt/>
-                  </p:tgtEl>
-                </p:cond>
-              </p:prevCondLst>
-              <p:nextCondLst>
-                <p:cond evt="onNext" delay="0">
-                  <p:tgtEl>
-                    <p:sldTgt/>
-                  </p:tgtEl>
-                </p:cond>
-              </p:nextCondLst>
-            </p:seq>
-          </p:childTnLst>
-        </p:cTn>
-      </p:par>
-    </p:tnLst>
-    <p:bldLst>
-      <p:bldP spid="3" grpId="0" build="p"/>
-    </p:bldLst>
-  </p:timing>
-</p:sld>
-</file>
-
-<file path=ppt/slides/slide22.xml><?xml version="1.0" encoding="utf-8"?>
-<p:sld xmlns:a="http://schemas.openxmlformats.org/drawingml/2006/main" xmlns:r="http://schemas.openxmlformats.org/officeDocument/2006/relationships" xmlns:p="http://schemas.openxmlformats.org/presentationml/2006/main">
-  <p:cSld>
-    <p:spTree>
-      <p:nvGrpSpPr>
-        <p:cNvPr id="1" name=""/>
-        <p:cNvGrpSpPr/>
-        <p:nvPr/>
-      </p:nvGrpSpPr>
-      <p:grpSpPr>
-        <a:xfrm>
-          <a:off x="0" y="0"/>
-          <a:ext cx="0" cy="0"/>
-          <a:chOff x="0" y="0"/>
-          <a:chExt cx="0" cy="0"/>
-        </a:xfrm>
-      </p:grpSpPr>
-      <p:sp>
-        <p:nvSpPr>
-          <p:cNvPr id="2" name="Title 1"/>
-          <p:cNvSpPr>
-            <a:spLocks noGrp="1"/>
-          </p:cNvSpPr>
-          <p:nvPr>
-            <p:ph type="title"/>
-          </p:nvPr>
-        </p:nvSpPr>
-        <p:spPr>
-          <a:xfrm>
-            <a:off x="1845191" y="352015"/>
-            <a:ext cx="7016195" cy="610820"/>
-          </a:xfrm>
-        </p:spPr>
-        <p:txBody>
-          <a:bodyPr>
-            <a:normAutofit fontScale="90000"/>
-          </a:bodyPr>
-          <a:lstStyle/>
-          <a:p>
-            <a:r>
-              <a:rPr lang="en-US" b="1" dirty="0">
-                <a:solidFill>
-                  <a:srgbClr val="FFFF00"/>
-                </a:solidFill>
-                <a:effectLst>
-                  <a:outerShdw blurRad="38100" dist="38100" dir="2700000" algn="tl">
-                    <a:srgbClr val="000000">
-                      <a:alpha val="43137"/>
-                    </a:srgbClr>
-                  </a:outerShdw>
-                </a:effectLst>
-              </a:rPr>
-              <a:t>Schedule and Milestones</a:t>
-            </a:r>
-            <a:endParaRPr lang="en-US" b="1" dirty="0">
-              <a:solidFill>
-                <a:srgbClr val="FFFF00"/>
-              </a:solidFill>
-              <a:effectLst>
-                <a:outerShdw blurRad="38100" dist="38100" dir="2700000" algn="tl">
-                  <a:srgbClr val="000000">
-                    <a:alpha val="43137"/>
-                  </a:srgbClr>
-                </a:outerShdw>
-              </a:effectLst>
-            </a:endParaRPr>
-          </a:p>
-        </p:txBody>
-      </p:sp>
-      <p:sp>
-        <p:nvSpPr>
-          <p:cNvPr id="3" name="Content Placeholder 2"/>
-          <p:cNvSpPr>
-            <a:spLocks noGrp="1"/>
-          </p:cNvSpPr>
-          <p:nvPr>
-            <p:ph idx="1"/>
-          </p:nvPr>
-        </p:nvSpPr>
-        <p:spPr>
-          <a:xfrm>
-            <a:off x="1823310" y="1291131"/>
-            <a:ext cx="7016195" cy="610820"/>
-          </a:xfrm>
-        </p:spPr>
-        <p:txBody>
-          <a:bodyPr/>
-          <a:lstStyle/>
-          <a:p>
-            <a:pPr marL="0" indent="0">
-              <a:buNone/>
-            </a:pPr>
-            <a:r>
-              <a:rPr lang="en-US" b="1" dirty="0">
-                <a:effectLst>
-                  <a:outerShdw blurRad="38100" dist="38100" dir="2700000" algn="tl">
-                    <a:srgbClr val="000000">
-                      <a:alpha val="43137"/>
-                    </a:srgbClr>
-                  </a:outerShdw>
-                </a:effectLst>
-              </a:rPr>
-              <a:t>Progress </a:t>
-            </a:r>
-            <a:r>
-              <a:rPr lang="en-US" b="1" dirty="0" smtClean="0">
-                <a:effectLst>
-                  <a:outerShdw blurRad="38100" dist="38100" dir="2700000" algn="tl">
-                    <a:srgbClr val="000000">
-                      <a:alpha val="43137"/>
-                    </a:srgbClr>
-                  </a:outerShdw>
-                </a:effectLst>
-              </a:rPr>
-              <a:t>II</a:t>
-            </a:r>
-            <a:endParaRPr lang="en-US" b="1" dirty="0">
-              <a:effectLst>
-                <a:outerShdw blurRad="38100" dist="38100" dir="2700000" algn="tl">
-                  <a:srgbClr val="000000">
-                    <a:alpha val="43137"/>
-                  </a:srgbClr>
-                </a:outerShdw>
-              </a:effectLst>
-            </a:endParaRPr>
-          </a:p>
-        </p:txBody>
-      </p:sp>
-      <p:pic>
-        <p:nvPicPr>
-          <p:cNvPr id="5" name="Picture 4"/>
-          <p:cNvPicPr/>
-          <p:nvPr/>
-        </p:nvPicPr>
-        <p:blipFill>
-          <a:blip r:embed="rId2"/>
-          <a:srcRect/>
-          <a:stretch>
-            <a:fillRect/>
-          </a:stretch>
-        </p:blipFill>
-        <p:spPr bwMode="auto">
-          <a:xfrm>
-            <a:off x="2281425" y="2054655"/>
-            <a:ext cx="6413610" cy="4275740"/>
-          </a:xfrm>
-          <a:prstGeom prst="rect">
-            <a:avLst/>
-          </a:prstGeom>
-          <a:ln>
-            <a:noFill/>
-          </a:ln>
-          <a:effectLst>
-            <a:outerShdw blurRad="292100" dist="139700" dir="2700000" algn="tl" rotWithShape="0">
-              <a:srgbClr val="333333">
-                <a:alpha val="65000"/>
-              </a:srgbClr>
-            </a:outerShdw>
-          </a:effectLst>
-        </p:spPr>
-      </p:pic>
-    </p:spTree>
-    <p:extLst>
-      <p:ext uri="{BB962C8B-B14F-4D97-AF65-F5344CB8AC3E}">
-        <p14:creationId xmlns:p14="http://schemas.microsoft.com/office/powerpoint/2010/main" val="683724588"/>
-      </p:ext>
-    </p:extLst>
-  </p:cSld>
-  <p:clrMapOvr>
-    <a:masterClrMapping/>
-  </p:clrMapOvr>
-  <p:transition spd="slow">
-    <p:push dir="u"/>
-  </p:transition>
-  <p:timing>
-    <p:tnLst>
-      <p:par>
-        <p:cTn id="1" dur="indefinite" restart="never" nodeType="tmRoot">
-          <p:childTnLst>
-            <p:seq concurrent="1" nextAc="seek">
-              <p:cTn id="2" dur="indefinite" nodeType="mainSeq">
-                <p:childTnLst>
-                  <p:par>
-                    <p:cTn id="3" fill="hold">
-                      <p:stCondLst>
-                        <p:cond delay="indefinite"/>
-                      </p:stCondLst>
-                      <p:childTnLst>
-                        <p:par>
-                          <p:cTn id="4" fill="hold">
-                            <p:stCondLst>
-                              <p:cond delay="0"/>
-                            </p:stCondLst>
-                            <p:childTnLst>
-                              <p:par>
-                                <p:cTn id="5" presetID="1" presetClass="entr" presetSubtype="0" fill="hold" grpId="0" nodeType="clickEffect">
-                                  <p:stCondLst>
-                                    <p:cond delay="0"/>
-                                  </p:stCondLst>
-                                  <p:childTnLst>
-                                    <p:set>
-                                      <p:cBhvr>
-                                        <p:cTn id="6" dur="1" fill="hold">
-                                          <p:stCondLst>
-                                            <p:cond delay="0"/>
-                                          </p:stCondLst>
-                                        </p:cTn>
-                                        <p:tgtEl>
-                                          <p:spTgt spid="3">
-                                            <p:txEl>
-                                              <p:pRg st="0" end="0"/>
-                                            </p:txEl>
-                                          </p:spTgt>
-                                        </p:tgtEl>
-                                        <p:attrNameLst>
-                                          <p:attrName>style.visibility</p:attrName>
-                                        </p:attrNameLst>
-                                      </p:cBhvr>
-                                      <p:to>
-                                        <p:strVal val="visible"/>
-                                      </p:to>
-                                    </p:set>
-                                  </p:childTnLst>
-                                </p:cTn>
-                              </p:par>
-                            </p:childTnLst>
-                          </p:cTn>
-                        </p:par>
-                      </p:childTnLst>
-                    </p:cTn>
-                  </p:par>
-                  <p:par>
-                    <p:cTn id="7" fill="hold">
-                      <p:stCondLst>
-                        <p:cond delay="indefinite"/>
-                      </p:stCondLst>
-                      <p:childTnLst>
-                        <p:par>
-                          <p:cTn id="8" fill="hold">
-                            <p:stCondLst>
-                              <p:cond delay="0"/>
-                            </p:stCondLst>
-                            <p:childTnLst>
-                              <p:par>
-                                <p:cTn id="9" presetID="10" presetClass="entr" presetSubtype="0" fill="hold" nodeType="clickEffect">
-                                  <p:stCondLst>
-                                    <p:cond delay="0"/>
-                                  </p:stCondLst>
-                                  <p:childTnLst>
-                                    <p:set>
-                                      <p:cBhvr>
-                                        <p:cTn id="10" dur="1" fill="hold">
-                                          <p:stCondLst>
-                                            <p:cond delay="0"/>
-                                          </p:stCondLst>
-                                        </p:cTn>
-                                        <p:tgtEl>
-                                          <p:spTgt spid="5"/>
-                                        </p:tgtEl>
-                                        <p:attrNameLst>
-                                          <p:attrName>style.visibility</p:attrName>
-                                        </p:attrNameLst>
-                                      </p:cBhvr>
-                                      <p:to>
-                                        <p:strVal val="visible"/>
-                                      </p:to>
-                                    </p:set>
-                                    <p:animEffect transition="in" filter="fade">
-                                      <p:cBhvr>
-                                        <p:cTn id="11" dur="500"/>
-                                        <p:tgtEl>
-                                          <p:spTgt spid="5"/>
                                         </p:tgtEl>
                                       </p:cBhvr>
                                     </p:animEffect>
@@ -9711,18 +10014,6 @@
               </a:rPr>
               <a:t>Schedule and Milestones</a:t>
             </a:r>
-            <a:endParaRPr lang="en-US" b="1" dirty="0">
-              <a:solidFill>
-                <a:srgbClr val="FFFF00"/>
-              </a:solidFill>
-              <a:effectLst>
-                <a:outerShdw blurRad="38100" dist="38100" dir="2700000" algn="tl">
-                  <a:srgbClr val="000000">
-                    <a:alpha val="43137"/>
-                  </a:srgbClr>
-                </a:outerShdw>
-              </a:effectLst>
-            </a:endParaRPr>
           </a:p>
         </p:txBody>
       </p:sp>
@@ -9750,18 +10041,6 @@
               <a:buNone/>
             </a:pPr>
             <a:r>
-              <a:rPr lang="en-US" b="1" dirty="0">
-                <a:effectLst>
-                  <a:outerShdw blurRad="38100" dist="38100" dir="2700000" algn="tl">
-                    <a:srgbClr val="000000">
-                      <a:alpha val="43137"/>
-                    </a:srgbClr>
-                  </a:outerShdw>
-                </a:effectLst>
-              </a:rPr>
-              <a:t>Progress </a:t>
-            </a:r>
-            <a:r>
               <a:rPr lang="en-US" b="1" dirty="0" smtClean="0">
                 <a:effectLst>
                   <a:outerShdw blurRad="38100" dist="38100" dir="2700000" algn="tl">
@@ -9771,7 +10050,7 @@
                   </a:outerShdw>
                 </a:effectLst>
               </a:rPr>
-              <a:t>III</a:t>
+              <a:t>Progress I</a:t>
             </a:r>
             <a:endParaRPr lang="en-US" b="1" dirty="0">
               <a:effectLst>
@@ -9800,8 +10079,8 @@
         </p:blipFill>
         <p:spPr bwMode="auto">
           <a:xfrm>
-            <a:off x="2281425" y="2054655"/>
-            <a:ext cx="6413610" cy="4275740"/>
+            <a:off x="2128720" y="2023363"/>
+            <a:ext cx="6364928" cy="4428445"/>
           </a:xfrm>
           <a:prstGeom prst="rect">
             <a:avLst/>
@@ -10023,10 +10302,57 @@
               </a:rPr>
               <a:t>Schedule and Milestones</a:t>
             </a:r>
+          </a:p>
+        </p:txBody>
+      </p:sp>
+      <p:sp>
+        <p:nvSpPr>
+          <p:cNvPr id="3" name="Content Placeholder 2"/>
+          <p:cNvSpPr>
+            <a:spLocks noGrp="1"/>
+          </p:cNvSpPr>
+          <p:nvPr>
+            <p:ph idx="1"/>
+          </p:nvPr>
+        </p:nvSpPr>
+        <p:spPr>
+          <a:xfrm>
+            <a:off x="1823310" y="1291131"/>
+            <a:ext cx="7016195" cy="610820"/>
+          </a:xfrm>
+        </p:spPr>
+        <p:txBody>
+          <a:bodyPr/>
+          <a:lstStyle/>
+          <a:p>
+            <a:pPr marL="0" indent="0">
+              <a:buNone/>
+            </a:pPr>
+            <a:r>
+              <a:rPr lang="en-US" b="1" dirty="0">
+                <a:effectLst>
+                  <a:outerShdw blurRad="38100" dist="38100" dir="2700000" algn="tl">
+                    <a:srgbClr val="000000">
+                      <a:alpha val="43137"/>
+                    </a:srgbClr>
+                  </a:outerShdw>
+                </a:effectLst>
+              </a:rPr>
+              <a:t>Progress </a:t>
+            </a:r>
+            <a:r>
+              <a:rPr lang="en-US" b="1" dirty="0" smtClean="0">
+                <a:effectLst>
+                  <a:outerShdw blurRad="38100" dist="38100" dir="2700000" algn="tl">
+                    <a:srgbClr val="000000">
+                      <a:alpha val="43137"/>
+                    </a:srgbClr>
+                  </a:outerShdw>
+                </a:effectLst>
+              </a:rPr>
+              <a:t>II</a:t>
+            </a:r>
             <a:endParaRPr lang="en-US" b="1" dirty="0">
-              <a:solidFill>
-                <a:srgbClr val="FFFF00"/>
-              </a:solidFill>
               <a:effectLst>
                 <a:outerShdw blurRad="38100" dist="38100" dir="2700000" algn="tl">
                   <a:srgbClr val="000000">
@@ -10035,6 +10361,547 @@
                 </a:outerShdw>
               </a:effectLst>
             </a:endParaRPr>
+          </a:p>
+        </p:txBody>
+      </p:sp>
+      <p:pic>
+        <p:nvPicPr>
+          <p:cNvPr id="5" name="Picture 4"/>
+          <p:cNvPicPr/>
+          <p:nvPr/>
+        </p:nvPicPr>
+        <p:blipFill>
+          <a:blip r:embed="rId2"/>
+          <a:srcRect/>
+          <a:stretch>
+            <a:fillRect/>
+          </a:stretch>
+        </p:blipFill>
+        <p:spPr bwMode="auto">
+          <a:xfrm>
+            <a:off x="2281425" y="2054655"/>
+            <a:ext cx="6413610" cy="4275740"/>
+          </a:xfrm>
+          <a:prstGeom prst="rect">
+            <a:avLst/>
+          </a:prstGeom>
+          <a:ln>
+            <a:noFill/>
+          </a:ln>
+          <a:effectLst>
+            <a:outerShdw blurRad="292100" dist="139700" dir="2700000" algn="tl" rotWithShape="0">
+              <a:srgbClr val="333333">
+                <a:alpha val="65000"/>
+              </a:srgbClr>
+            </a:outerShdw>
+          </a:effectLst>
+        </p:spPr>
+      </p:pic>
+    </p:spTree>
+    <p:extLst>
+      <p:ext uri="{BB962C8B-B14F-4D97-AF65-F5344CB8AC3E}">
+        <p14:creationId xmlns:p14="http://schemas.microsoft.com/office/powerpoint/2010/main" val="683724588"/>
+      </p:ext>
+    </p:extLst>
+  </p:cSld>
+  <p:clrMapOvr>
+    <a:masterClrMapping/>
+  </p:clrMapOvr>
+  <p:transition spd="slow">
+    <p:push dir="u"/>
+  </p:transition>
+  <p:timing>
+    <p:tnLst>
+      <p:par>
+        <p:cTn id="1" dur="indefinite" restart="never" nodeType="tmRoot">
+          <p:childTnLst>
+            <p:seq concurrent="1" nextAc="seek">
+              <p:cTn id="2" dur="indefinite" nodeType="mainSeq">
+                <p:childTnLst>
+                  <p:par>
+                    <p:cTn id="3" fill="hold">
+                      <p:stCondLst>
+                        <p:cond delay="indefinite"/>
+                      </p:stCondLst>
+                      <p:childTnLst>
+                        <p:par>
+                          <p:cTn id="4" fill="hold">
+                            <p:stCondLst>
+                              <p:cond delay="0"/>
+                            </p:stCondLst>
+                            <p:childTnLst>
+                              <p:par>
+                                <p:cTn id="5" presetID="1" presetClass="entr" presetSubtype="0" fill="hold" grpId="0" nodeType="clickEffect">
+                                  <p:stCondLst>
+                                    <p:cond delay="0"/>
+                                  </p:stCondLst>
+                                  <p:childTnLst>
+                                    <p:set>
+                                      <p:cBhvr>
+                                        <p:cTn id="6" dur="1" fill="hold">
+                                          <p:stCondLst>
+                                            <p:cond delay="0"/>
+                                          </p:stCondLst>
+                                        </p:cTn>
+                                        <p:tgtEl>
+                                          <p:spTgt spid="3">
+                                            <p:txEl>
+                                              <p:pRg st="0" end="0"/>
+                                            </p:txEl>
+                                          </p:spTgt>
+                                        </p:tgtEl>
+                                        <p:attrNameLst>
+                                          <p:attrName>style.visibility</p:attrName>
+                                        </p:attrNameLst>
+                                      </p:cBhvr>
+                                      <p:to>
+                                        <p:strVal val="visible"/>
+                                      </p:to>
+                                    </p:set>
+                                  </p:childTnLst>
+                                </p:cTn>
+                              </p:par>
+                            </p:childTnLst>
+                          </p:cTn>
+                        </p:par>
+                      </p:childTnLst>
+                    </p:cTn>
+                  </p:par>
+                  <p:par>
+                    <p:cTn id="7" fill="hold">
+                      <p:stCondLst>
+                        <p:cond delay="indefinite"/>
+                      </p:stCondLst>
+                      <p:childTnLst>
+                        <p:par>
+                          <p:cTn id="8" fill="hold">
+                            <p:stCondLst>
+                              <p:cond delay="0"/>
+                            </p:stCondLst>
+                            <p:childTnLst>
+                              <p:par>
+                                <p:cTn id="9" presetID="10" presetClass="entr" presetSubtype="0" fill="hold" nodeType="clickEffect">
+                                  <p:stCondLst>
+                                    <p:cond delay="0"/>
+                                  </p:stCondLst>
+                                  <p:childTnLst>
+                                    <p:set>
+                                      <p:cBhvr>
+                                        <p:cTn id="10" dur="1" fill="hold">
+                                          <p:stCondLst>
+                                            <p:cond delay="0"/>
+                                          </p:stCondLst>
+                                        </p:cTn>
+                                        <p:tgtEl>
+                                          <p:spTgt spid="5"/>
+                                        </p:tgtEl>
+                                        <p:attrNameLst>
+                                          <p:attrName>style.visibility</p:attrName>
+                                        </p:attrNameLst>
+                                      </p:cBhvr>
+                                      <p:to>
+                                        <p:strVal val="visible"/>
+                                      </p:to>
+                                    </p:set>
+                                    <p:animEffect transition="in" filter="fade">
+                                      <p:cBhvr>
+                                        <p:cTn id="11" dur="500"/>
+                                        <p:tgtEl>
+                                          <p:spTgt spid="5"/>
+                                        </p:tgtEl>
+                                      </p:cBhvr>
+                                    </p:animEffect>
+                                  </p:childTnLst>
+                                </p:cTn>
+                              </p:par>
+                            </p:childTnLst>
+                          </p:cTn>
+                        </p:par>
+                      </p:childTnLst>
+                    </p:cTn>
+                  </p:par>
+                </p:childTnLst>
+              </p:cTn>
+              <p:prevCondLst>
+                <p:cond evt="onPrev" delay="0">
+                  <p:tgtEl>
+                    <p:sldTgt/>
+                  </p:tgtEl>
+                </p:cond>
+              </p:prevCondLst>
+              <p:nextCondLst>
+                <p:cond evt="onNext" delay="0">
+                  <p:tgtEl>
+                    <p:sldTgt/>
+                  </p:tgtEl>
+                </p:cond>
+              </p:nextCondLst>
+            </p:seq>
+          </p:childTnLst>
+        </p:cTn>
+      </p:par>
+    </p:tnLst>
+    <p:bldLst>
+      <p:bldP spid="3" grpId="0" build="p"/>
+    </p:bldLst>
+  </p:timing>
+</p:sld>
+</file>
+
+<file path=ppt/slides/slide25.xml><?xml version="1.0" encoding="utf-8"?>
+<p:sld xmlns:a="http://schemas.openxmlformats.org/drawingml/2006/main" xmlns:r="http://schemas.openxmlformats.org/officeDocument/2006/relationships" xmlns:p="http://schemas.openxmlformats.org/presentationml/2006/main">
+  <p:cSld>
+    <p:spTree>
+      <p:nvGrpSpPr>
+        <p:cNvPr id="1" name=""/>
+        <p:cNvGrpSpPr/>
+        <p:nvPr/>
+      </p:nvGrpSpPr>
+      <p:grpSpPr>
+        <a:xfrm>
+          <a:off x="0" y="0"/>
+          <a:ext cx="0" cy="0"/>
+          <a:chOff x="0" y="0"/>
+          <a:chExt cx="0" cy="0"/>
+        </a:xfrm>
+      </p:grpSpPr>
+      <p:sp>
+        <p:nvSpPr>
+          <p:cNvPr id="2" name="Title 1"/>
+          <p:cNvSpPr>
+            <a:spLocks noGrp="1"/>
+          </p:cNvSpPr>
+          <p:nvPr>
+            <p:ph type="title"/>
+          </p:nvPr>
+        </p:nvSpPr>
+        <p:spPr>
+          <a:xfrm>
+            <a:off x="1845191" y="352015"/>
+            <a:ext cx="7016195" cy="610820"/>
+          </a:xfrm>
+        </p:spPr>
+        <p:txBody>
+          <a:bodyPr>
+            <a:normAutofit fontScale="90000"/>
+          </a:bodyPr>
+          <a:lstStyle/>
+          <a:p>
+            <a:r>
+              <a:rPr lang="en-US" b="1" dirty="0">
+                <a:solidFill>
+                  <a:srgbClr val="FFFF00"/>
+                </a:solidFill>
+                <a:effectLst>
+                  <a:outerShdw blurRad="38100" dist="38100" dir="2700000" algn="tl">
+                    <a:srgbClr val="000000">
+                      <a:alpha val="43137"/>
+                    </a:srgbClr>
+                  </a:outerShdw>
+                </a:effectLst>
+              </a:rPr>
+              <a:t>Schedule and Milestones</a:t>
+            </a:r>
+          </a:p>
+        </p:txBody>
+      </p:sp>
+      <p:sp>
+        <p:nvSpPr>
+          <p:cNvPr id="3" name="Content Placeholder 2"/>
+          <p:cNvSpPr>
+            <a:spLocks noGrp="1"/>
+          </p:cNvSpPr>
+          <p:nvPr>
+            <p:ph idx="1"/>
+          </p:nvPr>
+        </p:nvSpPr>
+        <p:spPr>
+          <a:xfrm>
+            <a:off x="1823310" y="1291131"/>
+            <a:ext cx="7016195" cy="610820"/>
+          </a:xfrm>
+        </p:spPr>
+        <p:txBody>
+          <a:bodyPr/>
+          <a:lstStyle/>
+          <a:p>
+            <a:pPr marL="0" indent="0">
+              <a:buNone/>
+            </a:pPr>
+            <a:r>
+              <a:rPr lang="en-US" b="1" dirty="0">
+                <a:effectLst>
+                  <a:outerShdw blurRad="38100" dist="38100" dir="2700000" algn="tl">
+                    <a:srgbClr val="000000">
+                      <a:alpha val="43137"/>
+                    </a:srgbClr>
+                  </a:outerShdw>
+                </a:effectLst>
+              </a:rPr>
+              <a:t>Progress </a:t>
+            </a:r>
+            <a:r>
+              <a:rPr lang="en-US" b="1" dirty="0" smtClean="0">
+                <a:effectLst>
+                  <a:outerShdw blurRad="38100" dist="38100" dir="2700000" algn="tl">
+                    <a:srgbClr val="000000">
+                      <a:alpha val="43137"/>
+                    </a:srgbClr>
+                  </a:outerShdw>
+                </a:effectLst>
+              </a:rPr>
+              <a:t>III</a:t>
+            </a:r>
+            <a:endParaRPr lang="en-US" b="1" dirty="0">
+              <a:effectLst>
+                <a:outerShdw blurRad="38100" dist="38100" dir="2700000" algn="tl">
+                  <a:srgbClr val="000000">
+                    <a:alpha val="43137"/>
+                  </a:srgbClr>
+                </a:outerShdw>
+              </a:effectLst>
+            </a:endParaRPr>
+          </a:p>
+        </p:txBody>
+      </p:sp>
+      <p:pic>
+        <p:nvPicPr>
+          <p:cNvPr id="5" name="Picture 4"/>
+          <p:cNvPicPr/>
+          <p:nvPr/>
+        </p:nvPicPr>
+        <p:blipFill>
+          <a:blip r:embed="rId2"/>
+          <a:srcRect/>
+          <a:stretch>
+            <a:fillRect/>
+          </a:stretch>
+        </p:blipFill>
+        <p:spPr bwMode="auto">
+          <a:xfrm>
+            <a:off x="2281425" y="2054655"/>
+            <a:ext cx="6413610" cy="4275740"/>
+          </a:xfrm>
+          <a:prstGeom prst="rect">
+            <a:avLst/>
+          </a:prstGeom>
+          <a:ln>
+            <a:noFill/>
+          </a:ln>
+          <a:effectLst>
+            <a:outerShdw blurRad="292100" dist="139700" dir="2700000" algn="tl" rotWithShape="0">
+              <a:srgbClr val="333333">
+                <a:alpha val="65000"/>
+              </a:srgbClr>
+            </a:outerShdw>
+          </a:effectLst>
+        </p:spPr>
+      </p:pic>
+    </p:spTree>
+    <p:extLst>
+      <p:ext uri="{BB962C8B-B14F-4D97-AF65-F5344CB8AC3E}">
+        <p14:creationId xmlns:p14="http://schemas.microsoft.com/office/powerpoint/2010/main" val="683724588"/>
+      </p:ext>
+    </p:extLst>
+  </p:cSld>
+  <p:clrMapOvr>
+    <a:masterClrMapping/>
+  </p:clrMapOvr>
+  <p:transition spd="slow">
+    <p:push dir="u"/>
+  </p:transition>
+  <p:timing>
+    <p:tnLst>
+      <p:par>
+        <p:cTn id="1" dur="indefinite" restart="never" nodeType="tmRoot">
+          <p:childTnLst>
+            <p:seq concurrent="1" nextAc="seek">
+              <p:cTn id="2" dur="indefinite" nodeType="mainSeq">
+                <p:childTnLst>
+                  <p:par>
+                    <p:cTn id="3" fill="hold">
+                      <p:stCondLst>
+                        <p:cond delay="indefinite"/>
+                      </p:stCondLst>
+                      <p:childTnLst>
+                        <p:par>
+                          <p:cTn id="4" fill="hold">
+                            <p:stCondLst>
+                              <p:cond delay="0"/>
+                            </p:stCondLst>
+                            <p:childTnLst>
+                              <p:par>
+                                <p:cTn id="5" presetID="1" presetClass="entr" presetSubtype="0" fill="hold" grpId="0" nodeType="clickEffect">
+                                  <p:stCondLst>
+                                    <p:cond delay="0"/>
+                                  </p:stCondLst>
+                                  <p:childTnLst>
+                                    <p:set>
+                                      <p:cBhvr>
+                                        <p:cTn id="6" dur="1" fill="hold">
+                                          <p:stCondLst>
+                                            <p:cond delay="0"/>
+                                          </p:stCondLst>
+                                        </p:cTn>
+                                        <p:tgtEl>
+                                          <p:spTgt spid="3">
+                                            <p:txEl>
+                                              <p:pRg st="0" end="0"/>
+                                            </p:txEl>
+                                          </p:spTgt>
+                                        </p:tgtEl>
+                                        <p:attrNameLst>
+                                          <p:attrName>style.visibility</p:attrName>
+                                        </p:attrNameLst>
+                                      </p:cBhvr>
+                                      <p:to>
+                                        <p:strVal val="visible"/>
+                                      </p:to>
+                                    </p:set>
+                                  </p:childTnLst>
+                                </p:cTn>
+                              </p:par>
+                            </p:childTnLst>
+                          </p:cTn>
+                        </p:par>
+                      </p:childTnLst>
+                    </p:cTn>
+                  </p:par>
+                  <p:par>
+                    <p:cTn id="7" fill="hold">
+                      <p:stCondLst>
+                        <p:cond delay="indefinite"/>
+                      </p:stCondLst>
+                      <p:childTnLst>
+                        <p:par>
+                          <p:cTn id="8" fill="hold">
+                            <p:stCondLst>
+                              <p:cond delay="0"/>
+                            </p:stCondLst>
+                            <p:childTnLst>
+                              <p:par>
+                                <p:cTn id="9" presetID="10" presetClass="entr" presetSubtype="0" fill="hold" nodeType="clickEffect">
+                                  <p:stCondLst>
+                                    <p:cond delay="0"/>
+                                  </p:stCondLst>
+                                  <p:childTnLst>
+                                    <p:set>
+                                      <p:cBhvr>
+                                        <p:cTn id="10" dur="1" fill="hold">
+                                          <p:stCondLst>
+                                            <p:cond delay="0"/>
+                                          </p:stCondLst>
+                                        </p:cTn>
+                                        <p:tgtEl>
+                                          <p:spTgt spid="5"/>
+                                        </p:tgtEl>
+                                        <p:attrNameLst>
+                                          <p:attrName>style.visibility</p:attrName>
+                                        </p:attrNameLst>
+                                      </p:cBhvr>
+                                      <p:to>
+                                        <p:strVal val="visible"/>
+                                      </p:to>
+                                    </p:set>
+                                    <p:animEffect transition="in" filter="fade">
+                                      <p:cBhvr>
+                                        <p:cTn id="11" dur="500"/>
+                                        <p:tgtEl>
+                                          <p:spTgt spid="5"/>
+                                        </p:tgtEl>
+                                      </p:cBhvr>
+                                    </p:animEffect>
+                                  </p:childTnLst>
+                                </p:cTn>
+                              </p:par>
+                            </p:childTnLst>
+                          </p:cTn>
+                        </p:par>
+                      </p:childTnLst>
+                    </p:cTn>
+                  </p:par>
+                </p:childTnLst>
+              </p:cTn>
+              <p:prevCondLst>
+                <p:cond evt="onPrev" delay="0">
+                  <p:tgtEl>
+                    <p:sldTgt/>
+                  </p:tgtEl>
+                </p:cond>
+              </p:prevCondLst>
+              <p:nextCondLst>
+                <p:cond evt="onNext" delay="0">
+                  <p:tgtEl>
+                    <p:sldTgt/>
+                  </p:tgtEl>
+                </p:cond>
+              </p:nextCondLst>
+            </p:seq>
+          </p:childTnLst>
+        </p:cTn>
+      </p:par>
+    </p:tnLst>
+    <p:bldLst>
+      <p:bldP spid="3" grpId="0" build="p"/>
+    </p:bldLst>
+  </p:timing>
+</p:sld>
+</file>
+
+<file path=ppt/slides/slide26.xml><?xml version="1.0" encoding="utf-8"?>
+<p:sld xmlns:a="http://schemas.openxmlformats.org/drawingml/2006/main" xmlns:r="http://schemas.openxmlformats.org/officeDocument/2006/relationships" xmlns:p="http://schemas.openxmlformats.org/presentationml/2006/main">
+  <p:cSld>
+    <p:spTree>
+      <p:nvGrpSpPr>
+        <p:cNvPr id="1" name=""/>
+        <p:cNvGrpSpPr/>
+        <p:nvPr/>
+      </p:nvGrpSpPr>
+      <p:grpSpPr>
+        <a:xfrm>
+          <a:off x="0" y="0"/>
+          <a:ext cx="0" cy="0"/>
+          <a:chOff x="0" y="0"/>
+          <a:chExt cx="0" cy="0"/>
+        </a:xfrm>
+      </p:grpSpPr>
+      <p:sp>
+        <p:nvSpPr>
+          <p:cNvPr id="2" name="Title 1"/>
+          <p:cNvSpPr>
+            <a:spLocks noGrp="1"/>
+          </p:cNvSpPr>
+          <p:nvPr>
+            <p:ph type="title"/>
+          </p:nvPr>
+        </p:nvSpPr>
+        <p:spPr>
+          <a:xfrm>
+            <a:off x="1845191" y="352015"/>
+            <a:ext cx="7016195" cy="610820"/>
+          </a:xfrm>
+        </p:spPr>
+        <p:txBody>
+          <a:bodyPr>
+            <a:normAutofit fontScale="90000"/>
+          </a:bodyPr>
+          <a:lstStyle/>
+          <a:p>
+            <a:r>
+              <a:rPr lang="en-US" b="1" dirty="0">
+                <a:solidFill>
+                  <a:srgbClr val="FFFF00"/>
+                </a:solidFill>
+                <a:effectLst>
+                  <a:outerShdw blurRad="38100" dist="38100" dir="2700000" algn="tl">
+                    <a:srgbClr val="000000">
+                      <a:alpha val="43137"/>
+                    </a:srgbClr>
+                  </a:outerShdw>
+                </a:effectLst>
+              </a:rPr>
+              <a:t>Schedule and Milestones</a:t>
+            </a:r>
           </a:p>
         </p:txBody>
       </p:sp>
@@ -10269,7 +11136,7 @@
 </p:sld>
 </file>
 
-<file path=ppt/slides/slide25.xml><?xml version="1.0" encoding="utf-8"?>
+<file path=ppt/slides/slide27.xml><?xml version="1.0" encoding="utf-8"?>
 <p:sld xmlns:a="http://schemas.openxmlformats.org/drawingml/2006/main" xmlns:r="http://schemas.openxmlformats.org/officeDocument/2006/relationships" xmlns:p="http://schemas.openxmlformats.org/presentationml/2006/main">
   <p:cSld>
     <p:bg>
@@ -10421,13 +11288,13 @@
   <p:clrMapOvr>
     <a:masterClrMapping/>
   </p:clrMapOvr>
-  <mc:AlternateContent xmlns:mc="http://schemas.openxmlformats.org/markup-compatibility/2006">
-    <mc:Choice xmlns:p14="http://schemas.microsoft.com/office/powerpoint/2010/main" Requires="p14">
+  <mc:AlternateContent xmlns:mc="http://schemas.openxmlformats.org/markup-compatibility/2006" xmlns:p14="http://schemas.microsoft.com/office/powerpoint/2010/main">
+    <mc:Choice Requires="p14">
       <p:transition spd="slow" p14:dur="3900">
         <p14:glitter pattern="hexagon"/>
       </p:transition>
     </mc:Choice>
-    <mc:Fallback>
+    <mc:Fallback xmlns="">
       <p:transition spd="slow">
         <p:fade/>
       </p:transition>
@@ -11014,13 +11881,13 @@
   </p:clrMapOvr>
   <mc:AlternateContent xmlns:mc="http://schemas.openxmlformats.org/markup-compatibility/2006">
     <mc:Choice xmlns:p14="http://schemas.microsoft.com/office/powerpoint/2010/main" Requires="p14">
-      <p:transition spd="slow" p14:dur="1600">
-        <p:blinds dir="vert"/>
+      <p:transition spd="slow" p14:dur="1100">
+        <p14:switch dir="r"/>
       </p:transition>
     </mc:Choice>
     <mc:Fallback>
       <p:transition spd="slow">
-        <p:blinds dir="vert"/>
+        <p:fade/>
       </p:transition>
     </mc:Fallback>
   </mc:AlternateContent>
@@ -11986,9 +12853,113 @@
           <a:chExt cx="0" cy="0"/>
         </a:xfrm>
       </p:grpSpPr>
+      <p:sp>
+        <p:nvSpPr>
+          <p:cNvPr id="2" name="TextBox 1"/>
+          <p:cNvSpPr txBox="1"/>
+          <p:nvPr/>
+        </p:nvSpPr>
+        <p:spPr>
+          <a:xfrm>
+            <a:off x="1880141" y="399492"/>
+            <a:ext cx="3742756" cy="584775"/>
+          </a:xfrm>
+          <a:prstGeom prst="rect">
+            <a:avLst/>
+          </a:prstGeom>
+          <a:noFill/>
+        </p:spPr>
+        <p:txBody>
+          <a:bodyPr wrap="none" rtlCol="0">
+            <a:spAutoFit/>
+          </a:bodyPr>
+          <a:lstStyle/>
+          <a:p>
+            <a:r>
+              <a:rPr lang="en-US" sz="3200" b="1" dirty="0" smtClean="0">
+                <a:solidFill>
+                  <a:srgbClr val="FFFF00"/>
+                </a:solidFill>
+                <a:effectLst>
+                  <a:outerShdw blurRad="38100" dist="38100" dir="2700000" algn="tl">
+                    <a:srgbClr val="000000">
+                      <a:alpha val="43137"/>
+                    </a:srgbClr>
+                  </a:outerShdw>
+                </a:effectLst>
+              </a:rPr>
+              <a:t>What are problems ?</a:t>
+            </a:r>
+            <a:endParaRPr lang="en-US" sz="3200" b="1" dirty="0">
+              <a:solidFill>
+                <a:srgbClr val="FFFF00"/>
+              </a:solidFill>
+              <a:effectLst>
+                <a:outerShdw blurRad="38100" dist="38100" dir="2700000" algn="tl">
+                  <a:srgbClr val="000000">
+                    <a:alpha val="43137"/>
+                  </a:srgbClr>
+                </a:outerShdw>
+              </a:effectLst>
+            </a:endParaRPr>
+          </a:p>
+        </p:txBody>
+      </p:sp>
+      <p:sp>
+        <p:nvSpPr>
+          <p:cNvPr id="6" name="TextBox 5"/>
+          <p:cNvSpPr txBox="1"/>
+          <p:nvPr/>
+        </p:nvSpPr>
+        <p:spPr>
+          <a:xfrm>
+            <a:off x="2078958" y="1291130"/>
+            <a:ext cx="1502784" cy="523220"/>
+          </a:xfrm>
+          <a:prstGeom prst="rect">
+            <a:avLst/>
+          </a:prstGeom>
+          <a:noFill/>
+        </p:spPr>
+        <p:txBody>
+          <a:bodyPr wrap="none" rtlCol="0">
+            <a:spAutoFit/>
+          </a:bodyPr>
+          <a:lstStyle/>
+          <a:p>
+            <a:r>
+              <a:rPr lang="en-US" sz="2800" b="1" dirty="0" smtClean="0">
+                <a:solidFill>
+                  <a:schemeClr val="tx2"/>
+                </a:solidFill>
+                <a:effectLst>
+                  <a:outerShdw blurRad="38100" dist="38100" dir="2700000" algn="tl">
+                    <a:srgbClr val="000000">
+                      <a:alpha val="43137"/>
+                    </a:srgbClr>
+                  </a:outerShdw>
+                </a:effectLst>
+              </a:rPr>
+              <a:t>Ordering</a:t>
+            </a:r>
+            <a:endParaRPr lang="en-US" sz="2800" b="1" dirty="0">
+              <a:solidFill>
+                <a:schemeClr val="tx2"/>
+              </a:solidFill>
+              <a:effectLst>
+                <a:outerShdw blurRad="38100" dist="38100" dir="2700000" algn="tl">
+                  <a:srgbClr val="000000">
+                    <a:alpha val="43137"/>
+                  </a:srgbClr>
+                </a:outerShdw>
+              </a:effectLst>
+            </a:endParaRPr>
+          </a:p>
+        </p:txBody>
+      </p:sp>
       <p:pic>
         <p:nvPicPr>
-          <p:cNvPr id="1026" name="Picture 2"/>
+          <p:cNvPr id="8" name="Picture 2"/>
           <p:cNvPicPr>
             <a:picLocks noChangeAspect="1" noChangeArrowheads="1"/>
           </p:cNvPicPr>
@@ -12009,25 +12980,24 @@
         </p:blipFill>
         <p:spPr bwMode="auto">
           <a:xfrm>
-            <a:off x="907080" y="2207360"/>
-            <a:ext cx="4430678" cy="3664920"/>
+            <a:off x="754375" y="2469140"/>
+            <a:ext cx="3359509" cy="3054100"/>
           </a:xfrm>
-          <a:prstGeom prst="rect">
-            <a:avLst/>
+          <a:prstGeom prst="roundRect">
+            <a:avLst>
+              <a:gd name="adj" fmla="val 8594"/>
+            </a:avLst>
           </a:prstGeom>
-          <a:ln w="38100" cap="sq">
-            <a:solidFill>
-              <a:srgbClr val="000000"/>
-            </a:solidFill>
-            <a:prstDash val="solid"/>
-            <a:miter lim="800000"/>
+          <a:solidFill>
+            <a:srgbClr val="FFFFFF">
+              <a:shade val="85000"/>
+            </a:srgbClr>
+          </a:solidFill>
+          <a:ln>
+            <a:noFill/>
           </a:ln>
           <a:effectLst>
-            <a:outerShdw blurRad="50800" dist="38100" dir="2700000" algn="tl" rotWithShape="0">
-              <a:srgbClr val="000000">
-                <a:alpha val="43000"/>
-              </a:srgbClr>
-            </a:outerShdw>
+            <a:reflection blurRad="12700" stA="38000" endPos="28000" dist="5000" dir="5400000" sy="-100000" algn="bl" rotWithShape="0"/>
           </a:effectLst>
           <a:extLst>
             <a:ext uri="{909E8E84-426E-40DD-AFC4-6F175D3DCCD1}">
@@ -12037,22 +13007,12 @@
                 </a:solidFill>
               </a14:hiddenFill>
             </a:ext>
-            <a:ext uri="{91240B29-F687-4F45-9708-019B960494DF}">
-              <a14:hiddenLine xmlns:a14="http://schemas.microsoft.com/office/drawing/2010/main" w="9525">
-                <a:solidFill>
-                  <a:schemeClr val="tx1"/>
-                </a:solidFill>
-                <a:miter lim="800000"/>
-                <a:headEnd/>
-                <a:tailEnd/>
-              </a14:hiddenLine>
-            </a:ext>
           </a:extLst>
         </p:spPr>
       </p:pic>
       <p:pic>
         <p:nvPicPr>
-          <p:cNvPr id="5" name="Picture 4"/>
+          <p:cNvPr id="9" name="Picture 8"/>
           <p:cNvPicPr>
             <a:picLocks noChangeAspect="1"/>
           </p:cNvPicPr>
@@ -12072,36 +13032,18 @@
         </p:blipFill>
         <p:spPr>
           <a:xfrm>
-            <a:off x="4572000" y="2763642"/>
+            <a:off x="4638740" y="2414602"/>
             <a:ext cx="4151668" cy="3163175"/>
           </a:xfrm>
           <a:prstGeom prst="ellipse">
             <a:avLst/>
           </a:prstGeom>
-          <a:ln w="63500" cap="rnd">
-            <a:solidFill>
-              <a:srgbClr val="333333"/>
-            </a:solidFill>
+          <a:ln>
+            <a:noFill/>
           </a:ln>
           <a:effectLst>
-            <a:outerShdw blurRad="381000" dist="292100" dir="5400000" sx="-80000" sy="-18000" rotWithShape="0">
-              <a:srgbClr val="000000">
-                <a:alpha val="22000"/>
-              </a:srgbClr>
-            </a:outerShdw>
+            <a:softEdge rad="112500"/>
           </a:effectLst>
-          <a:scene3d>
-            <a:camera prst="orthographicFront"/>
-            <a:lightRig rig="contrasting" dir="t">
-              <a:rot lat="0" lon="0" rev="3000000"/>
-            </a:lightRig>
-          </a:scene3d>
-          <a:sp3d contourW="7620">
-            <a:bevelT w="95250" h="31750"/>
-            <a:contourClr>
-              <a:srgbClr val="333333"/>
-            </a:contourClr>
-          </a:sp3d>
         </p:spPr>
       </p:pic>
     </p:spTree>
@@ -12116,13 +13058,13 @@
   </p:clrMapOvr>
   <mc:AlternateContent xmlns:mc="http://schemas.openxmlformats.org/markup-compatibility/2006">
     <mc:Choice xmlns:p14="http://schemas.microsoft.com/office/powerpoint/2010/main" Requires="p14">
-      <p:transition spd="slow" p14:dur="1600">
-        <p:blinds dir="vert"/>
+      <p:transition spd="slow" p14:dur="1200">
+        <p14:flip dir="r"/>
       </p:transition>
     </mc:Choice>
     <mc:Fallback>
       <p:transition spd="slow">
-        <p:blinds dir="vert"/>
+        <p:fade/>
       </p:transition>
     </mc:Fallback>
   </mc:AlternateContent>
@@ -12160,7 +13102,7 @@
                                           </p:stCondLst>
                                         </p:cTn>
                                         <p:tgtEl>
-                                          <p:spTgt spid="1026"/>
+                                          <p:spTgt spid="8"/>
                                         </p:tgtEl>
                                         <p:attrNameLst>
                                           <p:attrName>style.visibility</p:attrName>
@@ -12174,7 +13116,7 @@
                                       <p:cBhvr>
                                         <p:cTn id="7" dur="1000" fill="hold"/>
                                         <p:tgtEl>
-                                          <p:spTgt spid="1026"/>
+                                          <p:spTgt spid="8"/>
                                         </p:tgtEl>
                                         <p:attrNameLst>
                                           <p:attrName>ppt_w</p:attrName>
@@ -12197,7 +13139,7 @@
                                       <p:cBhvr>
                                         <p:cTn id="8" dur="1000" fill="hold"/>
                                         <p:tgtEl>
-                                          <p:spTgt spid="1026"/>
+                                          <p:spTgt spid="8"/>
                                         </p:tgtEl>
                                         <p:attrNameLst>
                                           <p:attrName>ppt_h</p:attrName>
@@ -12220,7 +13162,7 @@
                                       <p:cBhvr>
                                         <p:cTn id="9" dur="1000" fill="hold"/>
                                         <p:tgtEl>
-                                          <p:spTgt spid="1026"/>
+                                          <p:spTgt spid="8"/>
                                         </p:tgtEl>
                                         <p:attrNameLst>
                                           <p:attrName>style.rotation</p:attrName>
@@ -12243,7 +13185,7 @@
                                       <p:cBhvr>
                                         <p:cTn id="10" dur="1000"/>
                                         <p:tgtEl>
-                                          <p:spTgt spid="1026"/>
+                                          <p:spTgt spid="8"/>
                                         </p:tgtEl>
                                       </p:cBhvr>
                                     </p:animEffect>
@@ -12282,7 +13224,7 @@
                                           </p:stCondLst>
                                         </p:cTn>
                                         <p:tgtEl>
-                                          <p:spTgt spid="5"/>
+                                          <p:spTgt spid="9"/>
                                         </p:tgtEl>
                                         <p:attrNameLst>
                                           <p:attrName>style.visibility</p:attrName>
@@ -12296,7 +13238,7 @@
                                       <p:cBhvr>
                                         <p:cTn id="15" dur="1000" fill="hold"/>
                                         <p:tgtEl>
-                                          <p:spTgt spid="5"/>
+                                          <p:spTgt spid="9"/>
                                         </p:tgtEl>
                                         <p:attrNameLst>
                                           <p:attrName>ppt_w</p:attrName>
@@ -12319,7 +13261,7 @@
                                       <p:cBhvr>
                                         <p:cTn id="16" dur="1000" fill="hold"/>
                                         <p:tgtEl>
-                                          <p:spTgt spid="5"/>
+                                          <p:spTgt spid="9"/>
                                         </p:tgtEl>
                                         <p:attrNameLst>
                                           <p:attrName>ppt_h</p:attrName>
@@ -12342,7 +13284,7 @@
                                       <p:cBhvr>
                                         <p:cTn id="17" dur="1000" fill="hold"/>
                                         <p:tgtEl>
-                                          <p:spTgt spid="5"/>
+                                          <p:spTgt spid="9"/>
                                         </p:tgtEl>
                                         <p:attrNameLst>
                                           <p:attrName>style.rotation</p:attrName>
@@ -12365,7 +13307,7 @@
                                       <p:cBhvr>
                                         <p:cTn id="18" dur="1000"/>
                                         <p:tgtEl>
-                                          <p:spTgt spid="5"/>
+                                          <p:spTgt spid="9"/>
                                         </p:tgtEl>
                                       </p:cBhvr>
                                     </p:animEffect>
@@ -12422,6 +13364,452 @@
       </p:grpSpPr>
       <p:sp>
         <p:nvSpPr>
+          <p:cNvPr id="2" name="TextBox 1"/>
+          <p:cNvSpPr txBox="1"/>
+          <p:nvPr/>
+        </p:nvSpPr>
+        <p:spPr>
+          <a:xfrm>
+            <a:off x="1880141" y="399492"/>
+            <a:ext cx="3742756" cy="584775"/>
+          </a:xfrm>
+          <a:prstGeom prst="rect">
+            <a:avLst/>
+          </a:prstGeom>
+          <a:noFill/>
+        </p:spPr>
+        <p:txBody>
+          <a:bodyPr wrap="none" rtlCol="0">
+            <a:spAutoFit/>
+          </a:bodyPr>
+          <a:lstStyle/>
+          <a:p>
+            <a:r>
+              <a:rPr lang="en-US" sz="3200" b="1" dirty="0" smtClean="0">
+                <a:solidFill>
+                  <a:srgbClr val="FFFF00"/>
+                </a:solidFill>
+                <a:effectLst>
+                  <a:outerShdw blurRad="38100" dist="38100" dir="2700000" algn="tl">
+                    <a:srgbClr val="000000">
+                      <a:alpha val="43137"/>
+                    </a:srgbClr>
+                  </a:outerShdw>
+                </a:effectLst>
+              </a:rPr>
+              <a:t>What are problems ?</a:t>
+            </a:r>
+            <a:endParaRPr lang="en-US" sz="3200" b="1" dirty="0">
+              <a:solidFill>
+                <a:srgbClr val="FFFF00"/>
+              </a:solidFill>
+              <a:effectLst>
+                <a:outerShdw blurRad="38100" dist="38100" dir="2700000" algn="tl">
+                  <a:srgbClr val="000000">
+                    <a:alpha val="43137"/>
+                  </a:srgbClr>
+                </a:outerShdw>
+              </a:effectLst>
+            </a:endParaRPr>
+          </a:p>
+        </p:txBody>
+      </p:sp>
+      <p:sp>
+        <p:nvSpPr>
+          <p:cNvPr id="6" name="TextBox 5"/>
+          <p:cNvSpPr txBox="1"/>
+          <p:nvPr/>
+        </p:nvSpPr>
+        <p:spPr>
+          <a:xfrm>
+            <a:off x="2078958" y="1291130"/>
+            <a:ext cx="2394245" cy="523220"/>
+          </a:xfrm>
+          <a:prstGeom prst="rect">
+            <a:avLst/>
+          </a:prstGeom>
+          <a:noFill/>
+        </p:spPr>
+        <p:txBody>
+          <a:bodyPr wrap="none" rtlCol="0">
+            <a:spAutoFit/>
+          </a:bodyPr>
+          <a:lstStyle/>
+          <a:p>
+            <a:r>
+              <a:rPr lang="en-US" sz="2800" b="1" dirty="0" smtClean="0">
+                <a:solidFill>
+                  <a:schemeClr val="tx2"/>
+                </a:solidFill>
+                <a:effectLst>
+                  <a:outerShdw blurRad="38100" dist="38100" dir="2700000" algn="tl">
+                    <a:srgbClr val="000000">
+                      <a:alpha val="43137"/>
+                    </a:srgbClr>
+                  </a:outerShdw>
+                </a:effectLst>
+              </a:rPr>
+              <a:t>Manufacturing</a:t>
+            </a:r>
+            <a:endParaRPr lang="en-US" sz="2800" b="1" dirty="0">
+              <a:solidFill>
+                <a:schemeClr val="tx2"/>
+              </a:solidFill>
+              <a:effectLst>
+                <a:outerShdw blurRad="38100" dist="38100" dir="2700000" algn="tl">
+                  <a:srgbClr val="000000">
+                    <a:alpha val="43137"/>
+                  </a:srgbClr>
+                </a:outerShdw>
+              </a:effectLst>
+            </a:endParaRPr>
+          </a:p>
+        </p:txBody>
+      </p:sp>
+      <p:pic>
+        <p:nvPicPr>
+          <p:cNvPr id="7" name="Content Placeholder 3"/>
+          <p:cNvPicPr>
+            <a:picLocks noGrp="1" noChangeAspect="1"/>
+          </p:cNvPicPr>
+          <p:nvPr>
+            <p:ph idx="1"/>
+          </p:nvPr>
+        </p:nvPicPr>
+        <p:blipFill>
+          <a:blip r:embed="rId2">
+            <a:extLst>
+              <a:ext uri="{28A0092B-C50C-407E-A947-70E740481C1C}">
+                <a14:useLocalDpi xmlns:a14="http://schemas.microsoft.com/office/drawing/2010/main" val="0"/>
+              </a:ext>
+            </a:extLst>
+          </a:blip>
+          <a:stretch>
+            <a:fillRect/>
+          </a:stretch>
+        </p:blipFill>
+        <p:spPr>
+          <a:xfrm>
+            <a:off x="4572000" y="2602478"/>
+            <a:ext cx="4229307" cy="3257706"/>
+          </a:xfrm>
+          <a:prstGeom prst="roundRect">
+            <a:avLst>
+              <a:gd name="adj" fmla="val 8594"/>
+            </a:avLst>
+          </a:prstGeom>
+          <a:solidFill>
+            <a:srgbClr val="FFFFFF">
+              <a:shade val="85000"/>
+            </a:srgbClr>
+          </a:solidFill>
+          <a:ln>
+            <a:noFill/>
+          </a:ln>
+          <a:effectLst>
+            <a:reflection blurRad="12700" stA="38000" endPos="28000" dist="5000" dir="5400000" sy="-100000" algn="bl" rotWithShape="0"/>
+          </a:effectLst>
+        </p:spPr>
+      </p:pic>
+      <p:pic>
+        <p:nvPicPr>
+          <p:cNvPr id="3" name="Picture 2"/>
+          <p:cNvPicPr>
+            <a:picLocks noChangeAspect="1"/>
+          </p:cNvPicPr>
+          <p:nvPr/>
+        </p:nvPicPr>
+        <p:blipFill>
+          <a:blip r:embed="rId3">
+            <a:extLst>
+              <a:ext uri="{28A0092B-C50C-407E-A947-70E740481C1C}">
+                <a14:useLocalDpi xmlns:a14="http://schemas.microsoft.com/office/drawing/2010/main" val="0"/>
+              </a:ext>
+            </a:extLst>
+          </a:blip>
+          <a:stretch>
+            <a:fillRect/>
+          </a:stretch>
+        </p:blipFill>
+        <p:spPr>
+          <a:xfrm>
+            <a:off x="296260" y="2665475"/>
+            <a:ext cx="4061124" cy="3206805"/>
+          </a:xfrm>
+          <a:prstGeom prst="roundRect">
+            <a:avLst>
+              <a:gd name="adj" fmla="val 8594"/>
+            </a:avLst>
+          </a:prstGeom>
+          <a:solidFill>
+            <a:srgbClr val="FFFFFF">
+              <a:shade val="85000"/>
+            </a:srgbClr>
+          </a:solidFill>
+          <a:ln>
+            <a:noFill/>
+          </a:ln>
+          <a:effectLst>
+            <a:reflection blurRad="12700" stA="38000" endPos="28000" dist="5000" dir="5400000" sy="-100000" algn="bl" rotWithShape="0"/>
+          </a:effectLst>
+        </p:spPr>
+      </p:pic>
+    </p:spTree>
+    <p:extLst>
+      <p:ext uri="{BB962C8B-B14F-4D97-AF65-F5344CB8AC3E}">
+        <p14:creationId xmlns:p14="http://schemas.microsoft.com/office/powerpoint/2010/main" val="1455686099"/>
+      </p:ext>
+    </p:extLst>
+  </p:cSld>
+  <p:clrMapOvr>
+    <a:masterClrMapping/>
+  </p:clrMapOvr>
+  <mc:AlternateContent xmlns:mc="http://schemas.openxmlformats.org/markup-compatibility/2006">
+    <mc:Choice xmlns:p14="http://schemas.microsoft.com/office/powerpoint/2010/main" Requires="p14">
+      <p:transition spd="slow" p14:dur="1200">
+        <p14:flip dir="r"/>
+      </p:transition>
+    </mc:Choice>
+    <mc:Fallback>
+      <p:transition spd="slow">
+        <p:fade/>
+      </p:transition>
+    </mc:Fallback>
+  </mc:AlternateContent>
+  <p:timing>
+    <p:tnLst>
+      <p:par>
+        <p:cTn id="1" dur="indefinite" restart="never" nodeType="tmRoot">
+          <p:childTnLst>
+            <p:seq concurrent="1" nextAc="seek">
+              <p:cTn id="2" dur="indefinite" nodeType="mainSeq">
+                <p:childTnLst>
+                  <p:par>
+                    <p:cTn id="3" fill="hold">
+                      <p:stCondLst>
+                        <p:cond delay="indefinite"/>
+                      </p:stCondLst>
+                      <p:childTnLst>
+                        <p:par>
+                          <p:cTn id="4" fill="hold">
+                            <p:stCondLst>
+                              <p:cond delay="0"/>
+                            </p:stCondLst>
+                            <p:childTnLst>
+                              <p:par>
+                                <p:cTn id="5" presetID="2" presetClass="entr" presetSubtype="4" fill="hold" nodeType="clickEffect">
+                                  <p:stCondLst>
+                                    <p:cond delay="0"/>
+                                  </p:stCondLst>
+                                  <p:childTnLst>
+                                    <p:set>
+                                      <p:cBhvr>
+                                        <p:cTn id="6" dur="1" fill="hold">
+                                          <p:stCondLst>
+                                            <p:cond delay="0"/>
+                                          </p:stCondLst>
+                                        </p:cTn>
+                                        <p:tgtEl>
+                                          <p:spTgt spid="7"/>
+                                        </p:tgtEl>
+                                        <p:attrNameLst>
+                                          <p:attrName>style.visibility</p:attrName>
+                                        </p:attrNameLst>
+                                      </p:cBhvr>
+                                      <p:to>
+                                        <p:strVal val="visible"/>
+                                      </p:to>
+                                    </p:set>
+                                    <p:anim calcmode="lin" valueType="num">
+                                      <p:cBhvr additive="base">
+                                        <p:cTn id="7" dur="500" fill="hold"/>
+                                        <p:tgtEl>
+                                          <p:spTgt spid="7"/>
+                                        </p:tgtEl>
+                                        <p:attrNameLst>
+                                          <p:attrName>ppt_x</p:attrName>
+                                        </p:attrNameLst>
+                                      </p:cBhvr>
+                                      <p:tavLst>
+                                        <p:tav tm="0">
+                                          <p:val>
+                                            <p:strVal val="#ppt_x"/>
+                                          </p:val>
+                                        </p:tav>
+                                        <p:tav tm="100000">
+                                          <p:val>
+                                            <p:strVal val="#ppt_x"/>
+                                          </p:val>
+                                        </p:tav>
+                                      </p:tavLst>
+                                    </p:anim>
+                                    <p:anim calcmode="lin" valueType="num">
+                                      <p:cBhvr additive="base">
+                                        <p:cTn id="8" dur="500" fill="hold"/>
+                                        <p:tgtEl>
+                                          <p:spTgt spid="7"/>
+                                        </p:tgtEl>
+                                        <p:attrNameLst>
+                                          <p:attrName>ppt_y</p:attrName>
+                                        </p:attrNameLst>
+                                      </p:cBhvr>
+                                      <p:tavLst>
+                                        <p:tav tm="0">
+                                          <p:val>
+                                            <p:strVal val="1+#ppt_h/2"/>
+                                          </p:val>
+                                        </p:tav>
+                                        <p:tav tm="100000">
+                                          <p:val>
+                                            <p:strVal val="#ppt_y"/>
+                                          </p:val>
+                                        </p:tav>
+                                      </p:tavLst>
+                                    </p:anim>
+                                  </p:childTnLst>
+                                </p:cTn>
+                              </p:par>
+                            </p:childTnLst>
+                          </p:cTn>
+                        </p:par>
+                      </p:childTnLst>
+                    </p:cTn>
+                  </p:par>
+                  <p:par>
+                    <p:cTn id="9" fill="hold">
+                      <p:stCondLst>
+                        <p:cond delay="indefinite"/>
+                      </p:stCondLst>
+                      <p:childTnLst>
+                        <p:par>
+                          <p:cTn id="10" fill="hold">
+                            <p:stCondLst>
+                              <p:cond delay="0"/>
+                            </p:stCondLst>
+                            <p:childTnLst>
+                              <p:par>
+                                <p:cTn id="11" presetID="2" presetClass="entr" presetSubtype="4" fill="hold" nodeType="clickEffect">
+                                  <p:stCondLst>
+                                    <p:cond delay="0"/>
+                                  </p:stCondLst>
+                                  <p:childTnLst>
+                                    <p:set>
+                                      <p:cBhvr>
+                                        <p:cTn id="12" dur="1" fill="hold">
+                                          <p:stCondLst>
+                                            <p:cond delay="0"/>
+                                          </p:stCondLst>
+                                        </p:cTn>
+                                        <p:tgtEl>
+                                          <p:spTgt spid="3"/>
+                                        </p:tgtEl>
+                                        <p:attrNameLst>
+                                          <p:attrName>style.visibility</p:attrName>
+                                        </p:attrNameLst>
+                                      </p:cBhvr>
+                                      <p:to>
+                                        <p:strVal val="visible"/>
+                                      </p:to>
+                                    </p:set>
+                                    <p:anim calcmode="lin" valueType="num">
+                                      <p:cBhvr additive="base">
+                                        <p:cTn id="13" dur="500" fill="hold"/>
+                                        <p:tgtEl>
+                                          <p:spTgt spid="3"/>
+                                        </p:tgtEl>
+                                        <p:attrNameLst>
+                                          <p:attrName>ppt_x</p:attrName>
+                                        </p:attrNameLst>
+                                      </p:cBhvr>
+                                      <p:tavLst>
+                                        <p:tav tm="0">
+                                          <p:val>
+                                            <p:strVal val="#ppt_x"/>
+                                          </p:val>
+                                        </p:tav>
+                                        <p:tav tm="100000">
+                                          <p:val>
+                                            <p:strVal val="#ppt_x"/>
+                                          </p:val>
+                                        </p:tav>
+                                      </p:tavLst>
+                                    </p:anim>
+                                    <p:anim calcmode="lin" valueType="num">
+                                      <p:cBhvr additive="base">
+                                        <p:cTn id="14" dur="500" fill="hold"/>
+                                        <p:tgtEl>
+                                          <p:spTgt spid="3"/>
+                                        </p:tgtEl>
+                                        <p:attrNameLst>
+                                          <p:attrName>ppt_y</p:attrName>
+                                        </p:attrNameLst>
+                                      </p:cBhvr>
+                                      <p:tavLst>
+                                        <p:tav tm="0">
+                                          <p:val>
+                                            <p:strVal val="1+#ppt_h/2"/>
+                                          </p:val>
+                                        </p:tav>
+                                        <p:tav tm="100000">
+                                          <p:val>
+                                            <p:strVal val="#ppt_y"/>
+                                          </p:val>
+                                        </p:tav>
+                                      </p:tavLst>
+                                    </p:anim>
+                                  </p:childTnLst>
+                                </p:cTn>
+                              </p:par>
+                            </p:childTnLst>
+                          </p:cTn>
+                        </p:par>
+                      </p:childTnLst>
+                    </p:cTn>
+                  </p:par>
+                </p:childTnLst>
+              </p:cTn>
+              <p:prevCondLst>
+                <p:cond evt="onPrev" delay="0">
+                  <p:tgtEl>
+                    <p:sldTgt/>
+                  </p:tgtEl>
+                </p:cond>
+              </p:prevCondLst>
+              <p:nextCondLst>
+                <p:cond evt="onNext" delay="0">
+                  <p:tgtEl>
+                    <p:sldTgt/>
+                  </p:tgtEl>
+                </p:cond>
+              </p:nextCondLst>
+            </p:seq>
+          </p:childTnLst>
+        </p:cTn>
+      </p:par>
+    </p:tnLst>
+  </p:timing>
+</p:sld>
+</file>
+
+<file path=ppt/slides/slide6.xml><?xml version="1.0" encoding="utf-8"?>
+<p:sld xmlns:a="http://schemas.openxmlformats.org/drawingml/2006/main" xmlns:r="http://schemas.openxmlformats.org/officeDocument/2006/relationships" xmlns:p="http://schemas.openxmlformats.org/presentationml/2006/main">
+  <p:cSld>
+    <p:spTree>
+      <p:nvGrpSpPr>
+        <p:cNvPr id="1" name=""/>
+        <p:cNvGrpSpPr/>
+        <p:nvPr/>
+      </p:nvGrpSpPr>
+      <p:grpSpPr>
+        <a:xfrm>
+          <a:off x="0" y="0"/>
+          <a:ext cx="0" cy="0"/>
+          <a:chOff x="0" y="0"/>
+          <a:chExt cx="0" cy="0"/>
+        </a:xfrm>
+      </p:grpSpPr>
+      <p:sp>
+        <p:nvSpPr>
           <p:cNvPr id="2" name="Title 1"/>
           <p:cNvSpPr>
             <a:spLocks noGrp="1"/>
@@ -12444,7 +13832,7 @@
           <a:p>
             <a:r>
               <a:rPr lang="en-US" b="1" dirty="0" smtClean="0"/>
-              <a:t>Problems</a:t>
+              <a:t>Solution</a:t>
             </a:r>
             <a:endParaRPr lang="en-US" b="1" dirty="0"/>
           </a:p>
@@ -12471,12 +13859,44 @@
           <a:bodyPr/>
           <a:lstStyle/>
           <a:p>
+            <a:pPr>
+              <a:buFont typeface="Wingdings" panose="05000000000000000000" pitchFamily="2" charset="2"/>
+              <a:buChar char="§"/>
+            </a:pPr>
             <a:r>
               <a:rPr lang="en-US" dirty="0" smtClean="0"/>
-              <a:t>Mistake order</a:t>
-            </a:r>
-          </a:p>
-          <a:p>
+              <a:t>Reduce </a:t>
+            </a:r>
+            <a:r>
+              <a:rPr lang="en-US" dirty="0" smtClean="0"/>
+              <a:t>process</a:t>
+            </a:r>
+            <a:r>
+              <a:rPr lang="en-US" dirty="0" smtClean="0"/>
+              <a:t> in ordering system of company</a:t>
+            </a:r>
+          </a:p>
+          <a:p>
+            <a:pPr>
+              <a:buFont typeface="Wingdings" panose="05000000000000000000" pitchFamily="2" charset="2"/>
+              <a:buChar char="§"/>
+            </a:pPr>
+            <a:r>
+              <a:rPr lang="en-US" dirty="0" smtClean="0"/>
+              <a:t>Determine</a:t>
+            </a:r>
+            <a:r>
+              <a:rPr lang="th-TH" dirty="0" smtClean="0"/>
+              <a:t> </a:t>
+            </a:r>
+            <a:r>
+              <a:rPr lang="en-US" dirty="0" smtClean="0"/>
+              <a:t> </a:t>
+            </a:r>
+            <a:r>
+              <a:rPr lang="en-US" dirty="0"/>
+              <a:t>the usage of ingredients</a:t>
+            </a:r>
             <a:endParaRPr lang="en-US" dirty="0"/>
           </a:p>
         </p:txBody>
@@ -12493,13 +13913,13 @@
   </p:clrMapOvr>
   <mc:AlternateContent xmlns:mc="http://schemas.openxmlformats.org/markup-compatibility/2006">
     <mc:Choice xmlns:p14="http://schemas.microsoft.com/office/powerpoint/2010/main" Requires="p14">
-      <p:transition spd="slow" p14:dur="1600">
-        <p:blinds dir="vert"/>
+      <p:transition spd="slow" p14:dur="1400">
+        <p14:ripple/>
       </p:transition>
     </mc:Choice>
     <mc:Fallback>
       <p:transition spd="slow">
-        <p:blinds dir="vert"/>
+        <p:fade/>
       </p:transition>
     </mc:Fallback>
   </mc:AlternateContent>
@@ -12513,7 +13933,7 @@
 </p:sld>
 </file>
 
-<file path=ppt/slides/slide6.xml><?xml version="1.0" encoding="utf-8"?>
+<file path=ppt/slides/slide7.xml><?xml version="1.0" encoding="utf-8"?>
 <p:sld xmlns:a="http://schemas.openxmlformats.org/drawingml/2006/main" xmlns:r="http://schemas.openxmlformats.org/officeDocument/2006/relationships" xmlns:p="http://schemas.openxmlformats.org/presentationml/2006/main">
   <p:cSld>
     <p:spTree>
@@ -12725,13 +14145,13 @@
   <p:clrMapOvr>
     <a:masterClrMapping/>
   </p:clrMapOvr>
-  <mc:AlternateContent xmlns:mc="http://schemas.openxmlformats.org/markup-compatibility/2006">
-    <mc:Choice xmlns:p14="http://schemas.microsoft.com/office/powerpoint/2010/main" Requires="p14">
+  <mc:AlternateContent xmlns:mc="http://schemas.openxmlformats.org/markup-compatibility/2006" xmlns:p14="http://schemas.microsoft.com/office/powerpoint/2010/main">
+    <mc:Choice Requires="p14">
       <p:transition spd="slow" p14:dur="1400">
         <p14:doors dir="vert"/>
       </p:transition>
     </mc:Choice>
-    <mc:Fallback>
+    <mc:Fallback xmlns="">
       <p:transition spd="slow">
         <p:fade/>
       </p:transition>
@@ -12871,7 +14291,7 @@
 </p:sld>
 </file>
 
-<file path=ppt/slides/slide7.xml><?xml version="1.0" encoding="utf-8"?>
+<file path=ppt/slides/slide8.xml><?xml version="1.0" encoding="utf-8"?>
 <p:sld xmlns:a="http://schemas.openxmlformats.org/drawingml/2006/main" xmlns:r="http://schemas.openxmlformats.org/officeDocument/2006/relationships" xmlns:p="http://schemas.openxmlformats.org/presentationml/2006/main">
   <p:cSld>
     <p:spTree>
@@ -13021,13 +14441,13 @@
   <p:clrMapOvr>
     <a:masterClrMapping/>
   </p:clrMapOvr>
-  <mc:AlternateContent xmlns:mc="http://schemas.openxmlformats.org/markup-compatibility/2006">
-    <mc:Choice xmlns:p14="http://schemas.microsoft.com/office/powerpoint/2010/main" Requires="p14">
+  <mc:AlternateContent xmlns:mc="http://schemas.openxmlformats.org/markup-compatibility/2006" xmlns:p14="http://schemas.microsoft.com/office/powerpoint/2010/main">
+    <mc:Choice Requires="p14">
       <p:transition spd="slow" p14:dur="1600">
         <p14:prism isInverted="1"/>
       </p:transition>
     </mc:Choice>
-    <mc:Fallback>
+    <mc:Fallback xmlns="">
       <p:transition spd="slow">
         <p:fade/>
       </p:transition>
@@ -13363,7 +14783,7 @@
 </p:sld>
 </file>
 
-<file path=ppt/slides/slide8.xml><?xml version="1.0" encoding="utf-8"?>
+<file path=ppt/slides/slide9.xml><?xml version="1.0" encoding="utf-8"?>
 <p:sld xmlns:a="http://schemas.openxmlformats.org/drawingml/2006/main" xmlns:r="http://schemas.openxmlformats.org/officeDocument/2006/relationships" xmlns:p="http://schemas.openxmlformats.org/presentationml/2006/main">
   <p:cSld>
     <p:spTree>
@@ -13525,13 +14945,13 @@
   <p:clrMapOvr>
     <a:masterClrMapping/>
   </p:clrMapOvr>
-  <mc:AlternateContent xmlns:mc="http://schemas.openxmlformats.org/markup-compatibility/2006">
-    <mc:Choice xmlns:p14="http://schemas.microsoft.com/office/powerpoint/2010/main" Requires="p14">
+  <mc:AlternateContent xmlns:mc="http://schemas.openxmlformats.org/markup-compatibility/2006" xmlns:p14="http://schemas.microsoft.com/office/powerpoint/2010/main">
+    <mc:Choice Requires="p14">
       <p:transition spd="slow" p14:dur="1600">
         <p14:prism isInverted="1"/>
       </p:transition>
     </mc:Choice>
-    <mc:Fallback>
+    <mc:Fallback xmlns="">
       <p:transition spd="slow">
         <p:fade/>
       </p:transition>
@@ -13797,322 +15217,6 @@
     <p:bldLst>
       <p:bldP spid="5" grpId="0"/>
       <p:bldP spid="6" grpId="0" build="p"/>
-    </p:bldLst>
-  </p:timing>
-</p:sld>
-</file>
-
-<file path=ppt/slides/slide9.xml><?xml version="1.0" encoding="utf-8"?>
-<p:sld xmlns:a="http://schemas.openxmlformats.org/drawingml/2006/main" xmlns:r="http://schemas.openxmlformats.org/officeDocument/2006/relationships" xmlns:p="http://schemas.openxmlformats.org/presentationml/2006/main">
-  <p:cSld>
-    <p:spTree>
-      <p:nvGrpSpPr>
-        <p:cNvPr id="1" name=""/>
-        <p:cNvGrpSpPr/>
-        <p:nvPr/>
-      </p:nvGrpSpPr>
-      <p:grpSpPr>
-        <a:xfrm>
-          <a:off x="0" y="0"/>
-          <a:ext cx="0" cy="0"/>
-          <a:chOff x="0" y="0"/>
-          <a:chExt cx="0" cy="0"/>
-        </a:xfrm>
-      </p:grpSpPr>
-      <p:sp>
-        <p:nvSpPr>
-          <p:cNvPr id="2" name="Title 1"/>
-          <p:cNvSpPr>
-            <a:spLocks noGrp="1"/>
-          </p:cNvSpPr>
-          <p:nvPr>
-            <p:ph type="title"/>
-          </p:nvPr>
-        </p:nvSpPr>
-        <p:spPr>
-          <a:xfrm>
-            <a:off x="1823310" y="374900"/>
-            <a:ext cx="7016195" cy="610820"/>
-          </a:xfrm>
-        </p:spPr>
-        <p:txBody>
-          <a:bodyPr>
-            <a:normAutofit fontScale="90000"/>
-          </a:bodyPr>
-          <a:lstStyle/>
-          <a:p>
-            <a:r>
-              <a:rPr lang="en-US" b="1" dirty="0" smtClean="0">
-                <a:solidFill>
-                  <a:srgbClr val="FFFF00"/>
-                </a:solidFill>
-                <a:effectLst>
-                  <a:outerShdw blurRad="38100" dist="38100" dir="2700000" algn="tl">
-                    <a:srgbClr val="000000">
-                      <a:alpha val="43137"/>
-                    </a:srgbClr>
-                  </a:outerShdw>
-                </a:effectLst>
-              </a:rPr>
-              <a:t>Similar system review </a:t>
-            </a:r>
-            <a:endParaRPr lang="en-US" b="1" dirty="0">
-              <a:solidFill>
-                <a:srgbClr val="FFFF00"/>
-              </a:solidFill>
-              <a:effectLst>
-                <a:outerShdw blurRad="38100" dist="38100" dir="2700000" algn="tl">
-                  <a:srgbClr val="000000">
-                    <a:alpha val="43137"/>
-                  </a:srgbClr>
-                </a:outerShdw>
-              </a:effectLst>
-            </a:endParaRPr>
-          </a:p>
-        </p:txBody>
-      </p:sp>
-      <p:sp>
-        <p:nvSpPr>
-          <p:cNvPr id="8" name="TextBox 7"/>
-          <p:cNvSpPr txBox="1"/>
-          <p:nvPr/>
-        </p:nvSpPr>
-        <p:spPr>
-          <a:xfrm>
-            <a:off x="2128720" y="1443835"/>
-            <a:ext cx="3192412" cy="523220"/>
-          </a:xfrm>
-          <a:prstGeom prst="rect">
-            <a:avLst/>
-          </a:prstGeom>
-          <a:noFill/>
-          <a:ln>
-            <a:noFill/>
-          </a:ln>
-        </p:spPr>
-        <p:txBody>
-          <a:bodyPr wrap="none" rtlCol="0">
-            <a:spAutoFit/>
-          </a:bodyPr>
-          <a:lstStyle/>
-          <a:p>
-            <a:r>
-              <a:rPr lang="en-US" sz="2800" b="1" dirty="0" smtClean="0">
-                <a:solidFill>
-                  <a:schemeClr val="tx2"/>
-                </a:solidFill>
-                <a:effectLst>
-                  <a:outerShdw blurRad="38100" dist="38100" dir="2700000" algn="tl">
-                    <a:srgbClr val="000000">
-                      <a:alpha val="43137"/>
-                    </a:srgbClr>
-                  </a:outerShdw>
-                </a:effectLst>
-              </a:rPr>
-              <a:t>Bakery land website</a:t>
-            </a:r>
-            <a:endParaRPr lang="en-US" sz="2800" b="1" dirty="0">
-              <a:solidFill>
-                <a:schemeClr val="tx2"/>
-              </a:solidFill>
-              <a:effectLst>
-                <a:outerShdw blurRad="38100" dist="38100" dir="2700000" algn="tl">
-                  <a:srgbClr val="000000">
-                    <a:alpha val="43137"/>
-                  </a:srgbClr>
-                </a:outerShdw>
-              </a:effectLst>
-            </a:endParaRPr>
-          </a:p>
-        </p:txBody>
-      </p:sp>
-      <p:pic>
-        <p:nvPicPr>
-          <p:cNvPr id="5" name="Picture 4"/>
-          <p:cNvPicPr/>
-          <p:nvPr/>
-        </p:nvPicPr>
-        <p:blipFill>
-          <a:blip r:embed="rId2"/>
-          <a:srcRect l="8186" t="10701" r="9229" b="4059"/>
-          <a:stretch>
-            <a:fillRect/>
-          </a:stretch>
-        </p:blipFill>
-        <p:spPr>
-          <a:xfrm>
-            <a:off x="2936380" y="2207360"/>
-            <a:ext cx="4995129" cy="3970330"/>
-          </a:xfrm>
-          <a:prstGeom prst="roundRect">
-            <a:avLst>
-              <a:gd name="adj" fmla="val 8594"/>
-            </a:avLst>
-          </a:prstGeom>
-          <a:solidFill>
-            <a:srgbClr val="FFFFFF">
-              <a:shade val="85000"/>
-            </a:srgbClr>
-          </a:solidFill>
-          <a:ln>
-            <a:noFill/>
-          </a:ln>
-          <a:effectLst>
-            <a:reflection blurRad="12700" stA="38000" endPos="28000" dist="5000" dir="5400000" sy="-100000" algn="bl" rotWithShape="0"/>
-          </a:effectLst>
-        </p:spPr>
-      </p:pic>
-    </p:spTree>
-    <p:extLst>
-      <p:ext uri="{BB962C8B-B14F-4D97-AF65-F5344CB8AC3E}">
-        <p14:creationId xmlns:p14="http://schemas.microsoft.com/office/powerpoint/2010/main" val="3844975861"/>
-      </p:ext>
-    </p:extLst>
-  </p:cSld>
-  <p:clrMapOvr>
-    <a:masterClrMapping/>
-  </p:clrMapOvr>
-  <mc:AlternateContent xmlns:mc="http://schemas.openxmlformats.org/markup-compatibility/2006">
-    <mc:Choice xmlns:p14="http://schemas.microsoft.com/office/powerpoint/2010/main" Requires="p14">
-      <p:transition spd="slow" p14:dur="1400">
-        <p14:doors dir="vert"/>
-      </p:transition>
-    </mc:Choice>
-    <mc:Fallback>
-      <p:transition spd="slow">
-        <p:fade/>
-      </p:transition>
-    </mc:Fallback>
-  </mc:AlternateContent>
-  <p:timing>
-    <p:tnLst>
-      <p:par>
-        <p:cTn id="1" dur="indefinite" restart="never" nodeType="tmRoot">
-          <p:childTnLst>
-            <p:seq concurrent="1" nextAc="seek">
-              <p:cTn id="2" dur="indefinite" nodeType="mainSeq">
-                <p:childTnLst>
-                  <p:par>
-                    <p:cTn id="3" fill="hold">
-                      <p:stCondLst>
-                        <p:cond delay="indefinite"/>
-                      </p:stCondLst>
-                      <p:childTnLst>
-                        <p:par>
-                          <p:cTn id="4" fill="hold">
-                            <p:stCondLst>
-                              <p:cond delay="0"/>
-                            </p:stCondLst>
-                            <p:childTnLst>
-                              <p:par>
-                                <p:cTn id="5" presetID="1" presetClass="entr" presetSubtype="0" fill="hold" grpId="0" nodeType="clickEffect">
-                                  <p:stCondLst>
-                                    <p:cond delay="0"/>
-                                  </p:stCondLst>
-                                  <p:childTnLst>
-                                    <p:set>
-                                      <p:cBhvr>
-                                        <p:cTn id="6" dur="1" fill="hold">
-                                          <p:stCondLst>
-                                            <p:cond delay="0"/>
-                                          </p:stCondLst>
-                                        </p:cTn>
-                                        <p:tgtEl>
-                                          <p:spTgt spid="8"/>
-                                        </p:tgtEl>
-                                        <p:attrNameLst>
-                                          <p:attrName>style.visibility</p:attrName>
-                                        </p:attrNameLst>
-                                      </p:cBhvr>
-                                      <p:to>
-                                        <p:strVal val="visible"/>
-                                      </p:to>
-                                    </p:set>
-                                  </p:childTnLst>
-                                </p:cTn>
-                              </p:par>
-                            </p:childTnLst>
-                          </p:cTn>
-                        </p:par>
-                      </p:childTnLst>
-                    </p:cTn>
-                  </p:par>
-                  <p:par>
-                    <p:cTn id="7" fill="hold">
-                      <p:stCondLst>
-                        <p:cond delay="indefinite"/>
-                      </p:stCondLst>
-                      <p:childTnLst>
-                        <p:par>
-                          <p:cTn id="8" fill="hold">
-                            <p:stCondLst>
-                              <p:cond delay="0"/>
-                            </p:stCondLst>
-                            <p:childTnLst>
-                              <p:par>
-                                <p:cTn id="9" presetID="10" presetClass="entr" presetSubtype="0" fill="hold" nodeType="clickEffect">
-                                  <p:stCondLst>
-                                    <p:cond delay="0"/>
-                                  </p:stCondLst>
-                                  <p:childTnLst>
-                                    <p:set>
-                                      <p:cBhvr>
-                                        <p:cTn id="10" dur="1" fill="hold">
-                                          <p:stCondLst>
-                                            <p:cond delay="0"/>
-                                          </p:stCondLst>
-                                        </p:cTn>
-                                        <p:tgtEl>
-                                          <p:spTgt spid="5"/>
-                                        </p:tgtEl>
-                                        <p:attrNameLst>
-                                          <p:attrName>style.visibility</p:attrName>
-                                        </p:attrNameLst>
-                                      </p:cBhvr>
-                                      <p:to>
-                                        <p:strVal val="visible"/>
-                                      </p:to>
-                                    </p:set>
-                                    <p:animEffect transition="in" filter="fade">
-                                      <p:cBhvr>
-                                        <p:cTn id="11" dur="500"/>
-                                        <p:tgtEl>
-                                          <p:spTgt spid="5"/>
-                                        </p:tgtEl>
-                                      </p:cBhvr>
-                                    </p:animEffect>
-                                  </p:childTnLst>
-                                </p:cTn>
-                              </p:par>
-                            </p:childTnLst>
-                          </p:cTn>
-                        </p:par>
-                      </p:childTnLst>
-                    </p:cTn>
-                  </p:par>
-                </p:childTnLst>
-              </p:cTn>
-              <p:prevCondLst>
-                <p:cond evt="onPrev" delay="0">
-                  <p:tgtEl>
-                    <p:sldTgt/>
-                  </p:tgtEl>
-                </p:cond>
-              </p:prevCondLst>
-              <p:nextCondLst>
-                <p:cond evt="onNext" delay="0">
-                  <p:tgtEl>
-                    <p:sldTgt/>
-                  </p:tgtEl>
-                </p:cond>
-              </p:nextCondLst>
-            </p:seq>
-          </p:childTnLst>
-        </p:cTn>
-      </p:par>
-    </p:tnLst>
-    <p:bldLst>
-      <p:bldP spid="8" grpId="0"/>
     </p:bldLst>
   </p:timing>
 </p:sld>
@@ -14401,4 +15505,289 @@
   <a:objectDefaults/>
   <a:extraClrSchemeLst/>
 </a:theme>
+</file>
+
+<file path=ppt/theme/theme2.xml><?xml version="1.0" encoding="utf-8"?>
+<a:theme xmlns:a="http://schemas.openxmlformats.org/drawingml/2006/main" name="Office Theme">
+  <a:themeElements>
+    <a:clrScheme name="Office">
+      <a:dk1>
+        <a:sysClr val="windowText" lastClr="000000"/>
+      </a:dk1>
+      <a:lt1>
+        <a:sysClr val="window" lastClr="FFFFFF"/>
+      </a:lt1>
+      <a:dk2>
+        <a:srgbClr val="1F497D"/>
+      </a:dk2>
+      <a:lt2>
+        <a:srgbClr val="EEECE1"/>
+      </a:lt2>
+      <a:accent1>
+        <a:srgbClr val="4F81BD"/>
+      </a:accent1>
+      <a:accent2>
+        <a:srgbClr val="C0504D"/>
+      </a:accent2>
+      <a:accent3>
+        <a:srgbClr val="9BBB59"/>
+      </a:accent3>
+      <a:accent4>
+        <a:srgbClr val="8064A2"/>
+      </a:accent4>
+      <a:accent5>
+        <a:srgbClr val="4BACC6"/>
+      </a:accent5>
+      <a:accent6>
+        <a:srgbClr val="F79646"/>
+      </a:accent6>
+      <a:hlink>
+        <a:srgbClr val="0000FF"/>
+      </a:hlink>
+      <a:folHlink>
+        <a:srgbClr val="800080"/>
+      </a:folHlink>
+    </a:clrScheme>
+    <a:fontScheme name="Office">
+      <a:majorFont>
+        <a:latin typeface="Calibri"/>
+        <a:ea typeface=""/>
+        <a:cs typeface=""/>
+        <a:font script="Jpan" typeface="ＭＳ Ｐゴシック"/>
+        <a:font script="Hang" typeface="맑은 고딕"/>
+        <a:font script="Hans" typeface="宋体"/>
+        <a:font script="Hant" typeface="新細明體"/>
+        <a:font script="Arab" typeface="Times New Roman"/>
+        <a:font script="Hebr" typeface="Times New Roman"/>
+        <a:font script="Thai" typeface="Angsana New"/>
+        <a:font script="Ethi" typeface="Nyala"/>
+        <a:font script="Beng" typeface="Vrinda"/>
+        <a:font script="Gujr" typeface="Shruti"/>
+        <a:font script="Khmr" typeface="MoolBoran"/>
+        <a:font script="Knda" typeface="Tunga"/>
+        <a:font script="Guru" typeface="Raavi"/>
+        <a:font script="Cans" typeface="Euphemia"/>
+        <a:font script="Cher" typeface="Plantagenet Cherokee"/>
+        <a:font script="Yiii" typeface="Microsoft Yi Baiti"/>
+        <a:font script="Tibt" typeface="Microsoft Himalaya"/>
+        <a:font script="Thaa" typeface="MV Boli"/>
+        <a:font script="Deva" typeface="Mangal"/>
+        <a:font script="Telu" typeface="Gautami"/>
+        <a:font script="Taml" typeface="Latha"/>
+        <a:font script="Syrc" typeface="Estrangelo Edessa"/>
+        <a:font script="Orya" typeface="Kalinga"/>
+        <a:font script="Mlym" typeface="Kartika"/>
+        <a:font script="Laoo" typeface="DokChampa"/>
+        <a:font script="Sinh" typeface="Iskoola Pota"/>
+        <a:font script="Mong" typeface="Mongolian Baiti"/>
+        <a:font script="Viet" typeface="Times New Roman"/>
+        <a:font script="Uigh" typeface="Microsoft Uighur"/>
+        <a:font script="Geor" typeface="Sylfaen"/>
+      </a:majorFont>
+      <a:minorFont>
+        <a:latin typeface="Calibri"/>
+        <a:ea typeface=""/>
+        <a:cs typeface=""/>
+        <a:font script="Jpan" typeface="ＭＳ Ｐゴシック"/>
+        <a:font script="Hang" typeface="맑은 고딕"/>
+        <a:font script="Hans" typeface="宋体"/>
+        <a:font script="Hant" typeface="新細明體"/>
+        <a:font script="Arab" typeface="Arial"/>
+        <a:font script="Hebr" typeface="Arial"/>
+        <a:font script="Thai" typeface="Cordia New"/>
+        <a:font script="Ethi" typeface="Nyala"/>
+        <a:font script="Beng" typeface="Vrinda"/>
+        <a:font script="Gujr" typeface="Shruti"/>
+        <a:font script="Khmr" typeface="DaunPenh"/>
+        <a:font script="Knda" typeface="Tunga"/>
+        <a:font script="Guru" typeface="Raavi"/>
+        <a:font script="Cans" typeface="Euphemia"/>
+        <a:font script="Cher" typeface="Plantagenet Cherokee"/>
+        <a:font script="Yiii" typeface="Microsoft Yi Baiti"/>
+        <a:font script="Tibt" typeface="Microsoft Himalaya"/>
+        <a:font script="Thaa" typeface="MV Boli"/>
+        <a:font script="Deva" typeface="Mangal"/>
+        <a:font script="Telu" typeface="Gautami"/>
+        <a:font script="Taml" typeface="Latha"/>
+        <a:font script="Syrc" typeface="Estrangelo Edessa"/>
+        <a:font script="Orya" typeface="Kalinga"/>
+        <a:font script="Mlym" typeface="Kartika"/>
+        <a:font script="Laoo" typeface="DokChampa"/>
+        <a:font script="Sinh" typeface="Iskoola Pota"/>
+        <a:font script="Mong" typeface="Mongolian Baiti"/>
+        <a:font script="Viet" typeface="Arial"/>
+        <a:font script="Uigh" typeface="Microsoft Uighur"/>
+        <a:font script="Geor" typeface="Sylfaen"/>
+      </a:minorFont>
+    </a:fontScheme>
+    <a:fmtScheme name="Office">
+      <a:fillStyleLst>
+        <a:solidFill>
+          <a:schemeClr val="phClr"/>
+        </a:solidFill>
+        <a:gradFill rotWithShape="1">
+          <a:gsLst>
+            <a:gs pos="0">
+              <a:schemeClr val="phClr">
+                <a:tint val="50000"/>
+                <a:satMod val="300000"/>
+              </a:schemeClr>
+            </a:gs>
+            <a:gs pos="35000">
+              <a:schemeClr val="phClr">
+                <a:tint val="37000"/>
+                <a:satMod val="300000"/>
+              </a:schemeClr>
+            </a:gs>
+            <a:gs pos="100000">
+              <a:schemeClr val="phClr">
+                <a:tint val="15000"/>
+                <a:satMod val="350000"/>
+              </a:schemeClr>
+            </a:gs>
+          </a:gsLst>
+          <a:lin ang="16200000" scaled="1"/>
+        </a:gradFill>
+        <a:gradFill rotWithShape="1">
+          <a:gsLst>
+            <a:gs pos="0">
+              <a:schemeClr val="phClr">
+                <a:shade val="51000"/>
+                <a:satMod val="130000"/>
+              </a:schemeClr>
+            </a:gs>
+            <a:gs pos="80000">
+              <a:schemeClr val="phClr">
+                <a:shade val="93000"/>
+                <a:satMod val="130000"/>
+              </a:schemeClr>
+            </a:gs>
+            <a:gs pos="100000">
+              <a:schemeClr val="phClr">
+                <a:shade val="94000"/>
+                <a:satMod val="135000"/>
+              </a:schemeClr>
+            </a:gs>
+          </a:gsLst>
+          <a:lin ang="16200000" scaled="0"/>
+        </a:gradFill>
+      </a:fillStyleLst>
+      <a:lnStyleLst>
+        <a:ln w="9525" cap="flat" cmpd="sng" algn="ctr">
+          <a:solidFill>
+            <a:schemeClr val="phClr">
+              <a:shade val="95000"/>
+              <a:satMod val="105000"/>
+            </a:schemeClr>
+          </a:solidFill>
+          <a:prstDash val="solid"/>
+        </a:ln>
+        <a:ln w="25400" cap="flat" cmpd="sng" algn="ctr">
+          <a:solidFill>
+            <a:schemeClr val="phClr"/>
+          </a:solidFill>
+          <a:prstDash val="solid"/>
+        </a:ln>
+        <a:ln w="38100" cap="flat" cmpd="sng" algn="ctr">
+          <a:solidFill>
+            <a:schemeClr val="phClr"/>
+          </a:solidFill>
+          <a:prstDash val="solid"/>
+        </a:ln>
+      </a:lnStyleLst>
+      <a:effectStyleLst>
+        <a:effectStyle>
+          <a:effectLst>
+            <a:outerShdw blurRad="40000" dist="20000" dir="5400000" rotWithShape="0">
+              <a:srgbClr val="000000">
+                <a:alpha val="38000"/>
+              </a:srgbClr>
+            </a:outerShdw>
+          </a:effectLst>
+        </a:effectStyle>
+        <a:effectStyle>
+          <a:effectLst>
+            <a:outerShdw blurRad="40000" dist="23000" dir="5400000" rotWithShape="0">
+              <a:srgbClr val="000000">
+                <a:alpha val="35000"/>
+              </a:srgbClr>
+            </a:outerShdw>
+          </a:effectLst>
+        </a:effectStyle>
+        <a:effectStyle>
+          <a:effectLst>
+            <a:outerShdw blurRad="40000" dist="23000" dir="5400000" rotWithShape="0">
+              <a:srgbClr val="000000">
+                <a:alpha val="35000"/>
+              </a:srgbClr>
+            </a:outerShdw>
+          </a:effectLst>
+          <a:scene3d>
+            <a:camera prst="orthographicFront">
+              <a:rot lat="0" lon="0" rev="0"/>
+            </a:camera>
+            <a:lightRig rig="threePt" dir="t">
+              <a:rot lat="0" lon="0" rev="1200000"/>
+            </a:lightRig>
+          </a:scene3d>
+          <a:sp3d>
+            <a:bevelT w="63500" h="25400"/>
+          </a:sp3d>
+        </a:effectStyle>
+      </a:effectStyleLst>
+      <a:bgFillStyleLst>
+        <a:solidFill>
+          <a:schemeClr val="phClr"/>
+        </a:solidFill>
+        <a:gradFill rotWithShape="1">
+          <a:gsLst>
+            <a:gs pos="0">
+              <a:schemeClr val="phClr">
+                <a:tint val="40000"/>
+                <a:satMod val="350000"/>
+              </a:schemeClr>
+            </a:gs>
+            <a:gs pos="40000">
+              <a:schemeClr val="phClr">
+                <a:tint val="45000"/>
+                <a:shade val="99000"/>
+                <a:satMod val="350000"/>
+              </a:schemeClr>
+            </a:gs>
+            <a:gs pos="100000">
+              <a:schemeClr val="phClr">
+                <a:shade val="20000"/>
+                <a:satMod val="255000"/>
+              </a:schemeClr>
+            </a:gs>
+          </a:gsLst>
+          <a:path path="circle">
+            <a:fillToRect l="50000" t="-80000" r="50000" b="180000"/>
+          </a:path>
+        </a:gradFill>
+        <a:gradFill rotWithShape="1">
+          <a:gsLst>
+            <a:gs pos="0">
+              <a:schemeClr val="phClr">
+                <a:tint val="80000"/>
+                <a:satMod val="300000"/>
+              </a:schemeClr>
+            </a:gs>
+            <a:gs pos="100000">
+              <a:schemeClr val="phClr">
+                <a:shade val="30000"/>
+                <a:satMod val="200000"/>
+              </a:schemeClr>
+            </a:gs>
+          </a:gsLst>
+          <a:path path="circle">
+            <a:fillToRect l="50000" t="50000" r="50000" b="50000"/>
+          </a:path>
+        </a:gradFill>
+      </a:bgFillStyleLst>
+    </a:fmtScheme>
+  </a:themeElements>
+  <a:objectDefaults/>
+  <a:extraClrSchemeLst/>
+</a:theme>
 </file>